--- a/CSCE689-23/L32.pptx
+++ b/CSCE689-23/L32.pptx
@@ -5,33 +5,37 @@
     <p:sldMasterId id="2147483648" r:id="rId1"/>
   </p:sldMasterIdLst>
   <p:notesMasterIdLst>
-    <p:notesMasterId r:id="rId26"/>
+    <p:notesMasterId r:id="rId30"/>
   </p:notesMasterIdLst>
   <p:sldIdLst>
-    <p:sldId id="256" r:id="rId2"/>
-    <p:sldId id="861" r:id="rId3"/>
-    <p:sldId id="989" r:id="rId4"/>
-    <p:sldId id="735" r:id="rId5"/>
-    <p:sldId id="1240" r:id="rId6"/>
-    <p:sldId id="1241" r:id="rId7"/>
-    <p:sldId id="733" r:id="rId8"/>
-    <p:sldId id="732" r:id="rId9"/>
-    <p:sldId id="731" r:id="rId10"/>
-    <p:sldId id="1242" r:id="rId11"/>
-    <p:sldId id="1243" r:id="rId12"/>
-    <p:sldId id="1245" r:id="rId13"/>
-    <p:sldId id="1246" r:id="rId14"/>
-    <p:sldId id="1247" r:id="rId15"/>
-    <p:sldId id="1248" r:id="rId16"/>
-    <p:sldId id="1249" r:id="rId17"/>
-    <p:sldId id="1251" r:id="rId18"/>
-    <p:sldId id="1250" r:id="rId19"/>
-    <p:sldId id="1252" r:id="rId20"/>
-    <p:sldId id="1254" r:id="rId21"/>
-    <p:sldId id="1255" r:id="rId22"/>
-    <p:sldId id="1256" r:id="rId23"/>
+    <p:sldId id="861" r:id="rId2"/>
+    <p:sldId id="989" r:id="rId3"/>
+    <p:sldId id="735" r:id="rId4"/>
+    <p:sldId id="1240" r:id="rId5"/>
+    <p:sldId id="1241" r:id="rId6"/>
+    <p:sldId id="733" r:id="rId7"/>
+    <p:sldId id="732" r:id="rId8"/>
+    <p:sldId id="731" r:id="rId9"/>
+    <p:sldId id="1242" r:id="rId10"/>
+    <p:sldId id="1243" r:id="rId11"/>
+    <p:sldId id="1245" r:id="rId12"/>
+    <p:sldId id="1246" r:id="rId13"/>
+    <p:sldId id="1247" r:id="rId14"/>
+    <p:sldId id="1248" r:id="rId15"/>
+    <p:sldId id="1249" r:id="rId16"/>
+    <p:sldId id="1251" r:id="rId17"/>
+    <p:sldId id="1250" r:id="rId18"/>
+    <p:sldId id="1252" r:id="rId19"/>
+    <p:sldId id="1254" r:id="rId20"/>
+    <p:sldId id="1255" r:id="rId21"/>
+    <p:sldId id="1256" r:id="rId22"/>
+    <p:sldId id="1262" r:id="rId23"/>
     <p:sldId id="673" r:id="rId24"/>
-    <p:sldId id="1258" r:id="rId25"/>
+    <p:sldId id="1259" r:id="rId25"/>
+    <p:sldId id="1261" r:id="rId26"/>
+    <p:sldId id="1260" r:id="rId27"/>
+    <p:sldId id="1258" r:id="rId28"/>
+    <p:sldId id="1263" r:id="rId29"/>
   </p:sldIdLst>
   <p:sldSz cx="12192000" cy="6858000"/>
   <p:notesSz cx="6858000" cy="9144000"/>
@@ -130,6 +134,11 @@
       </a:defRPr>
     </a:lvl9pPr>
   </p:defaultTextStyle>
+  <p:extLst>
+    <p:ext uri="{EFAFB233-063F-42B5-8137-9DF3F51BA10A}">
+      <p15:sldGuideLst xmlns:p15="http://schemas.microsoft.com/office/powerpoint/2012/main"/>
+    </p:ext>
+  </p:extLst>
 </p:presentation>
 </file>
 
@@ -215,7 +224,7 @@
           <a:p>
             <a:fld id="{E1FBC42D-3AD6-4018-81B8-F42E5EFE9B6A}" type="datetimeFigureOut">
               <a:rPr lang="en-US" smtClean="0"/>
-              <a:t>11/13/2023</a:t>
+              <a:t>11/14/2023</a:t>
             </a:fld>
             <a:endParaRPr lang="en-US"/>
           </a:p>
@@ -547,7 +556,7 @@
           <a:p>
             <a:fld id="{3486229C-5C56-46D3-8AF7-8CB2C6C5FD7A}" type="slidenum">
               <a:rPr lang="en-US" smtClean="0"/>
-              <a:t>5</a:t>
+              <a:t>4</a:t>
             </a:fld>
             <a:endParaRPr lang="en-US" dirty="0"/>
           </a:p>
@@ -631,7 +640,7 @@
           <a:p>
             <a:fld id="{E2226E65-ADC9-4F29-BA00-34B3E2F9B8F0}" type="slidenum">
               <a:rPr lang="en-US" smtClean="0"/>
-              <a:t>14</a:t>
+              <a:t>13</a:t>
             </a:fld>
             <a:endParaRPr lang="en-US"/>
           </a:p>
@@ -715,7 +724,7 @@
           <a:p>
             <a:fld id="{E2226E65-ADC9-4F29-BA00-34B3E2F9B8F0}" type="slidenum">
               <a:rPr lang="en-US" smtClean="0"/>
-              <a:t>15</a:t>
+              <a:t>14</a:t>
             </a:fld>
             <a:endParaRPr lang="en-US"/>
           </a:p>
@@ -799,7 +808,7 @@
           <a:p>
             <a:fld id="{E2226E65-ADC9-4F29-BA00-34B3E2F9B8F0}" type="slidenum">
               <a:rPr lang="en-US" smtClean="0"/>
-              <a:t>16</a:t>
+              <a:t>15</a:t>
             </a:fld>
             <a:endParaRPr lang="en-US"/>
           </a:p>
@@ -883,7 +892,7 @@
           <a:p>
             <a:fld id="{E2226E65-ADC9-4F29-BA00-34B3E2F9B8F0}" type="slidenum">
               <a:rPr lang="en-US" smtClean="0"/>
-              <a:t>17</a:t>
+              <a:t>16</a:t>
             </a:fld>
             <a:endParaRPr lang="en-US"/>
           </a:p>
@@ -967,7 +976,7 @@
           <a:p>
             <a:fld id="{E2226E65-ADC9-4F29-BA00-34B3E2F9B8F0}" type="slidenum">
               <a:rPr lang="en-US" smtClean="0"/>
-              <a:t>18</a:t>
+              <a:t>17</a:t>
             </a:fld>
             <a:endParaRPr lang="en-US"/>
           </a:p>
@@ -1051,7 +1060,7 @@
           <a:p>
             <a:fld id="{E2226E65-ADC9-4F29-BA00-34B3E2F9B8F0}" type="slidenum">
               <a:rPr lang="en-US" smtClean="0"/>
-              <a:t>19</a:t>
+              <a:t>18</a:t>
             </a:fld>
             <a:endParaRPr lang="en-US"/>
           </a:p>
@@ -1135,7 +1144,7 @@
           <a:p>
             <a:fld id="{E2226E65-ADC9-4F29-BA00-34B3E2F9B8F0}" type="slidenum">
               <a:rPr lang="en-US" smtClean="0"/>
-              <a:t>20</a:t>
+              <a:t>19</a:t>
             </a:fld>
             <a:endParaRPr lang="en-US"/>
           </a:p>
@@ -1219,7 +1228,7 @@
           <a:p>
             <a:fld id="{E2226E65-ADC9-4F29-BA00-34B3E2F9B8F0}" type="slidenum">
               <a:rPr lang="en-US" smtClean="0"/>
-              <a:t>21</a:t>
+              <a:t>20</a:t>
             </a:fld>
             <a:endParaRPr lang="en-US"/>
           </a:p>
@@ -1303,7 +1312,7 @@
           <a:p>
             <a:fld id="{E2226E65-ADC9-4F29-BA00-34B3E2F9B8F0}" type="slidenum">
               <a:rPr lang="en-US" smtClean="0"/>
-              <a:t>22</a:t>
+              <a:t>21</a:t>
             </a:fld>
             <a:endParaRPr lang="en-US"/>
           </a:p>
@@ -1402,7 +1411,7 @@
           <a:p>
             <a:fld id="{E2226E65-ADC9-4F29-BA00-34B3E2F9B8F0}" type="slidenum">
               <a:rPr lang="en-US" smtClean="0"/>
-              <a:t>23</a:t>
+              <a:t>22</a:t>
             </a:fld>
             <a:endParaRPr lang="en-US"/>
           </a:p>
@@ -1411,7 +1420,7 @@
     </p:spTree>
     <p:extLst>
       <p:ext uri="{BB962C8B-B14F-4D97-AF65-F5344CB8AC3E}">
-        <p14:creationId xmlns:p14="http://schemas.microsoft.com/office/powerpoint/2010/main" val="3029549839"/>
+        <p14:creationId xmlns:p14="http://schemas.microsoft.com/office/powerpoint/2010/main" val="2306841034"/>
       </p:ext>
     </p:extLst>
   </p:cSld>
@@ -1486,7 +1495,7 @@
           <a:p>
             <a:fld id="{3486229C-5C56-46D3-8AF7-8CB2C6C5FD7A}" type="slidenum">
               <a:rPr lang="en-US" smtClean="0"/>
-              <a:t>6</a:t>
+              <a:t>5</a:t>
             </a:fld>
             <a:endParaRPr lang="en-US" dirty="0"/>
           </a:p>
@@ -1585,7 +1594,403 @@
           <a:p>
             <a:fld id="{E2226E65-ADC9-4F29-BA00-34B3E2F9B8F0}" type="slidenum">
               <a:rPr lang="en-US" smtClean="0"/>
+              <a:t>23</a:t>
+            </a:fld>
+            <a:endParaRPr lang="en-US"/>
+          </a:p>
+        </p:txBody>
+      </p:sp>
+    </p:spTree>
+    <p:extLst>
+      <p:ext uri="{BB962C8B-B14F-4D97-AF65-F5344CB8AC3E}">
+        <p14:creationId xmlns:p14="http://schemas.microsoft.com/office/powerpoint/2010/main" val="3029549839"/>
+      </p:ext>
+    </p:extLst>
+  </p:cSld>
+  <p:clrMapOvr>
+    <a:masterClrMapping/>
+  </p:clrMapOvr>
+</p:notes>
+</file>
+
+<file path=ppt/notesSlides/notesSlide21.xml><?xml version="1.0" encoding="utf-8"?>
+<p:notes xmlns:a="http://schemas.openxmlformats.org/drawingml/2006/main" xmlns:r="http://schemas.openxmlformats.org/officeDocument/2006/relationships" xmlns:p="http://schemas.openxmlformats.org/presentationml/2006/main">
+  <p:cSld>
+    <p:spTree>
+      <p:nvGrpSpPr>
+        <p:cNvPr id="1" name=""/>
+        <p:cNvGrpSpPr/>
+        <p:nvPr/>
+      </p:nvGrpSpPr>
+      <p:grpSpPr>
+        <a:xfrm>
+          <a:off x="0" y="0"/>
+          <a:ext cx="0" cy="0"/>
+          <a:chOff x="0" y="0"/>
+          <a:chExt cx="0" cy="0"/>
+        </a:xfrm>
+      </p:grpSpPr>
+      <p:sp>
+        <p:nvSpPr>
+          <p:cNvPr id="2" name="Slide Image Placeholder 1"/>
+          <p:cNvSpPr>
+            <a:spLocks noGrp="1" noRot="1" noChangeAspect="1"/>
+          </p:cNvSpPr>
+          <p:nvPr>
+            <p:ph type="sldImg"/>
+          </p:nvPr>
+        </p:nvSpPr>
+        <p:spPr/>
+      </p:sp>
+      <p:sp>
+        <p:nvSpPr>
+          <p:cNvPr id="3" name="Notes Placeholder 2"/>
+          <p:cNvSpPr>
+            <a:spLocks noGrp="1"/>
+          </p:cNvSpPr>
+          <p:nvPr>
+            <p:ph type="body" idx="1"/>
+          </p:nvPr>
+        </p:nvSpPr>
+        <p:spPr/>
+        <p:txBody>
+          <a:bodyPr/>
+          <a:lstStyle/>
+          <a:p>
+            <a:r>
+              <a:rPr lang="en-US" dirty="0"/>
+              <a:t> </a:t>
+            </a:r>
+            <a:r>
+              <a:rPr lang="en-US" dirty="0">
+                <a:solidFill>
+                  <a:srgbClr val="0070C0"/>
+                </a:solidFill>
+              </a:rPr>
+              <a:t>[DworkMcSherryNissimSmith06]</a:t>
+            </a:r>
+            <a:r>
+              <a:rPr lang="en-US" dirty="0"/>
+              <a:t> </a:t>
+            </a:r>
+          </a:p>
+        </p:txBody>
+      </p:sp>
+      <p:sp>
+        <p:nvSpPr>
+          <p:cNvPr id="4" name="Slide Number Placeholder 3"/>
+          <p:cNvSpPr>
+            <a:spLocks noGrp="1"/>
+          </p:cNvSpPr>
+          <p:nvPr>
+            <p:ph type="sldNum" sz="quarter" idx="5"/>
+          </p:nvPr>
+        </p:nvSpPr>
+        <p:spPr/>
+        <p:txBody>
+          <a:bodyPr/>
+          <a:lstStyle/>
+          <a:p>
+            <a:fld id="{E2226E65-ADC9-4F29-BA00-34B3E2F9B8F0}" type="slidenum">
+              <a:rPr lang="en-US" smtClean="0"/>
               <a:t>24</a:t>
+            </a:fld>
+            <a:endParaRPr lang="en-US"/>
+          </a:p>
+        </p:txBody>
+      </p:sp>
+    </p:spTree>
+    <p:extLst>
+      <p:ext uri="{BB962C8B-B14F-4D97-AF65-F5344CB8AC3E}">
+        <p14:creationId xmlns:p14="http://schemas.microsoft.com/office/powerpoint/2010/main" val="1704173182"/>
+      </p:ext>
+    </p:extLst>
+  </p:cSld>
+  <p:clrMapOvr>
+    <a:masterClrMapping/>
+  </p:clrMapOvr>
+</p:notes>
+</file>
+
+<file path=ppt/notesSlides/notesSlide22.xml><?xml version="1.0" encoding="utf-8"?>
+<p:notes xmlns:a="http://schemas.openxmlformats.org/drawingml/2006/main" xmlns:r="http://schemas.openxmlformats.org/officeDocument/2006/relationships" xmlns:p="http://schemas.openxmlformats.org/presentationml/2006/main">
+  <p:cSld>
+    <p:spTree>
+      <p:nvGrpSpPr>
+        <p:cNvPr id="1" name=""/>
+        <p:cNvGrpSpPr/>
+        <p:nvPr/>
+      </p:nvGrpSpPr>
+      <p:grpSpPr>
+        <a:xfrm>
+          <a:off x="0" y="0"/>
+          <a:ext cx="0" cy="0"/>
+          <a:chOff x="0" y="0"/>
+          <a:chExt cx="0" cy="0"/>
+        </a:xfrm>
+      </p:grpSpPr>
+      <p:sp>
+        <p:nvSpPr>
+          <p:cNvPr id="2" name="Slide Image Placeholder 1"/>
+          <p:cNvSpPr>
+            <a:spLocks noGrp="1" noRot="1" noChangeAspect="1"/>
+          </p:cNvSpPr>
+          <p:nvPr>
+            <p:ph type="sldImg"/>
+          </p:nvPr>
+        </p:nvSpPr>
+        <p:spPr/>
+      </p:sp>
+      <p:sp>
+        <p:nvSpPr>
+          <p:cNvPr id="3" name="Notes Placeholder 2"/>
+          <p:cNvSpPr>
+            <a:spLocks noGrp="1"/>
+          </p:cNvSpPr>
+          <p:nvPr>
+            <p:ph type="body" idx="1"/>
+          </p:nvPr>
+        </p:nvSpPr>
+        <p:spPr/>
+        <p:txBody>
+          <a:bodyPr/>
+          <a:lstStyle/>
+          <a:p>
+            <a:r>
+              <a:rPr lang="en-US" dirty="0"/>
+              <a:t> </a:t>
+            </a:r>
+            <a:r>
+              <a:rPr lang="en-US" dirty="0">
+                <a:solidFill>
+                  <a:srgbClr val="0070C0"/>
+                </a:solidFill>
+              </a:rPr>
+              <a:t>[DworkMcSherryNissimSmith06]</a:t>
+            </a:r>
+            <a:r>
+              <a:rPr lang="en-US" dirty="0"/>
+              <a:t> </a:t>
+            </a:r>
+          </a:p>
+        </p:txBody>
+      </p:sp>
+      <p:sp>
+        <p:nvSpPr>
+          <p:cNvPr id="4" name="Slide Number Placeholder 3"/>
+          <p:cNvSpPr>
+            <a:spLocks noGrp="1"/>
+          </p:cNvSpPr>
+          <p:nvPr>
+            <p:ph type="sldNum" sz="quarter" idx="5"/>
+          </p:nvPr>
+        </p:nvSpPr>
+        <p:spPr/>
+        <p:txBody>
+          <a:bodyPr/>
+          <a:lstStyle/>
+          <a:p>
+            <a:fld id="{E2226E65-ADC9-4F29-BA00-34B3E2F9B8F0}" type="slidenum">
+              <a:rPr lang="en-US" smtClean="0"/>
+              <a:t>25</a:t>
+            </a:fld>
+            <a:endParaRPr lang="en-US"/>
+          </a:p>
+        </p:txBody>
+      </p:sp>
+    </p:spTree>
+    <p:extLst>
+      <p:ext uri="{BB962C8B-B14F-4D97-AF65-F5344CB8AC3E}">
+        <p14:creationId xmlns:p14="http://schemas.microsoft.com/office/powerpoint/2010/main" val="3548161495"/>
+      </p:ext>
+    </p:extLst>
+  </p:cSld>
+  <p:clrMapOvr>
+    <a:masterClrMapping/>
+  </p:clrMapOvr>
+</p:notes>
+</file>
+
+<file path=ppt/notesSlides/notesSlide23.xml><?xml version="1.0" encoding="utf-8"?>
+<p:notes xmlns:a="http://schemas.openxmlformats.org/drawingml/2006/main" xmlns:r="http://schemas.openxmlformats.org/officeDocument/2006/relationships" xmlns:p="http://schemas.openxmlformats.org/presentationml/2006/main">
+  <p:cSld>
+    <p:spTree>
+      <p:nvGrpSpPr>
+        <p:cNvPr id="1" name=""/>
+        <p:cNvGrpSpPr/>
+        <p:nvPr/>
+      </p:nvGrpSpPr>
+      <p:grpSpPr>
+        <a:xfrm>
+          <a:off x="0" y="0"/>
+          <a:ext cx="0" cy="0"/>
+          <a:chOff x="0" y="0"/>
+          <a:chExt cx="0" cy="0"/>
+        </a:xfrm>
+      </p:grpSpPr>
+      <p:sp>
+        <p:nvSpPr>
+          <p:cNvPr id="2" name="Slide Image Placeholder 1"/>
+          <p:cNvSpPr>
+            <a:spLocks noGrp="1" noRot="1" noChangeAspect="1"/>
+          </p:cNvSpPr>
+          <p:nvPr>
+            <p:ph type="sldImg"/>
+          </p:nvPr>
+        </p:nvSpPr>
+        <p:spPr/>
+      </p:sp>
+      <p:sp>
+        <p:nvSpPr>
+          <p:cNvPr id="3" name="Notes Placeholder 2"/>
+          <p:cNvSpPr>
+            <a:spLocks noGrp="1"/>
+          </p:cNvSpPr>
+          <p:nvPr>
+            <p:ph type="body" idx="1"/>
+          </p:nvPr>
+        </p:nvSpPr>
+        <p:spPr/>
+        <p:txBody>
+          <a:bodyPr/>
+          <a:lstStyle/>
+          <a:p>
+            <a:r>
+              <a:rPr lang="en-US" dirty="0"/>
+              <a:t> </a:t>
+            </a:r>
+            <a:r>
+              <a:rPr lang="en-US" dirty="0">
+                <a:solidFill>
+                  <a:srgbClr val="0070C0"/>
+                </a:solidFill>
+              </a:rPr>
+              <a:t>[DworkMcSherryNissimSmith06]</a:t>
+            </a:r>
+            <a:r>
+              <a:rPr lang="en-US" dirty="0"/>
+              <a:t> </a:t>
+            </a:r>
+          </a:p>
+        </p:txBody>
+      </p:sp>
+      <p:sp>
+        <p:nvSpPr>
+          <p:cNvPr id="4" name="Slide Number Placeholder 3"/>
+          <p:cNvSpPr>
+            <a:spLocks noGrp="1"/>
+          </p:cNvSpPr>
+          <p:nvPr>
+            <p:ph type="sldNum" sz="quarter" idx="5"/>
+          </p:nvPr>
+        </p:nvSpPr>
+        <p:spPr/>
+        <p:txBody>
+          <a:bodyPr/>
+          <a:lstStyle/>
+          <a:p>
+            <a:fld id="{E2226E65-ADC9-4F29-BA00-34B3E2F9B8F0}" type="slidenum">
+              <a:rPr lang="en-US" smtClean="0"/>
+              <a:t>26</a:t>
+            </a:fld>
+            <a:endParaRPr lang="en-US"/>
+          </a:p>
+        </p:txBody>
+      </p:sp>
+    </p:spTree>
+    <p:extLst>
+      <p:ext uri="{BB962C8B-B14F-4D97-AF65-F5344CB8AC3E}">
+        <p14:creationId xmlns:p14="http://schemas.microsoft.com/office/powerpoint/2010/main" val="3331264522"/>
+      </p:ext>
+    </p:extLst>
+  </p:cSld>
+  <p:clrMapOvr>
+    <a:masterClrMapping/>
+  </p:clrMapOvr>
+</p:notes>
+</file>
+
+<file path=ppt/notesSlides/notesSlide24.xml><?xml version="1.0" encoding="utf-8"?>
+<p:notes xmlns:a="http://schemas.openxmlformats.org/drawingml/2006/main" xmlns:r="http://schemas.openxmlformats.org/officeDocument/2006/relationships" xmlns:p="http://schemas.openxmlformats.org/presentationml/2006/main">
+  <p:cSld>
+    <p:spTree>
+      <p:nvGrpSpPr>
+        <p:cNvPr id="1" name=""/>
+        <p:cNvGrpSpPr/>
+        <p:nvPr/>
+      </p:nvGrpSpPr>
+      <p:grpSpPr>
+        <a:xfrm>
+          <a:off x="0" y="0"/>
+          <a:ext cx="0" cy="0"/>
+          <a:chOff x="0" y="0"/>
+          <a:chExt cx="0" cy="0"/>
+        </a:xfrm>
+      </p:grpSpPr>
+      <p:sp>
+        <p:nvSpPr>
+          <p:cNvPr id="2" name="Slide Image Placeholder 1"/>
+          <p:cNvSpPr>
+            <a:spLocks noGrp="1" noRot="1" noChangeAspect="1"/>
+          </p:cNvSpPr>
+          <p:nvPr>
+            <p:ph type="sldImg"/>
+          </p:nvPr>
+        </p:nvSpPr>
+        <p:spPr/>
+      </p:sp>
+      <p:sp>
+        <p:nvSpPr>
+          <p:cNvPr id="3" name="Notes Placeholder 2"/>
+          <p:cNvSpPr>
+            <a:spLocks noGrp="1"/>
+          </p:cNvSpPr>
+          <p:nvPr>
+            <p:ph type="body" idx="1"/>
+          </p:nvPr>
+        </p:nvSpPr>
+        <p:spPr/>
+        <p:txBody>
+          <a:bodyPr/>
+          <a:lstStyle/>
+          <a:p>
+            <a:r>
+              <a:rPr lang="en-US" dirty="0"/>
+              <a:t> </a:t>
+            </a:r>
+            <a:r>
+              <a:rPr lang="en-US" dirty="0">
+                <a:solidFill>
+                  <a:srgbClr val="0070C0"/>
+                </a:solidFill>
+              </a:rPr>
+              <a:t>[DworkMcSherryNissimSmith06]</a:t>
+            </a:r>
+            <a:r>
+              <a:rPr lang="en-US" dirty="0"/>
+              <a:t> </a:t>
+            </a:r>
+          </a:p>
+        </p:txBody>
+      </p:sp>
+      <p:sp>
+        <p:nvSpPr>
+          <p:cNvPr id="4" name="Slide Number Placeholder 3"/>
+          <p:cNvSpPr>
+            <a:spLocks noGrp="1"/>
+          </p:cNvSpPr>
+          <p:nvPr>
+            <p:ph type="sldNum" sz="quarter" idx="5"/>
+          </p:nvPr>
+        </p:nvSpPr>
+        <p:spPr/>
+        <p:txBody>
+          <a:bodyPr/>
+          <a:lstStyle/>
+          <a:p>
+            <a:fld id="{E2226E65-ADC9-4F29-BA00-34B3E2F9B8F0}" type="slidenum">
+              <a:rPr lang="en-US" smtClean="0"/>
+              <a:t>27</a:t>
             </a:fld>
             <a:endParaRPr lang="en-US"/>
           </a:p>
@@ -1595,6 +2000,105 @@
     <p:extLst>
       <p:ext uri="{BB962C8B-B14F-4D97-AF65-F5344CB8AC3E}">
         <p14:creationId xmlns:p14="http://schemas.microsoft.com/office/powerpoint/2010/main" val="858651370"/>
+      </p:ext>
+    </p:extLst>
+  </p:cSld>
+  <p:clrMapOvr>
+    <a:masterClrMapping/>
+  </p:clrMapOvr>
+</p:notes>
+</file>
+
+<file path=ppt/notesSlides/notesSlide25.xml><?xml version="1.0" encoding="utf-8"?>
+<p:notes xmlns:a="http://schemas.openxmlformats.org/drawingml/2006/main" xmlns:r="http://schemas.openxmlformats.org/officeDocument/2006/relationships" xmlns:p="http://schemas.openxmlformats.org/presentationml/2006/main">
+  <p:cSld>
+    <p:spTree>
+      <p:nvGrpSpPr>
+        <p:cNvPr id="1" name=""/>
+        <p:cNvGrpSpPr/>
+        <p:nvPr/>
+      </p:nvGrpSpPr>
+      <p:grpSpPr>
+        <a:xfrm>
+          <a:off x="0" y="0"/>
+          <a:ext cx="0" cy="0"/>
+          <a:chOff x="0" y="0"/>
+          <a:chExt cx="0" cy="0"/>
+        </a:xfrm>
+      </p:grpSpPr>
+      <p:sp>
+        <p:nvSpPr>
+          <p:cNvPr id="2" name="Slide Image Placeholder 1"/>
+          <p:cNvSpPr>
+            <a:spLocks noGrp="1" noRot="1" noChangeAspect="1"/>
+          </p:cNvSpPr>
+          <p:nvPr>
+            <p:ph type="sldImg"/>
+          </p:nvPr>
+        </p:nvSpPr>
+        <p:spPr/>
+      </p:sp>
+      <p:sp>
+        <p:nvSpPr>
+          <p:cNvPr id="3" name="Notes Placeholder 2"/>
+          <p:cNvSpPr>
+            <a:spLocks noGrp="1"/>
+          </p:cNvSpPr>
+          <p:nvPr>
+            <p:ph type="body" idx="1"/>
+          </p:nvPr>
+        </p:nvSpPr>
+        <p:spPr/>
+        <p:txBody>
+          <a:bodyPr/>
+          <a:lstStyle/>
+          <a:p>
+            <a:r>
+              <a:rPr lang="en-US" dirty="0"/>
+              <a:t> </a:t>
+            </a:r>
+            <a:r>
+              <a:rPr lang="en-US" dirty="0">
+                <a:solidFill>
+                  <a:srgbClr val="0070C0"/>
+                </a:solidFill>
+              </a:rPr>
+              <a:t>[DworkMcSherryNissimSmith06]</a:t>
+            </a:r>
+            <a:r>
+              <a:rPr lang="en-US" dirty="0"/>
+              <a:t> </a:t>
+            </a:r>
+          </a:p>
+        </p:txBody>
+      </p:sp>
+      <p:sp>
+        <p:nvSpPr>
+          <p:cNvPr id="4" name="Slide Number Placeholder 3"/>
+          <p:cNvSpPr>
+            <a:spLocks noGrp="1"/>
+          </p:cNvSpPr>
+          <p:nvPr>
+            <p:ph type="sldNum" sz="quarter" idx="5"/>
+          </p:nvPr>
+        </p:nvSpPr>
+        <p:spPr/>
+        <p:txBody>
+          <a:bodyPr/>
+          <a:lstStyle/>
+          <a:p>
+            <a:fld id="{E2226E65-ADC9-4F29-BA00-34B3E2F9B8F0}" type="slidenum">
+              <a:rPr lang="en-US" smtClean="0"/>
+              <a:t>28</a:t>
+            </a:fld>
+            <a:endParaRPr lang="en-US"/>
+          </a:p>
+        </p:txBody>
+      </p:sp>
+    </p:spTree>
+    <p:extLst>
+      <p:ext uri="{BB962C8B-B14F-4D97-AF65-F5344CB8AC3E}">
+        <p14:creationId xmlns:p14="http://schemas.microsoft.com/office/powerpoint/2010/main" val="938880225"/>
       </p:ext>
     </p:extLst>
   </p:cSld>
@@ -1669,7 +2173,7 @@
           <a:p>
             <a:fld id="{E2226E65-ADC9-4F29-BA00-34B3E2F9B8F0}" type="slidenum">
               <a:rPr lang="en-US" smtClean="0"/>
-              <a:t>7</a:t>
+              <a:t>6</a:t>
             </a:fld>
             <a:endParaRPr lang="en-US"/>
           </a:p>
@@ -1753,7 +2257,7 @@
           <a:p>
             <a:fld id="{E2226E65-ADC9-4F29-BA00-34B3E2F9B8F0}" type="slidenum">
               <a:rPr lang="en-US" smtClean="0"/>
-              <a:t>8</a:t>
+              <a:t>7</a:t>
             </a:fld>
             <a:endParaRPr lang="en-US"/>
           </a:p>
@@ -1837,7 +2341,7 @@
           <a:p>
             <a:fld id="{E2226E65-ADC9-4F29-BA00-34B3E2F9B8F0}" type="slidenum">
               <a:rPr lang="en-US" smtClean="0"/>
-              <a:t>9</a:t>
+              <a:t>8</a:t>
             </a:fld>
             <a:endParaRPr lang="en-US"/>
           </a:p>
@@ -1921,7 +2425,7 @@
           <a:p>
             <a:fld id="{E2226E65-ADC9-4F29-BA00-34B3E2F9B8F0}" type="slidenum">
               <a:rPr lang="en-US" smtClean="0"/>
-              <a:t>10</a:t>
+              <a:t>9</a:t>
             </a:fld>
             <a:endParaRPr lang="en-US"/>
           </a:p>
@@ -2005,7 +2509,7 @@
           <a:p>
             <a:fld id="{E2226E65-ADC9-4F29-BA00-34B3E2F9B8F0}" type="slidenum">
               <a:rPr lang="en-US" smtClean="0"/>
-              <a:t>11</a:t>
+              <a:t>10</a:t>
             </a:fld>
             <a:endParaRPr lang="en-US"/>
           </a:p>
@@ -2089,7 +2593,7 @@
           <a:p>
             <a:fld id="{3486229C-5C56-46D3-8AF7-8CB2C6C5FD7A}" type="slidenum">
               <a:rPr lang="en-US" smtClean="0"/>
-              <a:t>12</a:t>
+              <a:t>11</a:t>
             </a:fld>
             <a:endParaRPr lang="en-US" dirty="0"/>
           </a:p>
@@ -2173,7 +2677,7 @@
           <a:p>
             <a:fld id="{E2226E65-ADC9-4F29-BA00-34B3E2F9B8F0}" type="slidenum">
               <a:rPr lang="en-US" smtClean="0"/>
-              <a:t>13</a:t>
+              <a:t>12</a:t>
             </a:fld>
             <a:endParaRPr lang="en-US"/>
           </a:p>
@@ -2339,7 +2843,7 @@
           <a:p>
             <a:fld id="{0E61CA3A-265B-4272-B7DF-E812B5ED0E2B}" type="datetimeFigureOut">
               <a:rPr lang="en-US" smtClean="0"/>
-              <a:t>11/13/2023</a:t>
+              <a:t>11/14/2023</a:t>
             </a:fld>
             <a:endParaRPr lang="en-US"/>
           </a:p>
@@ -2537,7 +3041,7 @@
           <a:p>
             <a:fld id="{0E61CA3A-265B-4272-B7DF-E812B5ED0E2B}" type="datetimeFigureOut">
               <a:rPr lang="en-US" smtClean="0"/>
-              <a:t>11/13/2023</a:t>
+              <a:t>11/14/2023</a:t>
             </a:fld>
             <a:endParaRPr lang="en-US"/>
           </a:p>
@@ -2745,7 +3249,7 @@
           <a:p>
             <a:fld id="{0E61CA3A-265B-4272-B7DF-E812B5ED0E2B}" type="datetimeFigureOut">
               <a:rPr lang="en-US" smtClean="0"/>
-              <a:t>11/13/2023</a:t>
+              <a:t>11/14/2023</a:t>
             </a:fld>
             <a:endParaRPr lang="en-US"/>
           </a:p>
@@ -2943,7 +3447,7 @@
           <a:p>
             <a:fld id="{0E61CA3A-265B-4272-B7DF-E812B5ED0E2B}" type="datetimeFigureOut">
               <a:rPr lang="en-US" smtClean="0"/>
-              <a:t>11/13/2023</a:t>
+              <a:t>11/14/2023</a:t>
             </a:fld>
             <a:endParaRPr lang="en-US"/>
           </a:p>
@@ -3218,7 +3722,7 @@
           <a:p>
             <a:fld id="{0E61CA3A-265B-4272-B7DF-E812B5ED0E2B}" type="datetimeFigureOut">
               <a:rPr lang="en-US" smtClean="0"/>
-              <a:t>11/13/2023</a:t>
+              <a:t>11/14/2023</a:t>
             </a:fld>
             <a:endParaRPr lang="en-US"/>
           </a:p>
@@ -3483,7 +3987,7 @@
           <a:p>
             <a:fld id="{0E61CA3A-265B-4272-B7DF-E812B5ED0E2B}" type="datetimeFigureOut">
               <a:rPr lang="en-US" smtClean="0"/>
-              <a:t>11/13/2023</a:t>
+              <a:t>11/14/2023</a:t>
             </a:fld>
             <a:endParaRPr lang="en-US"/>
           </a:p>
@@ -3895,7 +4399,7 @@
           <a:p>
             <a:fld id="{0E61CA3A-265B-4272-B7DF-E812B5ED0E2B}" type="datetimeFigureOut">
               <a:rPr lang="en-US" smtClean="0"/>
-              <a:t>11/13/2023</a:t>
+              <a:t>11/14/2023</a:t>
             </a:fld>
             <a:endParaRPr lang="en-US"/>
           </a:p>
@@ -4036,7 +4540,7 @@
           <a:p>
             <a:fld id="{0E61CA3A-265B-4272-B7DF-E812B5ED0E2B}" type="datetimeFigureOut">
               <a:rPr lang="en-US" smtClean="0"/>
-              <a:t>11/13/2023</a:t>
+              <a:t>11/14/2023</a:t>
             </a:fld>
             <a:endParaRPr lang="en-US"/>
           </a:p>
@@ -4149,7 +4653,7 @@
           <a:p>
             <a:fld id="{0E61CA3A-265B-4272-B7DF-E812B5ED0E2B}" type="datetimeFigureOut">
               <a:rPr lang="en-US" smtClean="0"/>
-              <a:t>11/13/2023</a:t>
+              <a:t>11/14/2023</a:t>
             </a:fld>
             <a:endParaRPr lang="en-US"/>
           </a:p>
@@ -4460,7 +4964,7 @@
           <a:p>
             <a:fld id="{0E61CA3A-265B-4272-B7DF-E812B5ED0E2B}" type="datetimeFigureOut">
               <a:rPr lang="en-US" smtClean="0"/>
-              <a:t>11/13/2023</a:t>
+              <a:t>11/14/2023</a:t>
             </a:fld>
             <a:endParaRPr lang="en-US"/>
           </a:p>
@@ -4748,7 +5252,7 @@
           <a:p>
             <a:fld id="{0E61CA3A-265B-4272-B7DF-E812B5ED0E2B}" type="datetimeFigureOut">
               <a:rPr lang="en-US" smtClean="0"/>
-              <a:t>11/13/2023</a:t>
+              <a:t>11/14/2023</a:t>
             </a:fld>
             <a:endParaRPr lang="en-US"/>
           </a:p>
@@ -4989,7 +5493,7 @@
           <a:p>
             <a:fld id="{0E61CA3A-265B-4272-B7DF-E812B5ED0E2B}" type="datetimeFigureOut">
               <a:rPr lang="en-US" smtClean="0"/>
-              <a:t>11/13/2023</a:t>
+              <a:t>11/14/2023</a:t>
             </a:fld>
             <a:endParaRPr lang="en-US"/>
           </a:p>
@@ -5411,7 +5915,7 @@
           <p:cNvPr id="2" name="Title 1">
             <a:extLst>
               <a:ext uri="{FF2B5EF4-FFF2-40B4-BE49-F238E27FC236}">
-                <a16:creationId xmlns:a16="http://schemas.microsoft.com/office/drawing/2014/main" id="{53744331-1928-6FEC-5362-B7DA13A469CC}"/>
+                <a16:creationId xmlns:a16="http://schemas.microsoft.com/office/drawing/2014/main" id="{E4449558-8CBC-D30A-02F3-65EA383A4C4F}"/>
               </a:ext>
             </a:extLst>
           </p:cNvPr>
@@ -5424,10 +5928,19 @@
         </p:nvSpPr>
         <p:spPr/>
         <p:txBody>
-          <a:bodyPr/>
+          <a:bodyPr>
+            <a:normAutofit fontScale="90000"/>
+          </a:bodyPr>
           <a:lstStyle/>
           <a:p>
-            <a:endParaRPr lang="en-US"/>
+            <a:r>
+              <a:rPr lang="en-US" dirty="0">
+                <a:solidFill>
+                  <a:srgbClr val="C00000"/>
+                </a:solidFill>
+              </a:rPr>
+              <a:t>CSCE 689: Special Topics in Modern Algorithms for Data Science </a:t>
+            </a:r>
           </a:p>
         </p:txBody>
       </p:sp>
@@ -5436,7 +5949,7 @@
           <p:cNvPr id="3" name="Subtitle 2">
             <a:extLst>
               <a:ext uri="{FF2B5EF4-FFF2-40B4-BE49-F238E27FC236}">
-                <a16:creationId xmlns:a16="http://schemas.microsoft.com/office/drawing/2014/main" id="{FE56F3CF-B8B9-C0A4-A8C9-BC2225705B3B}"/>
+                <a16:creationId xmlns:a16="http://schemas.microsoft.com/office/drawing/2014/main" id="{89802CB3-FC8E-C393-0D77-33E8A17F6B16}"/>
               </a:ext>
             </a:extLst>
           </p:cNvPr>
@@ -5447,19 +5960,38 @@
             <p:ph type="subTitle" idx="1"/>
           </p:nvPr>
         </p:nvSpPr>
-        <p:spPr/>
+        <p:spPr>
+          <a:xfrm>
+            <a:off x="1524000" y="3602037"/>
+            <a:ext cx="9144000" cy="2789797"/>
+          </a:xfrm>
+        </p:spPr>
         <p:txBody>
-          <a:bodyPr/>
+          <a:bodyPr>
+            <a:normAutofit/>
+          </a:bodyPr>
           <a:lstStyle/>
           <a:p>
-            <a:endParaRPr lang="en-US"/>
+            <a:r>
+              <a:rPr lang="en-US" sz="3600" dirty="0"/>
+              <a:t>Lecture 32</a:t>
+            </a:r>
+          </a:p>
+          <a:p>
+            <a:endParaRPr lang="en-US" sz="3600" dirty="0"/>
+          </a:p>
+          <a:p>
+            <a:r>
+              <a:rPr lang="en-US" sz="2800" dirty="0"/>
+              <a:t>Samson Zhou</a:t>
+            </a:r>
           </a:p>
         </p:txBody>
       </p:sp>
     </p:spTree>
     <p:extLst>
       <p:ext uri="{BB962C8B-B14F-4D97-AF65-F5344CB8AC3E}">
-        <p14:creationId xmlns:p14="http://schemas.microsoft.com/office/powerpoint/2010/main" val="3264917264"/>
+        <p14:creationId xmlns:p14="http://schemas.microsoft.com/office/powerpoint/2010/main" val="642191086"/>
       </p:ext>
     </p:extLst>
   </p:cSld>
@@ -5486,44 +6018,12 @@
           <a:chExt cx="0" cy="0"/>
         </a:xfrm>
       </p:grpSpPr>
-      <p:sp>
-        <p:nvSpPr>
-          <p:cNvPr id="2" name="Title 1">
-            <a:extLst>
-              <a:ext uri="{FF2B5EF4-FFF2-40B4-BE49-F238E27FC236}">
-                <a16:creationId xmlns:a16="http://schemas.microsoft.com/office/drawing/2014/main" id="{B17419AC-DCE6-4371-8DE2-D617E99D653D}"/>
-              </a:ext>
-            </a:extLst>
-          </p:cNvPr>
-          <p:cNvSpPr>
-            <a:spLocks noGrp="1"/>
-          </p:cNvSpPr>
-          <p:nvPr>
-            <p:ph type="title"/>
-          </p:nvPr>
-        </p:nvSpPr>
-        <p:spPr/>
-        <p:txBody>
-          <a:bodyPr/>
-          <a:lstStyle/>
-          <a:p>
-            <a:r>
-              <a:rPr lang="en-US" dirty="0">
-                <a:solidFill>
-                  <a:srgbClr val="C00000"/>
-                </a:solidFill>
-              </a:rPr>
-              <a:t>Anonymizing Data</a:t>
-            </a:r>
-          </a:p>
-        </p:txBody>
-      </p:sp>
       <p:pic>
         <p:nvPicPr>
-          <p:cNvPr id="4" name="Picture 3">
+          <p:cNvPr id="5" name="Picture 4">
             <a:extLst>
               <a:ext uri="{FF2B5EF4-FFF2-40B4-BE49-F238E27FC236}">
-                <a16:creationId xmlns:a16="http://schemas.microsoft.com/office/drawing/2014/main" id="{7740AA24-C4C9-418B-EE87-BA36D1B9962C}"/>
+                <a16:creationId xmlns:a16="http://schemas.microsoft.com/office/drawing/2014/main" id="{F4116BC6-7A44-F137-E79C-38C98331A931}"/>
               </a:ext>
             </a:extLst>
           </p:cNvPr>
@@ -5540,18 +6040,53 @@
         </p:blipFill>
         <p:spPr>
           <a:xfrm>
-            <a:off x="2688711" y="1723530"/>
-            <a:ext cx="6814577" cy="4769345"/>
+            <a:off x="1837266" y="0"/>
+            <a:ext cx="8517467" cy="6858000"/>
           </a:xfrm>
           <a:prstGeom prst="rect">
             <a:avLst/>
           </a:prstGeom>
         </p:spPr>
       </p:pic>
+      <p:sp>
+        <p:nvSpPr>
+          <p:cNvPr id="8" name="TextBox 7">
+            <a:extLst>
+              <a:ext uri="{FF2B5EF4-FFF2-40B4-BE49-F238E27FC236}">
+                <a16:creationId xmlns:a16="http://schemas.microsoft.com/office/drawing/2014/main" id="{EA8D862B-7DDA-0C44-F348-BD384EA2ACEF}"/>
+              </a:ext>
+            </a:extLst>
+          </p:cNvPr>
+          <p:cNvSpPr txBox="1"/>
+          <p:nvPr/>
+        </p:nvSpPr>
+        <p:spPr>
+          <a:xfrm>
+            <a:off x="67142" y="6385723"/>
+            <a:ext cx="3091693" cy="369332"/>
+          </a:xfrm>
+          <a:prstGeom prst="rect">
+            <a:avLst/>
+          </a:prstGeom>
+          <a:noFill/>
+        </p:spPr>
+        <p:txBody>
+          <a:bodyPr wrap="square">
+            <a:spAutoFit/>
+          </a:bodyPr>
+          <a:lstStyle/>
+          <a:p>
+            <a:r>
+              <a:rPr lang="en-US" dirty="0"/>
+              <a:t>Image from Arvind Narayanan</a:t>
+            </a:r>
+          </a:p>
+        </p:txBody>
+      </p:sp>
     </p:spTree>
     <p:extLst>
       <p:ext uri="{BB962C8B-B14F-4D97-AF65-F5344CB8AC3E}">
-        <p14:creationId xmlns:p14="http://schemas.microsoft.com/office/powerpoint/2010/main" val="3110923529"/>
+        <p14:creationId xmlns:p14="http://schemas.microsoft.com/office/powerpoint/2010/main" val="1719255936"/>
       </p:ext>
     </p:extLst>
   </p:cSld>
@@ -5578,67 +6113,122 @@
           <a:chExt cx="0" cy="0"/>
         </a:xfrm>
       </p:grpSpPr>
-      <p:pic>
-        <p:nvPicPr>
-          <p:cNvPr id="5" name="Picture 4">
-            <a:extLst>
-              <a:ext uri="{FF2B5EF4-FFF2-40B4-BE49-F238E27FC236}">
-                <a16:creationId xmlns:a16="http://schemas.microsoft.com/office/drawing/2014/main" id="{F4116BC6-7A44-F137-E79C-38C98331A931}"/>
-              </a:ext>
-            </a:extLst>
-          </p:cNvPr>
-          <p:cNvPicPr>
-            <a:picLocks noChangeAspect="1"/>
-          </p:cNvPicPr>
-          <p:nvPr/>
-        </p:nvPicPr>
-        <p:blipFill>
-          <a:blip r:embed="rId3"/>
-          <a:stretch>
-            <a:fillRect/>
-          </a:stretch>
-        </p:blipFill>
-        <p:spPr>
-          <a:xfrm>
-            <a:off x="1837266" y="0"/>
-            <a:ext cx="8517467" cy="6858000"/>
-          </a:xfrm>
-          <a:prstGeom prst="rect">
-            <a:avLst/>
-          </a:prstGeom>
-        </p:spPr>
-      </p:pic>
       <p:sp>
         <p:nvSpPr>
-          <p:cNvPr id="8" name="TextBox 7">
+          <p:cNvPr id="2" name="Title 1">
             <a:extLst>
               <a:ext uri="{FF2B5EF4-FFF2-40B4-BE49-F238E27FC236}">
-                <a16:creationId xmlns:a16="http://schemas.microsoft.com/office/drawing/2014/main" id="{EA8D862B-7DDA-0C44-F348-BD384EA2ACEF}"/>
+                <a16:creationId xmlns:a16="http://schemas.microsoft.com/office/drawing/2014/main" id="{6D984B7A-8516-47FC-9176-8158CF0B5C45}"/>
               </a:ext>
             </a:extLst>
           </p:cNvPr>
-          <p:cNvSpPr txBox="1"/>
-          <p:nvPr/>
+          <p:cNvSpPr>
+            <a:spLocks noGrp="1"/>
+          </p:cNvSpPr>
+          <p:nvPr>
+            <p:ph type="title"/>
+          </p:nvPr>
+        </p:nvSpPr>
+        <p:spPr/>
+        <p:txBody>
+          <a:bodyPr/>
+          <a:lstStyle/>
+          <a:p>
+            <a:r>
+              <a:rPr lang="en-US" dirty="0">
+                <a:solidFill>
+                  <a:srgbClr val="C00000"/>
+                </a:solidFill>
+              </a:rPr>
+              <a:t>Differencing Attacks</a:t>
+            </a:r>
+          </a:p>
+        </p:txBody>
+      </p:sp>
+      <p:sp>
+        <p:nvSpPr>
+          <p:cNvPr id="3" name="Content Placeholder 2">
+            <a:extLst>
+              <a:ext uri="{FF2B5EF4-FFF2-40B4-BE49-F238E27FC236}">
+                <a16:creationId xmlns:a16="http://schemas.microsoft.com/office/drawing/2014/main" id="{15255D49-9D60-44DD-910D-2EBD0529DEC9}"/>
+              </a:ext>
+            </a:extLst>
+          </p:cNvPr>
+          <p:cNvSpPr>
+            <a:spLocks noGrp="1"/>
+          </p:cNvSpPr>
+          <p:nvPr>
+            <p:ph idx="1"/>
+          </p:nvPr>
         </p:nvSpPr>
         <p:spPr>
           <a:xfrm>
-            <a:off x="67142" y="6385723"/>
-            <a:ext cx="3091693" cy="369332"/>
+            <a:off x="838199" y="1825625"/>
+            <a:ext cx="11066929" cy="4871010"/>
           </a:xfrm>
-          <a:prstGeom prst="rect">
-            <a:avLst/>
-          </a:prstGeom>
-          <a:noFill/>
         </p:spPr>
         <p:txBody>
-          <a:bodyPr wrap="square">
-            <a:spAutoFit/>
+          <a:bodyPr>
+            <a:normAutofit/>
           </a:bodyPr>
           <a:lstStyle/>
           <a:p>
+            <a:pPr>
+              <a:buClr>
+                <a:schemeClr val="tx1"/>
+              </a:buClr>
+            </a:pPr>
             <a:r>
-              <a:rPr lang="en-US" dirty="0"/>
-              <a:t>Image from Arvind Narayanan</a:t>
+              <a:rPr lang="en-US" sz="3200" dirty="0">
+                <a:solidFill>
+                  <a:schemeClr val="tx1"/>
+                </a:solidFill>
+              </a:rPr>
+              <a:t>How many people in this classroom went to Kyle Field last weekend?</a:t>
+            </a:r>
+            <a:endParaRPr lang="en-US" sz="3200" b="0" dirty="0">
+              <a:solidFill>
+                <a:schemeClr val="tx1"/>
+              </a:solidFill>
+            </a:endParaRPr>
+          </a:p>
+          <a:p>
+            <a:pPr>
+              <a:buClr>
+                <a:schemeClr val="tx1"/>
+              </a:buClr>
+            </a:pPr>
+            <a:endParaRPr lang="en-US" sz="3200" dirty="0">
+              <a:solidFill>
+                <a:schemeClr val="tx1"/>
+              </a:solidFill>
+            </a:endParaRPr>
+          </a:p>
+          <a:p>
+            <a:pPr>
+              <a:buClr>
+                <a:schemeClr val="tx1"/>
+              </a:buClr>
+            </a:pPr>
+            <a:endParaRPr lang="en-US" sz="3200" dirty="0">
+              <a:solidFill>
+                <a:schemeClr val="tx1"/>
+              </a:solidFill>
+            </a:endParaRPr>
+          </a:p>
+          <a:p>
+            <a:pPr>
+              <a:buClr>
+                <a:schemeClr val="tx1"/>
+              </a:buClr>
+            </a:pPr>
+            <a:r>
+              <a:rPr lang="en-US" sz="3200" dirty="0">
+                <a:solidFill>
+                  <a:schemeClr val="tx1"/>
+                </a:solidFill>
+              </a:rPr>
+              <a:t>How many people in this classroom besides the instructor went to Kyle Field last weekend?</a:t>
             </a:r>
           </a:p>
         </p:txBody>
@@ -5646,7 +6236,7 @@
     </p:spTree>
     <p:extLst>
       <p:ext uri="{BB962C8B-B14F-4D97-AF65-F5344CB8AC3E}">
-        <p14:creationId xmlns:p14="http://schemas.microsoft.com/office/powerpoint/2010/main" val="1719255936"/>
+        <p14:creationId xmlns:p14="http://schemas.microsoft.com/office/powerpoint/2010/main" val="2122624363"/>
       </p:ext>
     </p:extLst>
   </p:cSld>
@@ -5673,156 +6263,6 @@
           <a:chExt cx="0" cy="0"/>
         </a:xfrm>
       </p:grpSpPr>
-      <p:sp>
-        <p:nvSpPr>
-          <p:cNvPr id="2" name="Title 1">
-            <a:extLst>
-              <a:ext uri="{FF2B5EF4-FFF2-40B4-BE49-F238E27FC236}">
-                <a16:creationId xmlns:a16="http://schemas.microsoft.com/office/drawing/2014/main" id="{6D984B7A-8516-47FC-9176-8158CF0B5C45}"/>
-              </a:ext>
-            </a:extLst>
-          </p:cNvPr>
-          <p:cNvSpPr>
-            <a:spLocks noGrp="1"/>
-          </p:cNvSpPr>
-          <p:nvPr>
-            <p:ph type="title"/>
-          </p:nvPr>
-        </p:nvSpPr>
-        <p:spPr/>
-        <p:txBody>
-          <a:bodyPr/>
-          <a:lstStyle/>
-          <a:p>
-            <a:r>
-              <a:rPr lang="en-US" dirty="0">
-                <a:solidFill>
-                  <a:srgbClr val="C00000"/>
-                </a:solidFill>
-              </a:rPr>
-              <a:t>Differencing Attacks</a:t>
-            </a:r>
-          </a:p>
-        </p:txBody>
-      </p:sp>
-      <p:sp>
-        <p:nvSpPr>
-          <p:cNvPr id="3" name="Content Placeholder 2">
-            <a:extLst>
-              <a:ext uri="{FF2B5EF4-FFF2-40B4-BE49-F238E27FC236}">
-                <a16:creationId xmlns:a16="http://schemas.microsoft.com/office/drawing/2014/main" id="{15255D49-9D60-44DD-910D-2EBD0529DEC9}"/>
-              </a:ext>
-            </a:extLst>
-          </p:cNvPr>
-          <p:cNvSpPr>
-            <a:spLocks noGrp="1"/>
-          </p:cNvSpPr>
-          <p:nvPr>
-            <p:ph idx="1"/>
-          </p:nvPr>
-        </p:nvSpPr>
-        <p:spPr>
-          <a:xfrm>
-            <a:off x="838199" y="1825625"/>
-            <a:ext cx="11066929" cy="4871010"/>
-          </a:xfrm>
-        </p:spPr>
-        <p:txBody>
-          <a:bodyPr>
-            <a:normAutofit/>
-          </a:bodyPr>
-          <a:lstStyle/>
-          <a:p>
-            <a:pPr>
-              <a:buClr>
-                <a:schemeClr val="tx1"/>
-              </a:buClr>
-            </a:pPr>
-            <a:r>
-              <a:rPr lang="en-US" sz="3200" dirty="0">
-                <a:solidFill>
-                  <a:schemeClr val="tx1"/>
-                </a:solidFill>
-              </a:rPr>
-              <a:t>How many people in this classroom went to Kyle Field last weekend?</a:t>
-            </a:r>
-            <a:endParaRPr lang="en-US" sz="3200" b="0" dirty="0">
-              <a:solidFill>
-                <a:schemeClr val="tx1"/>
-              </a:solidFill>
-            </a:endParaRPr>
-          </a:p>
-          <a:p>
-            <a:pPr>
-              <a:buClr>
-                <a:schemeClr val="tx1"/>
-              </a:buClr>
-            </a:pPr>
-            <a:endParaRPr lang="en-US" sz="3200" dirty="0">
-              <a:solidFill>
-                <a:schemeClr val="tx1"/>
-              </a:solidFill>
-            </a:endParaRPr>
-          </a:p>
-          <a:p>
-            <a:pPr>
-              <a:buClr>
-                <a:schemeClr val="tx1"/>
-              </a:buClr>
-            </a:pPr>
-            <a:endParaRPr lang="en-US" sz="3200" dirty="0">
-              <a:solidFill>
-                <a:schemeClr val="tx1"/>
-              </a:solidFill>
-            </a:endParaRPr>
-          </a:p>
-          <a:p>
-            <a:pPr>
-              <a:buClr>
-                <a:schemeClr val="tx1"/>
-              </a:buClr>
-            </a:pPr>
-            <a:r>
-              <a:rPr lang="en-US" sz="3200" dirty="0">
-                <a:solidFill>
-                  <a:schemeClr val="tx1"/>
-                </a:solidFill>
-              </a:rPr>
-              <a:t>How many people in this classroom besides the instructor went to Kyle Field last weekend?</a:t>
-            </a:r>
-          </a:p>
-        </p:txBody>
-      </p:sp>
-    </p:spTree>
-    <p:extLst>
-      <p:ext uri="{BB962C8B-B14F-4D97-AF65-F5344CB8AC3E}">
-        <p14:creationId xmlns:p14="http://schemas.microsoft.com/office/powerpoint/2010/main" val="2122624363"/>
-      </p:ext>
-    </p:extLst>
-  </p:cSld>
-  <p:clrMapOvr>
-    <a:masterClrMapping/>
-  </p:clrMapOvr>
-</p:sld>
-</file>
-
-<file path=ppt/slides/slide13.xml><?xml version="1.0" encoding="utf-8"?>
-<p:sld xmlns:a="http://schemas.openxmlformats.org/drawingml/2006/main" xmlns:r="http://schemas.openxmlformats.org/officeDocument/2006/relationships" xmlns:p="http://schemas.openxmlformats.org/presentationml/2006/main">
-  <p:cSld>
-    <p:spTree>
-      <p:nvGrpSpPr>
-        <p:cNvPr id="1" name=""/>
-        <p:cNvGrpSpPr/>
-        <p:nvPr/>
-      </p:nvGrpSpPr>
-      <p:grpSpPr>
-        <a:xfrm>
-          <a:off x="0" y="0"/>
-          <a:ext cx="0" cy="0"/>
-          <a:chOff x="0" y="0"/>
-          <a:chExt cx="0" cy="0"/>
-        </a:xfrm>
-      </p:grpSpPr>
       <p:pic>
         <p:nvPicPr>
           <p:cNvPr id="3" name="Picture 2">
@@ -5901,7 +6341,7 @@
 </p:sld>
 </file>
 
-<file path=ppt/slides/slide14.xml><?xml version="1.0" encoding="utf-8"?>
+<file path=ppt/slides/slide13.xml><?xml version="1.0" encoding="utf-8"?>
 <p:sld xmlns:a="http://schemas.openxmlformats.org/drawingml/2006/main" xmlns:r="http://schemas.openxmlformats.org/officeDocument/2006/relationships" xmlns:p="http://schemas.openxmlformats.org/presentationml/2006/main">
   <p:cSld>
     <p:spTree>
@@ -6257,7 +6697,7 @@
 </p:sld>
 </file>
 
-<file path=ppt/slides/slide15.xml><?xml version="1.0" encoding="utf-8"?>
+<file path=ppt/slides/slide14.xml><?xml version="1.0" encoding="utf-8"?>
 <p:sld xmlns:a="http://schemas.openxmlformats.org/drawingml/2006/main" xmlns:r="http://schemas.openxmlformats.org/officeDocument/2006/relationships" xmlns:p="http://schemas.openxmlformats.org/presentationml/2006/main">
   <p:cSld>
     <p:spTree>
@@ -6483,7 +6923,7 @@
 </p:sld>
 </file>
 
-<file path=ppt/slides/slide16.xml><?xml version="1.0" encoding="utf-8"?>
+<file path=ppt/slides/slide15.xml><?xml version="1.0" encoding="utf-8"?>
 <p:sld xmlns:a="http://schemas.openxmlformats.org/drawingml/2006/main" xmlns:r="http://schemas.openxmlformats.org/officeDocument/2006/relationships" xmlns:p="http://schemas.openxmlformats.org/presentationml/2006/main">
   <p:cSld>
     <p:spTree>
@@ -6640,7 +7080,7 @@
 </p:sld>
 </file>
 
-<file path=ppt/slides/slide17.xml><?xml version="1.0" encoding="utf-8"?>
+<file path=ppt/slides/slide16.xml><?xml version="1.0" encoding="utf-8"?>
 <p:sld xmlns:a="http://schemas.openxmlformats.org/drawingml/2006/main" xmlns:r="http://schemas.openxmlformats.org/officeDocument/2006/relationships" xmlns:p="http://schemas.openxmlformats.org/presentationml/2006/main">
   <p:cSld>
     <p:spTree>
@@ -7041,7 +7481,7 @@
 </p:sld>
 </file>
 
-<file path=ppt/slides/slide18.xml><?xml version="1.0" encoding="utf-8"?>
+<file path=ppt/slides/slide17.xml><?xml version="1.0" encoding="utf-8"?>
 <p:sld xmlns:a="http://schemas.openxmlformats.org/drawingml/2006/main" xmlns:r="http://schemas.openxmlformats.org/officeDocument/2006/relationships" xmlns:p="http://schemas.openxmlformats.org/presentationml/2006/main">
   <p:cSld>
     <p:spTree>
@@ -7591,7 +8031,7 @@
 </p:sld>
 </file>
 
-<file path=ppt/slides/slide19.xml><?xml version="1.0" encoding="utf-8"?>
+<file path=ppt/slides/slide18.xml><?xml version="1.0" encoding="utf-8"?>
 <p:sld xmlns:a="http://schemas.openxmlformats.org/drawingml/2006/main" xmlns:r="http://schemas.openxmlformats.org/officeDocument/2006/relationships" xmlns:p="http://schemas.openxmlformats.org/presentationml/2006/main">
   <p:cSld>
     <p:spTree>
@@ -8136,6 +8576,163 @@
 </p:sld>
 </file>
 
+<file path=ppt/slides/slide19.xml><?xml version="1.0" encoding="utf-8"?>
+<p:sld xmlns:a="http://schemas.openxmlformats.org/drawingml/2006/main" xmlns:r="http://schemas.openxmlformats.org/officeDocument/2006/relationships" xmlns:p="http://schemas.openxmlformats.org/presentationml/2006/main">
+  <p:cSld>
+    <p:spTree>
+      <p:nvGrpSpPr>
+        <p:cNvPr id="1" name=""/>
+        <p:cNvGrpSpPr/>
+        <p:nvPr/>
+      </p:nvGrpSpPr>
+      <p:grpSpPr>
+        <a:xfrm>
+          <a:off x="0" y="0"/>
+          <a:ext cx="0" cy="0"/>
+          <a:chOff x="0" y="0"/>
+          <a:chExt cx="0" cy="0"/>
+        </a:xfrm>
+      </p:grpSpPr>
+      <p:sp>
+        <p:nvSpPr>
+          <p:cNvPr id="2" name="Title 1">
+            <a:extLst>
+              <a:ext uri="{FF2B5EF4-FFF2-40B4-BE49-F238E27FC236}">
+                <a16:creationId xmlns:a16="http://schemas.microsoft.com/office/drawing/2014/main" id="{AACC8D89-2FD2-37B7-6EF0-6329A9F75CA4}"/>
+              </a:ext>
+            </a:extLst>
+          </p:cNvPr>
+          <p:cNvSpPr>
+            <a:spLocks noGrp="1"/>
+          </p:cNvSpPr>
+          <p:nvPr>
+            <p:ph type="title"/>
+          </p:nvPr>
+        </p:nvSpPr>
+        <p:spPr>
+          <a:xfrm>
+            <a:off x="838200" y="365125"/>
+            <a:ext cx="10515600" cy="1325563"/>
+          </a:xfrm>
+        </p:spPr>
+        <p:txBody>
+          <a:bodyPr/>
+          <a:lstStyle/>
+          <a:p>
+            <a:r>
+              <a:rPr lang="en-US" dirty="0">
+                <a:solidFill>
+                  <a:srgbClr val="C00000"/>
+                </a:solidFill>
+              </a:rPr>
+              <a:t>Possible Notion for Privacy #1</a:t>
+            </a:r>
+          </a:p>
+        </p:txBody>
+      </p:sp>
+      <p:sp>
+        <p:nvSpPr>
+          <p:cNvPr id="4" name="Content Placeholder 2">
+            <a:extLst>
+              <a:ext uri="{FF2B5EF4-FFF2-40B4-BE49-F238E27FC236}">
+                <a16:creationId xmlns:a16="http://schemas.microsoft.com/office/drawing/2014/main" id="{C619D92C-18DC-C0D1-F761-38BD493BE0F7}"/>
+              </a:ext>
+            </a:extLst>
+          </p:cNvPr>
+          <p:cNvSpPr>
+            <a:spLocks noGrp="1"/>
+          </p:cNvSpPr>
+          <p:nvPr>
+            <p:ph idx="1"/>
+          </p:nvPr>
+        </p:nvSpPr>
+        <p:spPr>
+          <a:xfrm>
+            <a:off x="838199" y="1825625"/>
+            <a:ext cx="11066929" cy="4871010"/>
+          </a:xfrm>
+        </p:spPr>
+        <p:txBody>
+          <a:bodyPr>
+            <a:normAutofit/>
+          </a:bodyPr>
+          <a:lstStyle/>
+          <a:p>
+            <a:pPr>
+              <a:buClr>
+                <a:schemeClr val="tx1"/>
+              </a:buClr>
+            </a:pPr>
+            <a:r>
+              <a:rPr lang="en-US" sz="3200" dirty="0">
+                <a:solidFill>
+                  <a:schemeClr val="tx1"/>
+                </a:solidFill>
+              </a:rPr>
+              <a:t>Suppose a survey is conducted on a sensitive dataset and concludes that “most Aggies like Reveille”</a:t>
+            </a:r>
+          </a:p>
+          <a:p>
+            <a:pPr>
+              <a:buClr>
+                <a:schemeClr val="tx1"/>
+              </a:buClr>
+            </a:pPr>
+            <a:endParaRPr lang="en-US" sz="3200" dirty="0"/>
+          </a:p>
+          <a:p>
+            <a:pPr>
+              <a:buClr>
+                <a:schemeClr val="tx1"/>
+              </a:buClr>
+            </a:pPr>
+            <a:r>
+              <a:rPr lang="en-US" sz="3200" dirty="0">
+                <a:solidFill>
+                  <a:schemeClr val="tx1"/>
+                </a:solidFill>
+              </a:rPr>
+              <a:t>Alice is a known Aggie, and so a data analyst infers that Alice is more likely to be a dog owner and asks for higher apartment cleaning rates</a:t>
+            </a:r>
+          </a:p>
+          <a:p>
+            <a:pPr>
+              <a:buClr>
+                <a:schemeClr val="tx1"/>
+              </a:buClr>
+            </a:pPr>
+            <a:endParaRPr lang="en-US" sz="3200" dirty="0"/>
+          </a:p>
+          <a:p>
+            <a:pPr>
+              <a:buClr>
+                <a:schemeClr val="tx1"/>
+              </a:buClr>
+            </a:pPr>
+            <a:r>
+              <a:rPr lang="en-US" sz="3200" dirty="0">
+                <a:solidFill>
+                  <a:srgbClr val="FF0000"/>
+                </a:solidFill>
+              </a:rPr>
+              <a:t>Was Alice’s privacy violated by this study?</a:t>
+            </a:r>
+          </a:p>
+        </p:txBody>
+      </p:sp>
+    </p:spTree>
+    <p:extLst>
+      <p:ext uri="{BB962C8B-B14F-4D97-AF65-F5344CB8AC3E}">
+        <p14:creationId xmlns:p14="http://schemas.microsoft.com/office/powerpoint/2010/main" val="2417131613"/>
+      </p:ext>
+    </p:extLst>
+  </p:cSld>
+  <p:clrMapOvr>
+    <a:masterClrMapping/>
+  </p:clrMapOvr>
+</p:sld>
+</file>
+
 <file path=ppt/slides/slide2.xml><?xml version="1.0" encoding="utf-8"?>
 <p:sld xmlns:a="http://schemas.openxmlformats.org/drawingml/2006/main" xmlns:r="http://schemas.openxmlformats.org/officeDocument/2006/relationships" xmlns:p="http://schemas.openxmlformats.org/presentationml/2006/main">
   <p:cSld>
@@ -8158,7 +8755,7 @@
           <p:cNvPr id="2" name="Title 1">
             <a:extLst>
               <a:ext uri="{FF2B5EF4-FFF2-40B4-BE49-F238E27FC236}">
-                <a16:creationId xmlns:a16="http://schemas.microsoft.com/office/drawing/2014/main" id="{E4449558-8CBC-D30A-02F3-65EA383A4C4F}"/>
+                <a16:creationId xmlns:a16="http://schemas.microsoft.com/office/drawing/2014/main" id="{FCA5AC62-A5FD-2A5B-018F-859A378AA1D4}"/>
               </a:ext>
             </a:extLst>
           </p:cNvPr>
@@ -8166,14 +8763,17 @@
             <a:spLocks noGrp="1"/>
           </p:cNvSpPr>
           <p:nvPr>
-            <p:ph type="ctrTitle"/>
+            <p:ph type="title"/>
           </p:nvPr>
         </p:nvSpPr>
-        <p:spPr/>
+        <p:spPr>
+          <a:xfrm>
+            <a:off x="838199" y="365125"/>
+            <a:ext cx="10780059" cy="1325563"/>
+          </a:xfrm>
+        </p:spPr>
         <p:txBody>
-          <a:bodyPr>
-            <a:normAutofit fontScale="90000"/>
-          </a:bodyPr>
+          <a:bodyPr/>
           <a:lstStyle/>
           <a:p>
             <a:r>
@@ -8182,17 +8782,17 @@
                   <a:srgbClr val="C00000"/>
                 </a:solidFill>
               </a:rPr>
-              <a:t>CSCE 689: Special Topics in Modern Algorithms for Data Science </a:t>
+              <a:t>Presentation Schedule</a:t>
             </a:r>
           </a:p>
         </p:txBody>
       </p:sp>
       <p:sp>
         <p:nvSpPr>
-          <p:cNvPr id="3" name="Subtitle 2">
+          <p:cNvPr id="3" name="Content Placeholder 2">
             <a:extLst>
               <a:ext uri="{FF2B5EF4-FFF2-40B4-BE49-F238E27FC236}">
-                <a16:creationId xmlns:a16="http://schemas.microsoft.com/office/drawing/2014/main" id="{89802CB3-FC8E-C393-0D77-33E8A17F6B16}"/>
+                <a16:creationId xmlns:a16="http://schemas.microsoft.com/office/drawing/2014/main" id="{76F2126B-4AA6-302B-7E5A-170FFAAB8BD1}"/>
               </a:ext>
             </a:extLst>
           </p:cNvPr>
@@ -8200,13 +8800,13 @@
             <a:spLocks noGrp="1"/>
           </p:cNvSpPr>
           <p:nvPr>
-            <p:ph type="subTitle" idx="1"/>
+            <p:ph idx="1"/>
           </p:nvPr>
         </p:nvSpPr>
         <p:spPr>
           <a:xfrm>
-            <a:off x="1524000" y="3602037"/>
-            <a:ext cx="9144000" cy="2789797"/>
+            <a:off x="838200" y="1825624"/>
+            <a:ext cx="10515600" cy="4422775"/>
           </a:xfrm>
         </p:spPr>
         <p:txBody>
@@ -8215,26 +8815,97 @@
           </a:bodyPr>
           <a:lstStyle/>
           <a:p>
+            <a:pPr>
+              <a:buClr>
+                <a:schemeClr val="tx1"/>
+              </a:buClr>
+            </a:pPr>
             <a:r>
-              <a:rPr lang="en-US" sz="3600" dirty="0"/>
-              <a:t>Lecture 32</a:t>
+              <a:rPr lang="en-US" dirty="0">
+                <a:solidFill>
+                  <a:srgbClr val="00B050"/>
+                </a:solidFill>
+              </a:rPr>
+              <a:t>November 27</a:t>
             </a:r>
-          </a:p>
-          <a:p>
-            <a:endParaRPr lang="en-US" sz="3600" dirty="0"/>
-          </a:p>
-          <a:p>
             <a:r>
-              <a:rPr lang="en-US" sz="2800" dirty="0"/>
-              <a:t>Samson Zhou</a:t>
+              <a:rPr lang="en-US" dirty="0"/>
+              <a:t>: </a:t>
             </a:r>
+            <a:r>
+              <a:rPr lang="en-US" dirty="0" err="1"/>
+              <a:t>Chunkai</a:t>
+            </a:r>
+            <a:r>
+              <a:rPr lang="en-US" dirty="0"/>
+              <a:t>, Jung, Galaxy AI</a:t>
+            </a:r>
+          </a:p>
+          <a:p>
+            <a:pPr>
+              <a:buClr>
+                <a:schemeClr val="tx1"/>
+              </a:buClr>
+            </a:pPr>
+            <a:r>
+              <a:rPr lang="en-US" dirty="0">
+                <a:solidFill>
+                  <a:srgbClr val="00B050"/>
+                </a:solidFill>
+              </a:rPr>
+              <a:t>November 29</a:t>
+            </a:r>
+            <a:r>
+              <a:rPr lang="en-US" dirty="0"/>
+              <a:t>: STMI, Anmol, Jason</a:t>
+            </a:r>
+          </a:p>
+          <a:p>
+            <a:pPr>
+              <a:buClr>
+                <a:schemeClr val="tx1"/>
+              </a:buClr>
+            </a:pPr>
+            <a:r>
+              <a:rPr lang="en-US" dirty="0">
+                <a:solidFill>
+                  <a:srgbClr val="00B050"/>
+                </a:solidFill>
+              </a:rPr>
+              <a:t>December 1</a:t>
+            </a:r>
+            <a:r>
+              <a:rPr lang="en-US" dirty="0"/>
+              <a:t>: </a:t>
+            </a:r>
+            <a:r>
+              <a:rPr lang="en-US" dirty="0" err="1"/>
+              <a:t>Bokun</a:t>
+            </a:r>
+            <a:r>
+              <a:rPr lang="en-US" dirty="0"/>
+              <a:t>, Ayesha, </a:t>
+            </a:r>
+            <a:r>
+              <a:rPr lang="en-US" dirty="0" err="1"/>
+              <a:t>Dawei</a:t>
+            </a:r>
+            <a:r>
+              <a:rPr lang="en-US" dirty="0"/>
+              <a:t>, </a:t>
+            </a:r>
+            <a:r>
+              <a:rPr lang="en-US" dirty="0" err="1"/>
+              <a:t>Lipai</a:t>
+            </a:r>
+            <a:endParaRPr lang="en-US" dirty="0"/>
           </a:p>
         </p:txBody>
       </p:sp>
     </p:spTree>
     <p:extLst>
       <p:ext uri="{BB962C8B-B14F-4D97-AF65-F5344CB8AC3E}">
-        <p14:creationId xmlns:p14="http://schemas.microsoft.com/office/powerpoint/2010/main" val="642191086"/>
+        <p14:creationId xmlns:p14="http://schemas.microsoft.com/office/powerpoint/2010/main" val="3156464587"/>
       </p:ext>
     </p:extLst>
   </p:cSld>
@@ -8245,163 +8916,6 @@
 </file>
 
 <file path=ppt/slides/slide20.xml><?xml version="1.0" encoding="utf-8"?>
-<p:sld xmlns:a="http://schemas.openxmlformats.org/drawingml/2006/main" xmlns:r="http://schemas.openxmlformats.org/officeDocument/2006/relationships" xmlns:p="http://schemas.openxmlformats.org/presentationml/2006/main">
-  <p:cSld>
-    <p:spTree>
-      <p:nvGrpSpPr>
-        <p:cNvPr id="1" name=""/>
-        <p:cNvGrpSpPr/>
-        <p:nvPr/>
-      </p:nvGrpSpPr>
-      <p:grpSpPr>
-        <a:xfrm>
-          <a:off x="0" y="0"/>
-          <a:ext cx="0" cy="0"/>
-          <a:chOff x="0" y="0"/>
-          <a:chExt cx="0" cy="0"/>
-        </a:xfrm>
-      </p:grpSpPr>
-      <p:sp>
-        <p:nvSpPr>
-          <p:cNvPr id="2" name="Title 1">
-            <a:extLst>
-              <a:ext uri="{FF2B5EF4-FFF2-40B4-BE49-F238E27FC236}">
-                <a16:creationId xmlns:a16="http://schemas.microsoft.com/office/drawing/2014/main" id="{AACC8D89-2FD2-37B7-6EF0-6329A9F75CA4}"/>
-              </a:ext>
-            </a:extLst>
-          </p:cNvPr>
-          <p:cNvSpPr>
-            <a:spLocks noGrp="1"/>
-          </p:cNvSpPr>
-          <p:nvPr>
-            <p:ph type="title"/>
-          </p:nvPr>
-        </p:nvSpPr>
-        <p:spPr>
-          <a:xfrm>
-            <a:off x="838200" y="365125"/>
-            <a:ext cx="10515600" cy="1325563"/>
-          </a:xfrm>
-        </p:spPr>
-        <p:txBody>
-          <a:bodyPr/>
-          <a:lstStyle/>
-          <a:p>
-            <a:r>
-              <a:rPr lang="en-US" dirty="0">
-                <a:solidFill>
-                  <a:srgbClr val="C00000"/>
-                </a:solidFill>
-              </a:rPr>
-              <a:t>Possible Notion for Privacy #1</a:t>
-            </a:r>
-          </a:p>
-        </p:txBody>
-      </p:sp>
-      <p:sp>
-        <p:nvSpPr>
-          <p:cNvPr id="4" name="Content Placeholder 2">
-            <a:extLst>
-              <a:ext uri="{FF2B5EF4-FFF2-40B4-BE49-F238E27FC236}">
-                <a16:creationId xmlns:a16="http://schemas.microsoft.com/office/drawing/2014/main" id="{C619D92C-18DC-C0D1-F761-38BD493BE0F7}"/>
-              </a:ext>
-            </a:extLst>
-          </p:cNvPr>
-          <p:cNvSpPr>
-            <a:spLocks noGrp="1"/>
-          </p:cNvSpPr>
-          <p:nvPr>
-            <p:ph idx="1"/>
-          </p:nvPr>
-        </p:nvSpPr>
-        <p:spPr>
-          <a:xfrm>
-            <a:off x="838199" y="1825625"/>
-            <a:ext cx="11066929" cy="4871010"/>
-          </a:xfrm>
-        </p:spPr>
-        <p:txBody>
-          <a:bodyPr>
-            <a:normAutofit/>
-          </a:bodyPr>
-          <a:lstStyle/>
-          <a:p>
-            <a:pPr>
-              <a:buClr>
-                <a:schemeClr val="tx1"/>
-              </a:buClr>
-            </a:pPr>
-            <a:r>
-              <a:rPr lang="en-US" sz="3200" dirty="0">
-                <a:solidFill>
-                  <a:schemeClr val="tx1"/>
-                </a:solidFill>
-              </a:rPr>
-              <a:t>Suppose a survey is conducted on a sensitive dataset and concludes that “most Aggies like Reveille”</a:t>
-            </a:r>
-          </a:p>
-          <a:p>
-            <a:pPr>
-              <a:buClr>
-                <a:schemeClr val="tx1"/>
-              </a:buClr>
-            </a:pPr>
-            <a:endParaRPr lang="en-US" sz="3200" dirty="0"/>
-          </a:p>
-          <a:p>
-            <a:pPr>
-              <a:buClr>
-                <a:schemeClr val="tx1"/>
-              </a:buClr>
-            </a:pPr>
-            <a:r>
-              <a:rPr lang="en-US" sz="3200" dirty="0">
-                <a:solidFill>
-                  <a:schemeClr val="tx1"/>
-                </a:solidFill>
-              </a:rPr>
-              <a:t>Alice is a known Aggie, and so a data analyst infers that Alice is more likely to be a dog owner and asks for higher apartment cleaning rates</a:t>
-            </a:r>
-          </a:p>
-          <a:p>
-            <a:pPr>
-              <a:buClr>
-                <a:schemeClr val="tx1"/>
-              </a:buClr>
-            </a:pPr>
-            <a:endParaRPr lang="en-US" sz="3200" dirty="0"/>
-          </a:p>
-          <a:p>
-            <a:pPr>
-              <a:buClr>
-                <a:schemeClr val="tx1"/>
-              </a:buClr>
-            </a:pPr>
-            <a:r>
-              <a:rPr lang="en-US" sz="3200" dirty="0">
-                <a:solidFill>
-                  <a:srgbClr val="FF0000"/>
-                </a:solidFill>
-              </a:rPr>
-              <a:t>Was Alice’s privacy violated by this study?</a:t>
-            </a:r>
-          </a:p>
-        </p:txBody>
-      </p:sp>
-    </p:spTree>
-    <p:extLst>
-      <p:ext uri="{BB962C8B-B14F-4D97-AF65-F5344CB8AC3E}">
-        <p14:creationId xmlns:p14="http://schemas.microsoft.com/office/powerpoint/2010/main" val="2417131613"/>
-      </p:ext>
-    </p:extLst>
-  </p:cSld>
-  <p:clrMapOvr>
-    <a:masterClrMapping/>
-  </p:clrMapOvr>
-</p:sld>
-</file>
-
-<file path=ppt/slides/slide21.xml><?xml version="1.0" encoding="utf-8"?>
 <p:sld xmlns:a="http://schemas.openxmlformats.org/drawingml/2006/main" xmlns:r="http://schemas.openxmlformats.org/officeDocument/2006/relationships" xmlns:p="http://schemas.openxmlformats.org/presentationml/2006/main">
   <p:cSld>
     <p:spTree>
@@ -8805,7 +9319,7 @@
 </p:sld>
 </file>
 
-<file path=ppt/slides/slide22.xml><?xml version="1.0" encoding="utf-8"?>
+<file path=ppt/slides/slide21.xml><?xml version="1.0" encoding="utf-8"?>
 <p:sld xmlns:a="http://schemas.openxmlformats.org/drawingml/2006/main" xmlns:r="http://schemas.openxmlformats.org/officeDocument/2006/relationships" xmlns:p="http://schemas.openxmlformats.org/presentationml/2006/main">
   <p:cSld>
     <p:spTree>
@@ -9329,6 +9843,796 @@
     <p:extLst>
       <p:ext uri="{BB962C8B-B14F-4D97-AF65-F5344CB8AC3E}">
         <p14:creationId xmlns:p14="http://schemas.microsoft.com/office/powerpoint/2010/main" val="749284063"/>
+      </p:ext>
+    </p:extLst>
+  </p:cSld>
+  <p:clrMapOvr>
+    <a:masterClrMapping/>
+  </p:clrMapOvr>
+</p:sld>
+</file>
+
+<file path=ppt/slides/slide22.xml><?xml version="1.0" encoding="utf-8"?>
+<p:sld xmlns:a="http://schemas.openxmlformats.org/drawingml/2006/main" xmlns:r="http://schemas.openxmlformats.org/officeDocument/2006/relationships" xmlns:p="http://schemas.openxmlformats.org/presentationml/2006/main">
+  <p:cSld>
+    <p:spTree>
+      <p:nvGrpSpPr>
+        <p:cNvPr id="1" name=""/>
+        <p:cNvGrpSpPr/>
+        <p:nvPr/>
+      </p:nvGrpSpPr>
+      <p:grpSpPr>
+        <a:xfrm>
+          <a:off x="0" y="0"/>
+          <a:ext cx="0" cy="0"/>
+          <a:chOff x="0" y="0"/>
+          <a:chExt cx="0" cy="0"/>
+        </a:xfrm>
+      </p:grpSpPr>
+      <p:sp>
+        <p:nvSpPr>
+          <p:cNvPr id="2" name="Title 1">
+            <a:extLst>
+              <a:ext uri="{FF2B5EF4-FFF2-40B4-BE49-F238E27FC236}">
+                <a16:creationId xmlns:a16="http://schemas.microsoft.com/office/drawing/2014/main" id="{B17419AC-DCE6-4371-8DE2-D617E99D653D}"/>
+              </a:ext>
+            </a:extLst>
+          </p:cNvPr>
+          <p:cNvSpPr>
+            <a:spLocks noGrp="1"/>
+          </p:cNvSpPr>
+          <p:nvPr>
+            <p:ph type="title"/>
+          </p:nvPr>
+        </p:nvSpPr>
+        <p:spPr/>
+        <p:txBody>
+          <a:bodyPr/>
+          <a:lstStyle/>
+          <a:p>
+            <a:r>
+              <a:rPr lang="en-US" dirty="0">
+                <a:solidFill>
+                  <a:srgbClr val="C00000"/>
+                </a:solidFill>
+              </a:rPr>
+              <a:t>Differential Privacy</a:t>
+            </a:r>
+          </a:p>
+        </p:txBody>
+      </p:sp>
+      <mc:AlternateContent xmlns:mc="http://schemas.openxmlformats.org/markup-compatibility/2006">
+        <mc:Choice xmlns:a14="http://schemas.microsoft.com/office/drawing/2010/main" Requires="a14">
+          <p:sp>
+            <p:nvSpPr>
+              <p:cNvPr id="5" name="Content Placeholder 3">
+                <a:extLst>
+                  <a:ext uri="{FF2B5EF4-FFF2-40B4-BE49-F238E27FC236}">
+                    <a16:creationId xmlns:a16="http://schemas.microsoft.com/office/drawing/2014/main" id="{46EDD9D9-1338-4BC5-9D28-964A84C143C2}"/>
+                  </a:ext>
+                </a:extLst>
+              </p:cNvPr>
+              <p:cNvSpPr>
+                <a:spLocks noGrp="1"/>
+              </p:cNvSpPr>
+              <p:nvPr>
+                <p:ph idx="1"/>
+              </p:nvPr>
+            </p:nvSpPr>
+            <p:spPr>
+              <a:xfrm>
+                <a:off x="838200" y="1825624"/>
+                <a:ext cx="10242755" cy="1325563"/>
+              </a:xfrm>
+            </p:spPr>
+            <p:txBody>
+              <a:bodyPr>
+                <a:noAutofit/>
+              </a:bodyPr>
+              <a:lstStyle/>
+              <a:p>
+                <a:pPr>
+                  <a:buClr>
+                    <a:schemeClr val="tx1"/>
+                  </a:buClr>
+                </a:pPr>
+                <a:r>
+                  <a:rPr lang="en-US" sz="3200" dirty="0">
+                    <a:solidFill>
+                      <a:srgbClr val="7030A0"/>
+                    </a:solidFill>
+                  </a:rPr>
+                  <a:t>[DMNS06]</a:t>
+                </a:r>
+                <a:r>
+                  <a:rPr lang="en-US" sz="3200" dirty="0"/>
+                  <a:t> Given </a:t>
+                </a:r>
+                <a14:m>
+                  <m:oMath xmlns:m="http://schemas.openxmlformats.org/officeDocument/2006/math">
+                    <m:r>
+                      <a:rPr lang="en-US" sz="3200" i="1">
+                        <a:solidFill>
+                          <a:srgbClr val="C00000"/>
+                        </a:solidFill>
+                        <a:latin typeface="Cambria Math" panose="02040503050406030204" pitchFamily="18" charset="0"/>
+                      </a:rPr>
+                      <m:t>𝜀</m:t>
+                    </m:r>
+                    <m:r>
+                      <a:rPr lang="en-US" sz="3200" i="1">
+                        <a:solidFill>
+                          <a:srgbClr val="C00000"/>
+                        </a:solidFill>
+                        <a:latin typeface="Cambria Math" panose="02040503050406030204" pitchFamily="18" charset="0"/>
+                      </a:rPr>
+                      <m:t>&gt;0 </m:t>
+                    </m:r>
+                  </m:oMath>
+                </a14:m>
+                <a:r>
+                  <a:rPr lang="en-US" sz="3200" dirty="0"/>
+                  <a:t>and </a:t>
+                </a:r>
+                <a14:m>
+                  <m:oMath xmlns:m="http://schemas.openxmlformats.org/officeDocument/2006/math">
+                    <m:r>
+                      <a:rPr lang="en-US" sz="3200" i="1">
+                        <a:solidFill>
+                          <a:srgbClr val="C00000"/>
+                        </a:solidFill>
+                        <a:latin typeface="Cambria Math" panose="02040503050406030204" pitchFamily="18" charset="0"/>
+                      </a:rPr>
+                      <m:t>𝛿</m:t>
+                    </m:r>
+                    <m:r>
+                      <a:rPr lang="en-US" sz="3200" i="1">
+                        <a:solidFill>
+                          <a:srgbClr val="C00000"/>
+                        </a:solidFill>
+                        <a:latin typeface="Cambria Math" panose="02040503050406030204" pitchFamily="18" charset="0"/>
+                      </a:rPr>
+                      <m:t>∈</m:t>
+                    </m:r>
+                    <m:d>
+                      <m:dPr>
+                        <m:ctrlPr>
+                          <a:rPr lang="en-US" sz="3200" i="1">
+                            <a:solidFill>
+                              <a:srgbClr val="C00000"/>
+                            </a:solidFill>
+                            <a:latin typeface="Cambria Math" panose="02040503050406030204" pitchFamily="18" charset="0"/>
+                          </a:rPr>
+                        </m:ctrlPr>
+                      </m:dPr>
+                      <m:e>
+                        <m:r>
+                          <a:rPr lang="en-US" sz="3200" i="1">
+                            <a:solidFill>
+                              <a:srgbClr val="C00000"/>
+                            </a:solidFill>
+                            <a:latin typeface="Cambria Math" panose="02040503050406030204" pitchFamily="18" charset="0"/>
+                          </a:rPr>
+                          <m:t>0,1</m:t>
+                        </m:r>
+                      </m:e>
+                    </m:d>
+                  </m:oMath>
+                </a14:m>
+                <a:r>
+                  <a:rPr lang="en-US" sz="3200" dirty="0"/>
+                  <a:t>, a randomized algorithm </a:t>
+                </a:r>
+                <a14:m>
+                  <m:oMath xmlns:m="http://schemas.openxmlformats.org/officeDocument/2006/math">
+                    <m:r>
+                      <a:rPr lang="en-US" sz="3200" i="1">
+                        <a:solidFill>
+                          <a:srgbClr val="C00000"/>
+                        </a:solidFill>
+                        <a:latin typeface="Cambria Math" panose="02040503050406030204" pitchFamily="18" charset="0"/>
+                      </a:rPr>
+                      <m:t>𝐴</m:t>
+                    </m:r>
+                    <m:r>
+                      <a:rPr lang="en-US" sz="3200" i="1">
+                        <a:solidFill>
+                          <a:srgbClr val="C00000"/>
+                        </a:solidFill>
+                        <a:latin typeface="Cambria Math" panose="02040503050406030204" pitchFamily="18" charset="0"/>
+                      </a:rPr>
+                      <m:t>:</m:t>
+                    </m:r>
+                    <m:sSup>
+                      <m:sSupPr>
+                        <m:ctrlPr>
+                          <a:rPr lang="en-US" sz="3200" i="1">
+                            <a:solidFill>
+                              <a:srgbClr val="C00000"/>
+                            </a:solidFill>
+                            <a:latin typeface="Cambria Math" panose="02040503050406030204" pitchFamily="18" charset="0"/>
+                          </a:rPr>
+                        </m:ctrlPr>
+                      </m:sSupPr>
+                      <m:e>
+                        <m:r>
+                          <a:rPr lang="en-US" sz="3200" i="1">
+                            <a:solidFill>
+                              <a:srgbClr val="C00000"/>
+                            </a:solidFill>
+                            <a:latin typeface="Cambria Math" panose="02040503050406030204" pitchFamily="18" charset="0"/>
+                          </a:rPr>
+                          <m:t>𝑈</m:t>
+                        </m:r>
+                      </m:e>
+                      <m:sup>
+                        <m:r>
+                          <a:rPr lang="en-US" sz="3200" i="1">
+                            <a:solidFill>
+                              <a:srgbClr val="C00000"/>
+                            </a:solidFill>
+                            <a:latin typeface="Cambria Math" panose="02040503050406030204" pitchFamily="18" charset="0"/>
+                          </a:rPr>
+                          <m:t>∗</m:t>
+                        </m:r>
+                      </m:sup>
+                    </m:sSup>
+                    <m:r>
+                      <a:rPr lang="en-US" sz="3200" i="1">
+                        <a:solidFill>
+                          <a:srgbClr val="C00000"/>
+                        </a:solidFill>
+                        <a:latin typeface="Cambria Math" panose="02040503050406030204" pitchFamily="18" charset="0"/>
+                      </a:rPr>
+                      <m:t>→</m:t>
+                    </m:r>
+                    <m:r>
+                      <a:rPr lang="en-US" sz="3200" i="1">
+                        <a:solidFill>
+                          <a:srgbClr val="C00000"/>
+                        </a:solidFill>
+                        <a:latin typeface="Cambria Math" panose="02040503050406030204" pitchFamily="18" charset="0"/>
+                      </a:rPr>
+                      <m:t>𝑌</m:t>
+                    </m:r>
+                  </m:oMath>
+                </a14:m>
+                <a:r>
+                  <a:rPr lang="en-US" sz="3200" dirty="0"/>
+                  <a:t> is </a:t>
+                </a:r>
+                <a14:m>
+                  <m:oMath xmlns:m="http://schemas.openxmlformats.org/officeDocument/2006/math">
+                    <m:r>
+                      <a:rPr lang="en-US" sz="3200" i="1">
+                        <a:solidFill>
+                          <a:srgbClr val="C00000"/>
+                        </a:solidFill>
+                        <a:latin typeface="Cambria Math" panose="02040503050406030204" pitchFamily="18" charset="0"/>
+                      </a:rPr>
+                      <m:t>(</m:t>
+                    </m:r>
+                    <m:r>
+                      <a:rPr lang="en-US" sz="3200" i="1">
+                        <a:solidFill>
+                          <a:srgbClr val="C00000"/>
+                        </a:solidFill>
+                        <a:latin typeface="Cambria Math" panose="02040503050406030204" pitchFamily="18" charset="0"/>
+                      </a:rPr>
+                      <m:t>𝜀</m:t>
+                    </m:r>
+                    <m:r>
+                      <a:rPr lang="en-US" sz="3200" i="1">
+                        <a:solidFill>
+                          <a:srgbClr val="C00000"/>
+                        </a:solidFill>
+                        <a:latin typeface="Cambria Math" panose="02040503050406030204" pitchFamily="18" charset="0"/>
+                      </a:rPr>
+                      <m:t>,</m:t>
+                    </m:r>
+                    <m:r>
+                      <a:rPr lang="en-US" sz="3200" i="1">
+                        <a:solidFill>
+                          <a:srgbClr val="C00000"/>
+                        </a:solidFill>
+                        <a:latin typeface="Cambria Math" panose="02040503050406030204" pitchFamily="18" charset="0"/>
+                      </a:rPr>
+                      <m:t>𝛿</m:t>
+                    </m:r>
+                    <m:r>
+                      <a:rPr lang="en-US" sz="3200" i="1">
+                        <a:solidFill>
+                          <a:srgbClr val="C00000"/>
+                        </a:solidFill>
+                        <a:latin typeface="Cambria Math" panose="02040503050406030204" pitchFamily="18" charset="0"/>
+                      </a:rPr>
+                      <m:t>)</m:t>
+                    </m:r>
+                  </m:oMath>
+                </a14:m>
+                <a:r>
+                  <a:rPr lang="en-US" sz="3200" dirty="0"/>
+                  <a:t>-differentially private if, for every neighboring frequency vectors </a:t>
+                </a:r>
+                <a14:m>
+                  <m:oMath xmlns:m="http://schemas.openxmlformats.org/officeDocument/2006/math">
+                    <m:r>
+                      <a:rPr lang="en-US" sz="3200" i="1">
+                        <a:solidFill>
+                          <a:srgbClr val="C00000"/>
+                        </a:solidFill>
+                        <a:latin typeface="Cambria Math" panose="02040503050406030204" pitchFamily="18" charset="0"/>
+                      </a:rPr>
+                      <m:t>𝑓</m:t>
+                    </m:r>
+                  </m:oMath>
+                </a14:m>
+                <a:r>
+                  <a:rPr lang="en-US" sz="3200" dirty="0"/>
+                  <a:t> and </a:t>
+                </a:r>
+                <a14:m>
+                  <m:oMath xmlns:m="http://schemas.openxmlformats.org/officeDocument/2006/math">
+                    <m:r>
+                      <a:rPr lang="en-US" sz="3200" i="1">
+                        <a:solidFill>
+                          <a:srgbClr val="C00000"/>
+                        </a:solidFill>
+                        <a:latin typeface="Cambria Math" panose="02040503050406030204" pitchFamily="18" charset="0"/>
+                      </a:rPr>
+                      <m:t>𝑓</m:t>
+                    </m:r>
+                    <m:r>
+                      <a:rPr lang="en-US" sz="3200">
+                        <a:solidFill>
+                          <a:srgbClr val="C00000"/>
+                        </a:solidFill>
+                        <a:latin typeface="Cambria Math" panose="02040503050406030204" pitchFamily="18" charset="0"/>
+                      </a:rPr>
+                      <m:t>′</m:t>
+                    </m:r>
+                  </m:oMath>
+                </a14:m>
+                <a:r>
+                  <a:rPr lang="en-US" sz="3200" dirty="0"/>
+                  <a:t> and for all </a:t>
+                </a:r>
+                <a14:m>
+                  <m:oMath xmlns:m="http://schemas.openxmlformats.org/officeDocument/2006/math">
+                    <m:r>
+                      <a:rPr lang="en-US" sz="3200" i="1">
+                        <a:solidFill>
+                          <a:srgbClr val="C00000"/>
+                        </a:solidFill>
+                        <a:latin typeface="Cambria Math" panose="02040503050406030204" pitchFamily="18" charset="0"/>
+                      </a:rPr>
+                      <m:t>𝐸</m:t>
+                    </m:r>
+                    <m:r>
+                      <a:rPr lang="en-US" sz="3200" i="1">
+                        <a:solidFill>
+                          <a:srgbClr val="C00000"/>
+                        </a:solidFill>
+                        <a:latin typeface="Cambria Math" panose="02040503050406030204" pitchFamily="18" charset="0"/>
+                      </a:rPr>
+                      <m:t>⊆</m:t>
+                    </m:r>
+                    <m:r>
+                      <a:rPr lang="en-US" sz="3200" i="1">
+                        <a:solidFill>
+                          <a:srgbClr val="C00000"/>
+                        </a:solidFill>
+                        <a:latin typeface="Cambria Math" panose="02040503050406030204" pitchFamily="18" charset="0"/>
+                      </a:rPr>
+                      <m:t>𝑌</m:t>
+                    </m:r>
+                  </m:oMath>
+                </a14:m>
+                <a:r>
+                  <a:rPr lang="en-US" sz="3200" dirty="0"/>
+                  <a:t>,</a:t>
+                </a:r>
+              </a:p>
+              <a:p>
+                <a:pPr>
+                  <a:buClr>
+                    <a:schemeClr val="tx1"/>
+                  </a:buClr>
+                </a:pPr>
+                <a:endParaRPr lang="en-US" sz="3200" dirty="0"/>
+              </a:p>
+            </p:txBody>
+          </p:sp>
+        </mc:Choice>
+        <mc:Fallback>
+          <p:sp>
+            <p:nvSpPr>
+              <p:cNvPr id="5" name="Content Placeholder 3">
+                <a:extLst>
+                  <a:ext uri="{FF2B5EF4-FFF2-40B4-BE49-F238E27FC236}">
+                    <a16:creationId xmlns:a16="http://schemas.microsoft.com/office/drawing/2014/main" id="{46EDD9D9-1338-4BC5-9D28-964A84C143C2}"/>
+                  </a:ext>
+                </a:extLst>
+              </p:cNvPr>
+              <p:cNvSpPr>
+                <a:spLocks noGrp="1" noRot="1" noChangeAspect="1" noMove="1" noResize="1" noEditPoints="1" noAdjustHandles="1" noChangeArrowheads="1" noChangeShapeType="1" noTextEdit="1"/>
+              </p:cNvSpPr>
+              <p:nvPr>
+                <p:ph idx="1"/>
+              </p:nvPr>
+            </p:nvSpPr>
+            <p:spPr>
+              <a:xfrm>
+                <a:off x="838200" y="1825624"/>
+                <a:ext cx="10242755" cy="1325563"/>
+              </a:xfrm>
+              <a:blipFill>
+                <a:blip r:embed="rId3"/>
+                <a:stretch>
+                  <a:fillRect l="-1369" t="-9174" b="-54587"/>
+                </a:stretch>
+              </a:blipFill>
+            </p:spPr>
+            <p:txBody>
+              <a:bodyPr/>
+              <a:lstStyle/>
+              <a:p>
+                <a:r>
+                  <a:rPr lang="en-US">
+                    <a:noFill/>
+                  </a:rPr>
+                  <a:t> </a:t>
+                </a:r>
+              </a:p>
+            </p:txBody>
+          </p:sp>
+        </mc:Fallback>
+      </mc:AlternateContent>
+      <mc:AlternateContent xmlns:mc="http://schemas.openxmlformats.org/markup-compatibility/2006">
+        <mc:Choice xmlns:a14="http://schemas.microsoft.com/office/drawing/2010/main" Requires="a14">
+          <p:sp>
+            <p:nvSpPr>
+              <p:cNvPr id="6" name="TextBox 5">
+                <a:extLst>
+                  <a:ext uri="{FF2B5EF4-FFF2-40B4-BE49-F238E27FC236}">
+                    <a16:creationId xmlns:a16="http://schemas.microsoft.com/office/drawing/2014/main" id="{05106110-DC86-2970-71E6-6FD1BE53A9F7}"/>
+                  </a:ext>
+                </a:extLst>
+              </p:cNvPr>
+              <p:cNvSpPr txBox="1"/>
+              <p:nvPr/>
+            </p:nvSpPr>
+            <p:spPr>
+              <a:xfrm>
+                <a:off x="2039470" y="3414426"/>
+                <a:ext cx="8113059" cy="584775"/>
+              </a:xfrm>
+              <a:prstGeom prst="rect">
+                <a:avLst/>
+              </a:prstGeom>
+              <a:noFill/>
+            </p:spPr>
+            <p:txBody>
+              <a:bodyPr wrap="square">
+                <a:spAutoFit/>
+              </a:bodyPr>
+              <a:lstStyle/>
+              <a:p>
+                <a:pPr/>
+                <a14:m>
+                  <m:oMathPara xmlns:m="http://schemas.openxmlformats.org/officeDocument/2006/math">
+                    <m:oMathParaPr>
+                      <m:jc m:val="centerGroup"/>
+                    </m:oMathParaPr>
+                    <m:oMath xmlns:m="http://schemas.openxmlformats.org/officeDocument/2006/math">
+                      <m:r>
+                        <m:rPr>
+                          <m:sty m:val="p"/>
+                        </m:rPr>
+                        <a:rPr lang="en-US" sz="3200" smtClean="0">
+                          <a:solidFill>
+                            <a:srgbClr val="C00000"/>
+                          </a:solidFill>
+                          <a:latin typeface="Cambria Math" panose="02040503050406030204" pitchFamily="18" charset="0"/>
+                        </a:rPr>
+                        <m:t>Pr</m:t>
+                      </m:r>
+                      <m:d>
+                        <m:dPr>
+                          <m:begChr m:val="["/>
+                          <m:endChr m:val="]"/>
+                          <m:ctrlPr>
+                            <a:rPr lang="en-US" sz="3200" i="1">
+                              <a:solidFill>
+                                <a:srgbClr val="C00000"/>
+                              </a:solidFill>
+                              <a:latin typeface="Cambria Math" panose="02040503050406030204" pitchFamily="18" charset="0"/>
+                            </a:rPr>
+                          </m:ctrlPr>
+                        </m:dPr>
+                        <m:e>
+                          <m:r>
+                            <a:rPr lang="en-US" sz="3200" i="1">
+                              <a:solidFill>
+                                <a:srgbClr val="C00000"/>
+                              </a:solidFill>
+                              <a:latin typeface="Cambria Math" panose="02040503050406030204" pitchFamily="18" charset="0"/>
+                            </a:rPr>
+                            <m:t>𝐴</m:t>
+                          </m:r>
+                          <m:d>
+                            <m:dPr>
+                              <m:ctrlPr>
+                                <a:rPr lang="en-US" sz="3200" i="1">
+                                  <a:solidFill>
+                                    <a:srgbClr val="C00000"/>
+                                  </a:solidFill>
+                                  <a:latin typeface="Cambria Math" panose="02040503050406030204" pitchFamily="18" charset="0"/>
+                                </a:rPr>
+                              </m:ctrlPr>
+                            </m:dPr>
+                            <m:e>
+                              <m:r>
+                                <a:rPr lang="en-US" sz="3200" i="1">
+                                  <a:solidFill>
+                                    <a:srgbClr val="C00000"/>
+                                  </a:solidFill>
+                                  <a:latin typeface="Cambria Math" panose="02040503050406030204" pitchFamily="18" charset="0"/>
+                                </a:rPr>
+                                <m:t>𝑓</m:t>
+                              </m:r>
+                            </m:e>
+                          </m:d>
+                          <m:r>
+                            <a:rPr lang="en-US" sz="3200" i="1">
+                              <a:solidFill>
+                                <a:srgbClr val="C00000"/>
+                              </a:solidFill>
+                              <a:latin typeface="Cambria Math" panose="02040503050406030204" pitchFamily="18" charset="0"/>
+                            </a:rPr>
+                            <m:t>∈</m:t>
+                          </m:r>
+                          <m:r>
+                            <a:rPr lang="en-US" sz="3200" i="1">
+                              <a:solidFill>
+                                <a:srgbClr val="C00000"/>
+                              </a:solidFill>
+                              <a:latin typeface="Cambria Math" panose="02040503050406030204" pitchFamily="18" charset="0"/>
+                            </a:rPr>
+                            <m:t>𝐸</m:t>
+                          </m:r>
+                        </m:e>
+                      </m:d>
+                      <m:r>
+                        <a:rPr lang="en-US" sz="3200" i="1">
+                          <a:solidFill>
+                            <a:srgbClr val="C00000"/>
+                          </a:solidFill>
+                          <a:latin typeface="Cambria Math" panose="02040503050406030204" pitchFamily="18" charset="0"/>
+                        </a:rPr>
+                        <m:t>≤</m:t>
+                      </m:r>
+                      <m:sSup>
+                        <m:sSupPr>
+                          <m:ctrlPr>
+                            <a:rPr lang="en-US" sz="3200" i="1">
+                              <a:solidFill>
+                                <a:srgbClr val="C00000"/>
+                              </a:solidFill>
+                              <a:latin typeface="Cambria Math" panose="02040503050406030204" pitchFamily="18" charset="0"/>
+                            </a:rPr>
+                          </m:ctrlPr>
+                        </m:sSupPr>
+                        <m:e>
+                          <m:r>
+                            <a:rPr lang="en-US" sz="3200" i="1">
+                              <a:solidFill>
+                                <a:srgbClr val="C00000"/>
+                              </a:solidFill>
+                              <a:latin typeface="Cambria Math" panose="02040503050406030204" pitchFamily="18" charset="0"/>
+                            </a:rPr>
+                            <m:t>𝑒</m:t>
+                          </m:r>
+                        </m:e>
+                        <m:sup>
+                          <m:r>
+                            <a:rPr lang="en-US" sz="3200" i="1">
+                              <a:solidFill>
+                                <a:srgbClr val="C00000"/>
+                              </a:solidFill>
+                              <a:latin typeface="Cambria Math" panose="02040503050406030204" pitchFamily="18" charset="0"/>
+                            </a:rPr>
+                            <m:t>𝜀</m:t>
+                          </m:r>
+                        </m:sup>
+                      </m:sSup>
+                      <m:r>
+                        <a:rPr lang="en-US" sz="3200" b="0" i="1" smtClean="0">
+                          <a:solidFill>
+                            <a:srgbClr val="C00000"/>
+                          </a:solidFill>
+                          <a:latin typeface="Cambria Math" panose="02040503050406030204" pitchFamily="18" charset="0"/>
+                        </a:rPr>
+                        <m:t>⋅</m:t>
+                      </m:r>
+                      <m:r>
+                        <m:rPr>
+                          <m:sty m:val="p"/>
+                        </m:rPr>
+                        <a:rPr lang="en-US" sz="3200">
+                          <a:solidFill>
+                            <a:srgbClr val="C00000"/>
+                          </a:solidFill>
+                          <a:latin typeface="Cambria Math" panose="02040503050406030204" pitchFamily="18" charset="0"/>
+                        </a:rPr>
+                        <m:t>Pr</m:t>
+                      </m:r>
+                      <m:d>
+                        <m:dPr>
+                          <m:begChr m:val="["/>
+                          <m:endChr m:val="]"/>
+                          <m:ctrlPr>
+                            <a:rPr lang="en-US" sz="3200" i="1">
+                              <a:solidFill>
+                                <a:srgbClr val="C00000"/>
+                              </a:solidFill>
+                              <a:latin typeface="Cambria Math" panose="02040503050406030204" pitchFamily="18" charset="0"/>
+                            </a:rPr>
+                          </m:ctrlPr>
+                        </m:dPr>
+                        <m:e>
+                          <m:r>
+                            <a:rPr lang="en-US" sz="3200" i="1">
+                              <a:solidFill>
+                                <a:srgbClr val="C00000"/>
+                              </a:solidFill>
+                              <a:latin typeface="Cambria Math" panose="02040503050406030204" pitchFamily="18" charset="0"/>
+                            </a:rPr>
+                            <m:t>𝐴</m:t>
+                          </m:r>
+                          <m:d>
+                            <m:dPr>
+                              <m:ctrlPr>
+                                <a:rPr lang="en-US" sz="3200" i="1">
+                                  <a:solidFill>
+                                    <a:srgbClr val="C00000"/>
+                                  </a:solidFill>
+                                  <a:latin typeface="Cambria Math" panose="02040503050406030204" pitchFamily="18" charset="0"/>
+                                </a:rPr>
+                              </m:ctrlPr>
+                            </m:dPr>
+                            <m:e>
+                              <m:sSup>
+                                <m:sSupPr>
+                                  <m:ctrlPr>
+                                    <a:rPr lang="en-US" sz="3200" i="1">
+                                      <a:solidFill>
+                                        <a:srgbClr val="C00000"/>
+                                      </a:solidFill>
+                                      <a:latin typeface="Cambria Math" panose="02040503050406030204" pitchFamily="18" charset="0"/>
+                                    </a:rPr>
+                                  </m:ctrlPr>
+                                </m:sSupPr>
+                                <m:e>
+                                  <m:r>
+                                    <a:rPr lang="en-US" sz="3200" i="1">
+                                      <a:solidFill>
+                                        <a:srgbClr val="C00000"/>
+                                      </a:solidFill>
+                                      <a:latin typeface="Cambria Math" panose="02040503050406030204" pitchFamily="18" charset="0"/>
+                                    </a:rPr>
+                                    <m:t>𝑓</m:t>
+                                  </m:r>
+                                </m:e>
+                                <m:sup>
+                                  <m:r>
+                                    <a:rPr lang="en-US" sz="3200" i="1">
+                                      <a:solidFill>
+                                        <a:srgbClr val="C00000"/>
+                                      </a:solidFill>
+                                      <a:latin typeface="Cambria Math" panose="02040503050406030204" pitchFamily="18" charset="0"/>
+                                    </a:rPr>
+                                    <m:t>′</m:t>
+                                  </m:r>
+                                </m:sup>
+                              </m:sSup>
+                            </m:e>
+                          </m:d>
+                          <m:r>
+                            <a:rPr lang="en-US" sz="3200" i="1">
+                              <a:solidFill>
+                                <a:srgbClr val="C00000"/>
+                              </a:solidFill>
+                              <a:latin typeface="Cambria Math" panose="02040503050406030204" pitchFamily="18" charset="0"/>
+                            </a:rPr>
+                            <m:t>∈</m:t>
+                          </m:r>
+                          <m:r>
+                            <a:rPr lang="en-US" sz="3200" i="1">
+                              <a:solidFill>
+                                <a:srgbClr val="C00000"/>
+                              </a:solidFill>
+                              <a:latin typeface="Cambria Math" panose="02040503050406030204" pitchFamily="18" charset="0"/>
+                            </a:rPr>
+                            <m:t>𝐸</m:t>
+                          </m:r>
+                        </m:e>
+                      </m:d>
+                      <m:r>
+                        <a:rPr lang="en-US" sz="3200" i="1">
+                          <a:solidFill>
+                            <a:srgbClr val="C00000"/>
+                          </a:solidFill>
+                          <a:latin typeface="Cambria Math" panose="02040503050406030204" pitchFamily="18" charset="0"/>
+                        </a:rPr>
+                        <m:t>+</m:t>
+                      </m:r>
+                      <m:r>
+                        <a:rPr lang="en-US" sz="3200" i="1">
+                          <a:solidFill>
+                            <a:srgbClr val="C00000"/>
+                          </a:solidFill>
+                          <a:latin typeface="Cambria Math" panose="02040503050406030204" pitchFamily="18" charset="0"/>
+                        </a:rPr>
+                        <m:t>𝛿</m:t>
+                      </m:r>
+                    </m:oMath>
+                  </m:oMathPara>
+                </a14:m>
+                <a:endParaRPr lang="en-US" sz="3200" i="1" dirty="0"/>
+              </a:p>
+            </p:txBody>
+          </p:sp>
+        </mc:Choice>
+        <mc:Fallback>
+          <p:sp>
+            <p:nvSpPr>
+              <p:cNvPr id="6" name="TextBox 5">
+                <a:extLst>
+                  <a:ext uri="{FF2B5EF4-FFF2-40B4-BE49-F238E27FC236}">
+                    <a16:creationId xmlns:a16="http://schemas.microsoft.com/office/drawing/2014/main" id="{05106110-DC86-2970-71E6-6FD1BE53A9F7}"/>
+                  </a:ext>
+                </a:extLst>
+              </p:cNvPr>
+              <p:cNvSpPr txBox="1">
+                <a:spLocks noRot="1" noChangeAspect="1" noMove="1" noResize="1" noEditPoints="1" noAdjustHandles="1" noChangeArrowheads="1" noChangeShapeType="1" noTextEdit="1"/>
+              </p:cNvSpPr>
+              <p:nvPr/>
+            </p:nvSpPr>
+            <p:spPr>
+              <a:xfrm>
+                <a:off x="2039470" y="3414426"/>
+                <a:ext cx="8113059" cy="584775"/>
+              </a:xfrm>
+              <a:prstGeom prst="rect">
+                <a:avLst/>
+              </a:prstGeom>
+              <a:blipFill>
+                <a:blip r:embed="rId4"/>
+                <a:stretch>
+                  <a:fillRect/>
+                </a:stretch>
+              </a:blipFill>
+            </p:spPr>
+            <p:txBody>
+              <a:bodyPr/>
+              <a:lstStyle/>
+              <a:p>
+                <a:r>
+                  <a:rPr lang="en-US">
+                    <a:noFill/>
+                  </a:rPr>
+                  <a:t> </a:t>
+                </a:r>
+              </a:p>
+            </p:txBody>
+          </p:sp>
+        </mc:Fallback>
+      </mc:AlternateContent>
+    </p:spTree>
+    <p:extLst>
+      <p:ext uri="{BB962C8B-B14F-4D97-AF65-F5344CB8AC3E}">
+        <p14:creationId xmlns:p14="http://schemas.microsoft.com/office/powerpoint/2010/main" val="4025281601"/>
       </p:ext>
     </p:extLst>
   </p:cSld>
@@ -9766,8 +11070,8 @@
           </p:sp>
         </mc:Fallback>
       </mc:AlternateContent>
-      <mc:AlternateContent xmlns:mc="http://schemas.openxmlformats.org/markup-compatibility/2006" xmlns:a14="http://schemas.microsoft.com/office/drawing/2010/main">
-        <mc:Choice Requires="a14">
+      <mc:AlternateContent xmlns:mc="http://schemas.openxmlformats.org/markup-compatibility/2006">
+        <mc:Choice xmlns:a14="http://schemas.microsoft.com/office/drawing/2010/main" Requires="a14">
           <p:sp>
             <p:nvSpPr>
               <p:cNvPr id="6" name="TextBox 5">
@@ -9807,7 +11111,7 @@
                         <m:rPr>
                           <m:sty m:val="p"/>
                         </m:rPr>
-                        <a:rPr lang="en-US" sz="3200" b="0" i="0" smtClean="0">
+                        <a:rPr lang="en-US" sz="3200">
                           <a:solidFill>
                             <a:srgbClr val="C00000"/>
                           </a:solidFill>
@@ -9820,7 +11124,7 @@
                           <m:begChr m:val="["/>
                           <m:endChr m:val="]"/>
                           <m:ctrlPr>
-                            <a:rPr lang="en-US" sz="3200" b="0" i="1" smtClean="0">
+                            <a:rPr lang="en-US" sz="3200" i="1">
                               <a:solidFill>
                                 <a:srgbClr val="C00000"/>
                               </a:solidFill>
@@ -9830,7 +11134,7 @@
                         </m:dPr>
                         <m:e>
                           <m:r>
-                            <a:rPr lang="en-US" sz="3200" b="0" i="1" smtClean="0">
+                            <a:rPr lang="en-US" sz="3200" i="1">
                               <a:solidFill>
                                 <a:srgbClr val="C00000"/>
                               </a:solidFill>
@@ -9841,7 +11145,7 @@
                           <m:d>
                             <m:dPr>
                               <m:ctrlPr>
-                                <a:rPr lang="en-US" sz="3200" b="0" i="1" smtClean="0">
+                                <a:rPr lang="en-US" sz="3200" i="1">
                                   <a:solidFill>
                                     <a:srgbClr val="C00000"/>
                                   </a:solidFill>
@@ -9851,7 +11155,7 @@
                             </m:dPr>
                             <m:e>
                               <m:r>
-                                <a:rPr lang="en-US" sz="3200" b="0" i="1" smtClean="0">
+                                <a:rPr lang="en-US" sz="3200" i="1">
                                   <a:solidFill>
                                     <a:srgbClr val="C00000"/>
                                   </a:solidFill>
@@ -9862,7 +11166,7 @@
                             </m:e>
                           </m:d>
                           <m:r>
-                            <a:rPr lang="en-US" sz="3200" b="0" i="1" smtClean="0">
+                            <a:rPr lang="en-US" sz="3200" i="1">
                               <a:solidFill>
                                 <a:srgbClr val="C00000"/>
                               </a:solidFill>
@@ -9871,7 +11175,7 @@
                             <m:t>∈</m:t>
                           </m:r>
                           <m:r>
-                            <a:rPr lang="en-US" sz="3200" b="0" i="1" smtClean="0">
+                            <a:rPr lang="en-US" sz="3200" i="1">
                               <a:solidFill>
                                 <a:srgbClr val="C00000"/>
                               </a:solidFill>
@@ -9882,7 +11186,7 @@
                         </m:e>
                       </m:d>
                       <m:r>
-                        <a:rPr lang="en-US" sz="3200" b="0" i="1" smtClean="0">
+                        <a:rPr lang="en-US" sz="3200" i="1">
                           <a:solidFill>
                             <a:srgbClr val="C00000"/>
                           </a:solidFill>
@@ -9893,7 +11197,7 @@
                       <m:sSup>
                         <m:sSupPr>
                           <m:ctrlPr>
-                            <a:rPr lang="en-US" sz="3200" b="0" i="1" smtClean="0">
+                            <a:rPr lang="en-US" sz="3200" i="1">
                               <a:solidFill>
                                 <a:srgbClr val="C00000"/>
                               </a:solidFill>
@@ -9903,7 +11207,7 @@
                         </m:sSupPr>
                         <m:e>
                           <m:r>
-                            <a:rPr lang="en-US" sz="3200" b="0" i="1" smtClean="0">
+                            <a:rPr lang="en-US" sz="3200" i="1">
                               <a:solidFill>
                                 <a:srgbClr val="C00000"/>
                               </a:solidFill>
@@ -9914,7 +11218,7 @@
                         </m:e>
                         <m:sup>
                           <m:r>
-                            <a:rPr lang="en-US" sz="3200" b="0" i="1" smtClean="0">
+                            <a:rPr lang="en-US" sz="3200" i="1">
                               <a:solidFill>
                                 <a:srgbClr val="C00000"/>
                               </a:solidFill>
@@ -9925,10 +11229,19 @@
                         </m:sup>
                       </m:sSup>
                       <m:r>
+                        <a:rPr lang="en-US" sz="3200" i="1">
+                          <a:solidFill>
+                            <a:srgbClr val="C00000"/>
+                          </a:solidFill>
+                          <a:latin typeface="Cambria Math" panose="02040503050406030204" pitchFamily="18" charset="0"/>
+                        </a:rPr>
+                        <m:t>⋅</m:t>
+                      </m:r>
+                      <m:r>
                         <m:rPr>
                           <m:sty m:val="p"/>
                         </m:rPr>
-                        <a:rPr lang="en-US" sz="3200" b="0" i="0" smtClean="0">
+                        <a:rPr lang="en-US" sz="3200">
                           <a:solidFill>
                             <a:srgbClr val="C00000"/>
                           </a:solidFill>
@@ -9941,7 +11254,7 @@
                           <m:begChr m:val="["/>
                           <m:endChr m:val="]"/>
                           <m:ctrlPr>
-                            <a:rPr lang="en-US" sz="3200" b="0" i="1" smtClean="0">
+                            <a:rPr lang="en-US" sz="3200" i="1">
                               <a:solidFill>
                                 <a:srgbClr val="C00000"/>
                               </a:solidFill>
@@ -9951,7 +11264,7 @@
                         </m:dPr>
                         <m:e>
                           <m:r>
-                            <a:rPr lang="en-US" sz="3200" b="0" i="1" smtClean="0">
+                            <a:rPr lang="en-US" sz="3200" i="1">
                               <a:solidFill>
                                 <a:srgbClr val="C00000"/>
                               </a:solidFill>
@@ -9962,7 +11275,7 @@
                           <m:d>
                             <m:dPr>
                               <m:ctrlPr>
-                                <a:rPr lang="en-US" sz="3200" b="0" i="1" smtClean="0">
+                                <a:rPr lang="en-US" sz="3200" i="1">
                                   <a:solidFill>
                                     <a:srgbClr val="C00000"/>
                                   </a:solidFill>
@@ -9974,7 +11287,7 @@
                               <m:sSup>
                                 <m:sSupPr>
                                   <m:ctrlPr>
-                                    <a:rPr lang="en-US" sz="3200" b="0" i="1" smtClean="0">
+                                    <a:rPr lang="en-US" sz="3200" i="1">
                                       <a:solidFill>
                                         <a:srgbClr val="C00000"/>
                                       </a:solidFill>
@@ -9984,7 +11297,7 @@
                                 </m:sSupPr>
                                 <m:e>
                                   <m:r>
-                                    <a:rPr lang="en-US" sz="3200" b="0" i="1" smtClean="0">
+                                    <a:rPr lang="en-US" sz="3200" i="1">
                                       <a:solidFill>
                                         <a:srgbClr val="C00000"/>
                                       </a:solidFill>
@@ -9995,7 +11308,7 @@
                                 </m:e>
                                 <m:sup>
                                   <m:r>
-                                    <a:rPr lang="en-US" sz="3200" b="0" i="1" smtClean="0">
+                                    <a:rPr lang="en-US" sz="3200" i="1">
                                       <a:solidFill>
                                         <a:srgbClr val="C00000"/>
                                       </a:solidFill>
@@ -10008,7 +11321,7 @@
                             </m:e>
                           </m:d>
                           <m:r>
-                            <a:rPr lang="en-US" sz="3200" b="0" i="1" smtClean="0">
+                            <a:rPr lang="en-US" sz="3200" i="1">
                               <a:solidFill>
                                 <a:srgbClr val="C00000"/>
                               </a:solidFill>
@@ -10017,7 +11330,7 @@
                             <m:t>∈</m:t>
                           </m:r>
                           <m:r>
-                            <a:rPr lang="en-US" sz="3200" b="0" i="1" smtClean="0">
+                            <a:rPr lang="en-US" sz="3200" i="1">
                               <a:solidFill>
                                 <a:srgbClr val="C00000"/>
                               </a:solidFill>
@@ -10028,7 +11341,7 @@
                         </m:e>
                       </m:d>
                       <m:r>
-                        <a:rPr lang="en-US" sz="3200" b="0" i="1" smtClean="0">
+                        <a:rPr lang="en-US" sz="3200" i="1">
                           <a:solidFill>
                             <a:srgbClr val="C00000"/>
                           </a:solidFill>
@@ -10037,7 +11350,7 @@
                         <m:t>+</m:t>
                       </m:r>
                       <m:r>
-                        <a:rPr lang="en-US" sz="3200" b="0" i="1" smtClean="0">
+                        <a:rPr lang="en-US" sz="3200" i="1">
                           <a:solidFill>
                             <a:srgbClr val="C00000"/>
                           </a:solidFill>
@@ -10053,7 +11366,7 @@
             </p:txBody>
           </p:sp>
         </mc:Choice>
-        <mc:Fallback xmlns="">
+        <mc:Fallback>
           <p:sp>
             <p:nvSpPr>
               <p:cNvPr id="6" name="TextBox 5">
@@ -10077,7 +11390,7 @@
                 <a:avLst/>
               </a:prstGeom>
               <a:blipFill>
-                <a:blip r:embed="rId5"/>
+                <a:blip r:embed="rId4"/>
                 <a:stretch>
                   <a:fillRect/>
                 </a:stretch>
@@ -10509,6 +11822,2965 @@
 </file>
 
 <file path=ppt/slides/slide24.xml><?xml version="1.0" encoding="utf-8"?>
+<p:sld xmlns:a="http://schemas.openxmlformats.org/drawingml/2006/main" xmlns:r="http://schemas.openxmlformats.org/officeDocument/2006/relationships" xmlns:p="http://schemas.openxmlformats.org/presentationml/2006/main">
+  <p:cSld>
+    <p:spTree>
+      <p:nvGrpSpPr>
+        <p:cNvPr id="1" name=""/>
+        <p:cNvGrpSpPr/>
+        <p:nvPr/>
+      </p:nvGrpSpPr>
+      <p:grpSpPr>
+        <a:xfrm>
+          <a:off x="0" y="0"/>
+          <a:ext cx="0" cy="0"/>
+          <a:chOff x="0" y="0"/>
+          <a:chExt cx="0" cy="0"/>
+        </a:xfrm>
+      </p:grpSpPr>
+      <p:sp>
+        <p:nvSpPr>
+          <p:cNvPr id="2" name="Title 1">
+            <a:extLst>
+              <a:ext uri="{FF2B5EF4-FFF2-40B4-BE49-F238E27FC236}">
+                <a16:creationId xmlns:a16="http://schemas.microsoft.com/office/drawing/2014/main" id="{B17419AC-DCE6-4371-8DE2-D617E99D653D}"/>
+              </a:ext>
+            </a:extLst>
+          </p:cNvPr>
+          <p:cNvSpPr>
+            <a:spLocks noGrp="1"/>
+          </p:cNvSpPr>
+          <p:nvPr>
+            <p:ph type="title"/>
+          </p:nvPr>
+        </p:nvSpPr>
+        <p:spPr/>
+        <p:txBody>
+          <a:bodyPr/>
+          <a:lstStyle/>
+          <a:p>
+            <a:r>
+              <a:rPr lang="en-US" dirty="0">
+                <a:solidFill>
+                  <a:srgbClr val="C00000"/>
+                </a:solidFill>
+              </a:rPr>
+              <a:t>Differential Privacy</a:t>
+            </a:r>
+          </a:p>
+        </p:txBody>
+      </p:sp>
+      <mc:AlternateContent xmlns:mc="http://schemas.openxmlformats.org/markup-compatibility/2006">
+        <mc:Choice xmlns:a14="http://schemas.microsoft.com/office/drawing/2010/main" Requires="a14">
+          <p:sp>
+            <p:nvSpPr>
+              <p:cNvPr id="5" name="Content Placeholder 3">
+                <a:extLst>
+                  <a:ext uri="{FF2B5EF4-FFF2-40B4-BE49-F238E27FC236}">
+                    <a16:creationId xmlns:a16="http://schemas.microsoft.com/office/drawing/2014/main" id="{46EDD9D9-1338-4BC5-9D28-964A84C143C2}"/>
+                  </a:ext>
+                </a:extLst>
+              </p:cNvPr>
+              <p:cNvSpPr>
+                <a:spLocks noGrp="1"/>
+              </p:cNvSpPr>
+              <p:nvPr>
+                <p:ph idx="1"/>
+              </p:nvPr>
+            </p:nvSpPr>
+            <p:spPr>
+              <a:xfrm>
+                <a:off x="838200" y="1825624"/>
+                <a:ext cx="10242755" cy="1325563"/>
+              </a:xfrm>
+            </p:spPr>
+            <p:txBody>
+              <a:bodyPr>
+                <a:noAutofit/>
+              </a:bodyPr>
+              <a:lstStyle/>
+              <a:p>
+                <a:pPr>
+                  <a:buClr>
+                    <a:schemeClr val="tx1"/>
+                  </a:buClr>
+                </a:pPr>
+                <a:r>
+                  <a:rPr lang="en-US" sz="3200" dirty="0">
+                    <a:solidFill>
+                      <a:srgbClr val="7030A0"/>
+                    </a:solidFill>
+                  </a:rPr>
+                  <a:t>[DMNS06]</a:t>
+                </a:r>
+                <a:r>
+                  <a:rPr lang="en-US" sz="3200" dirty="0"/>
+                  <a:t> Given </a:t>
+                </a:r>
+                <a14:m>
+                  <m:oMath xmlns:m="http://schemas.openxmlformats.org/officeDocument/2006/math">
+                    <m:r>
+                      <a:rPr lang="en-US" sz="3200" i="1">
+                        <a:solidFill>
+                          <a:srgbClr val="C00000"/>
+                        </a:solidFill>
+                        <a:latin typeface="Cambria Math" panose="02040503050406030204" pitchFamily="18" charset="0"/>
+                      </a:rPr>
+                      <m:t>𝜀</m:t>
+                    </m:r>
+                    <m:r>
+                      <a:rPr lang="en-US" sz="3200" i="1">
+                        <a:solidFill>
+                          <a:srgbClr val="C00000"/>
+                        </a:solidFill>
+                        <a:latin typeface="Cambria Math" panose="02040503050406030204" pitchFamily="18" charset="0"/>
+                      </a:rPr>
+                      <m:t>&gt;0 </m:t>
+                    </m:r>
+                  </m:oMath>
+                </a14:m>
+                <a:r>
+                  <a:rPr lang="en-US" sz="3200" dirty="0"/>
+                  <a:t>and </a:t>
+                </a:r>
+                <a14:m>
+                  <m:oMath xmlns:m="http://schemas.openxmlformats.org/officeDocument/2006/math">
+                    <m:r>
+                      <a:rPr lang="en-US" sz="3200" i="1">
+                        <a:solidFill>
+                          <a:srgbClr val="C00000"/>
+                        </a:solidFill>
+                        <a:latin typeface="Cambria Math" panose="02040503050406030204" pitchFamily="18" charset="0"/>
+                      </a:rPr>
+                      <m:t>𝛿</m:t>
+                    </m:r>
+                    <m:r>
+                      <a:rPr lang="en-US" sz="3200" i="1">
+                        <a:solidFill>
+                          <a:srgbClr val="C00000"/>
+                        </a:solidFill>
+                        <a:latin typeface="Cambria Math" panose="02040503050406030204" pitchFamily="18" charset="0"/>
+                      </a:rPr>
+                      <m:t>∈</m:t>
+                    </m:r>
+                    <m:d>
+                      <m:dPr>
+                        <m:ctrlPr>
+                          <a:rPr lang="en-US" sz="3200" i="1">
+                            <a:solidFill>
+                              <a:srgbClr val="C00000"/>
+                            </a:solidFill>
+                            <a:latin typeface="Cambria Math" panose="02040503050406030204" pitchFamily="18" charset="0"/>
+                          </a:rPr>
+                        </m:ctrlPr>
+                      </m:dPr>
+                      <m:e>
+                        <m:r>
+                          <a:rPr lang="en-US" sz="3200" i="1">
+                            <a:solidFill>
+                              <a:srgbClr val="C00000"/>
+                            </a:solidFill>
+                            <a:latin typeface="Cambria Math" panose="02040503050406030204" pitchFamily="18" charset="0"/>
+                          </a:rPr>
+                          <m:t>0,1</m:t>
+                        </m:r>
+                      </m:e>
+                    </m:d>
+                  </m:oMath>
+                </a14:m>
+                <a:r>
+                  <a:rPr lang="en-US" sz="3200" dirty="0"/>
+                  <a:t>, a randomized algorithm </a:t>
+                </a:r>
+                <a14:m>
+                  <m:oMath xmlns:m="http://schemas.openxmlformats.org/officeDocument/2006/math">
+                    <m:r>
+                      <a:rPr lang="en-US" sz="3200" i="1">
+                        <a:solidFill>
+                          <a:srgbClr val="C00000"/>
+                        </a:solidFill>
+                        <a:latin typeface="Cambria Math" panose="02040503050406030204" pitchFamily="18" charset="0"/>
+                      </a:rPr>
+                      <m:t>𝐴</m:t>
+                    </m:r>
+                    <m:r>
+                      <a:rPr lang="en-US" sz="3200" i="1">
+                        <a:solidFill>
+                          <a:srgbClr val="C00000"/>
+                        </a:solidFill>
+                        <a:latin typeface="Cambria Math" panose="02040503050406030204" pitchFamily="18" charset="0"/>
+                      </a:rPr>
+                      <m:t>:</m:t>
+                    </m:r>
+                    <m:sSup>
+                      <m:sSupPr>
+                        <m:ctrlPr>
+                          <a:rPr lang="en-US" sz="3200" i="1">
+                            <a:solidFill>
+                              <a:srgbClr val="C00000"/>
+                            </a:solidFill>
+                            <a:latin typeface="Cambria Math" panose="02040503050406030204" pitchFamily="18" charset="0"/>
+                          </a:rPr>
+                        </m:ctrlPr>
+                      </m:sSupPr>
+                      <m:e>
+                        <m:r>
+                          <a:rPr lang="en-US" sz="3200" i="1">
+                            <a:solidFill>
+                              <a:srgbClr val="C00000"/>
+                            </a:solidFill>
+                            <a:latin typeface="Cambria Math" panose="02040503050406030204" pitchFamily="18" charset="0"/>
+                          </a:rPr>
+                          <m:t>𝑈</m:t>
+                        </m:r>
+                      </m:e>
+                      <m:sup>
+                        <m:r>
+                          <a:rPr lang="en-US" sz="3200" i="1">
+                            <a:solidFill>
+                              <a:srgbClr val="C00000"/>
+                            </a:solidFill>
+                            <a:latin typeface="Cambria Math" panose="02040503050406030204" pitchFamily="18" charset="0"/>
+                          </a:rPr>
+                          <m:t>∗</m:t>
+                        </m:r>
+                      </m:sup>
+                    </m:sSup>
+                    <m:r>
+                      <a:rPr lang="en-US" sz="3200" i="1">
+                        <a:solidFill>
+                          <a:srgbClr val="C00000"/>
+                        </a:solidFill>
+                        <a:latin typeface="Cambria Math" panose="02040503050406030204" pitchFamily="18" charset="0"/>
+                      </a:rPr>
+                      <m:t>→</m:t>
+                    </m:r>
+                    <m:r>
+                      <a:rPr lang="en-US" sz="3200" i="1">
+                        <a:solidFill>
+                          <a:srgbClr val="C00000"/>
+                        </a:solidFill>
+                        <a:latin typeface="Cambria Math" panose="02040503050406030204" pitchFamily="18" charset="0"/>
+                      </a:rPr>
+                      <m:t>𝑌</m:t>
+                    </m:r>
+                  </m:oMath>
+                </a14:m>
+                <a:r>
+                  <a:rPr lang="en-US" sz="3200" dirty="0"/>
+                  <a:t> is </a:t>
+                </a:r>
+                <a14:m>
+                  <m:oMath xmlns:m="http://schemas.openxmlformats.org/officeDocument/2006/math">
+                    <m:r>
+                      <a:rPr lang="en-US" sz="3200" i="1">
+                        <a:solidFill>
+                          <a:srgbClr val="C00000"/>
+                        </a:solidFill>
+                        <a:latin typeface="Cambria Math" panose="02040503050406030204" pitchFamily="18" charset="0"/>
+                      </a:rPr>
+                      <m:t>(</m:t>
+                    </m:r>
+                    <m:r>
+                      <a:rPr lang="en-US" sz="3200" i="1">
+                        <a:solidFill>
+                          <a:srgbClr val="C00000"/>
+                        </a:solidFill>
+                        <a:latin typeface="Cambria Math" panose="02040503050406030204" pitchFamily="18" charset="0"/>
+                      </a:rPr>
+                      <m:t>𝜀</m:t>
+                    </m:r>
+                    <m:r>
+                      <a:rPr lang="en-US" sz="3200" i="1">
+                        <a:solidFill>
+                          <a:srgbClr val="C00000"/>
+                        </a:solidFill>
+                        <a:latin typeface="Cambria Math" panose="02040503050406030204" pitchFamily="18" charset="0"/>
+                      </a:rPr>
+                      <m:t>,</m:t>
+                    </m:r>
+                    <m:r>
+                      <a:rPr lang="en-US" sz="3200" i="1">
+                        <a:solidFill>
+                          <a:srgbClr val="C00000"/>
+                        </a:solidFill>
+                        <a:latin typeface="Cambria Math" panose="02040503050406030204" pitchFamily="18" charset="0"/>
+                      </a:rPr>
+                      <m:t>𝛿</m:t>
+                    </m:r>
+                    <m:r>
+                      <a:rPr lang="en-US" sz="3200" i="1">
+                        <a:solidFill>
+                          <a:srgbClr val="C00000"/>
+                        </a:solidFill>
+                        <a:latin typeface="Cambria Math" panose="02040503050406030204" pitchFamily="18" charset="0"/>
+                      </a:rPr>
+                      <m:t>)</m:t>
+                    </m:r>
+                  </m:oMath>
+                </a14:m>
+                <a:r>
+                  <a:rPr lang="en-US" sz="3200" dirty="0"/>
+                  <a:t>-differentially private if, for every neighboring frequency vectors </a:t>
+                </a:r>
+                <a14:m>
+                  <m:oMath xmlns:m="http://schemas.openxmlformats.org/officeDocument/2006/math">
+                    <m:r>
+                      <a:rPr lang="en-US" sz="3200" i="1">
+                        <a:solidFill>
+                          <a:srgbClr val="C00000"/>
+                        </a:solidFill>
+                        <a:latin typeface="Cambria Math" panose="02040503050406030204" pitchFamily="18" charset="0"/>
+                      </a:rPr>
+                      <m:t>𝑓</m:t>
+                    </m:r>
+                  </m:oMath>
+                </a14:m>
+                <a:r>
+                  <a:rPr lang="en-US" sz="3200" dirty="0"/>
+                  <a:t> and </a:t>
+                </a:r>
+                <a14:m>
+                  <m:oMath xmlns:m="http://schemas.openxmlformats.org/officeDocument/2006/math">
+                    <m:r>
+                      <a:rPr lang="en-US" sz="3200" i="1">
+                        <a:solidFill>
+                          <a:srgbClr val="C00000"/>
+                        </a:solidFill>
+                        <a:latin typeface="Cambria Math" panose="02040503050406030204" pitchFamily="18" charset="0"/>
+                      </a:rPr>
+                      <m:t>𝑓</m:t>
+                    </m:r>
+                    <m:r>
+                      <a:rPr lang="en-US" sz="3200">
+                        <a:solidFill>
+                          <a:srgbClr val="C00000"/>
+                        </a:solidFill>
+                        <a:latin typeface="Cambria Math" panose="02040503050406030204" pitchFamily="18" charset="0"/>
+                      </a:rPr>
+                      <m:t>′</m:t>
+                    </m:r>
+                  </m:oMath>
+                </a14:m>
+                <a:r>
+                  <a:rPr lang="en-US" sz="3200" dirty="0"/>
+                  <a:t> and for all </a:t>
+                </a:r>
+                <a14:m>
+                  <m:oMath xmlns:m="http://schemas.openxmlformats.org/officeDocument/2006/math">
+                    <m:r>
+                      <a:rPr lang="en-US" sz="3200" i="1">
+                        <a:solidFill>
+                          <a:srgbClr val="C00000"/>
+                        </a:solidFill>
+                        <a:latin typeface="Cambria Math" panose="02040503050406030204" pitchFamily="18" charset="0"/>
+                      </a:rPr>
+                      <m:t>𝐸</m:t>
+                    </m:r>
+                    <m:r>
+                      <a:rPr lang="en-US" sz="3200" i="1">
+                        <a:solidFill>
+                          <a:srgbClr val="C00000"/>
+                        </a:solidFill>
+                        <a:latin typeface="Cambria Math" panose="02040503050406030204" pitchFamily="18" charset="0"/>
+                      </a:rPr>
+                      <m:t>⊆</m:t>
+                    </m:r>
+                    <m:r>
+                      <a:rPr lang="en-US" sz="3200" i="1">
+                        <a:solidFill>
+                          <a:srgbClr val="C00000"/>
+                        </a:solidFill>
+                        <a:latin typeface="Cambria Math" panose="02040503050406030204" pitchFamily="18" charset="0"/>
+                      </a:rPr>
+                      <m:t>𝑌</m:t>
+                    </m:r>
+                  </m:oMath>
+                </a14:m>
+                <a:r>
+                  <a:rPr lang="en-US" sz="3200" dirty="0"/>
+                  <a:t>,</a:t>
+                </a:r>
+              </a:p>
+              <a:p>
+                <a:pPr>
+                  <a:buClr>
+                    <a:schemeClr val="tx1"/>
+                  </a:buClr>
+                </a:pPr>
+                <a:endParaRPr lang="en-US" sz="3200" dirty="0"/>
+              </a:p>
+              <a:p>
+                <a:pPr>
+                  <a:buClr>
+                    <a:schemeClr val="tx1"/>
+                  </a:buClr>
+                </a:pPr>
+                <a:endParaRPr lang="en-US" sz="3200" dirty="0"/>
+              </a:p>
+              <a:p>
+                <a:pPr>
+                  <a:buClr>
+                    <a:schemeClr val="tx1"/>
+                  </a:buClr>
+                </a:pPr>
+                <a:r>
+                  <a:rPr lang="en-US" sz="3200" dirty="0"/>
+                  <a:t>For small </a:t>
+                </a:r>
+                <a14:m>
+                  <m:oMath xmlns:m="http://schemas.openxmlformats.org/officeDocument/2006/math">
+                    <m:r>
+                      <a:rPr lang="en-US" sz="3200" i="1">
+                        <a:solidFill>
+                          <a:srgbClr val="C00000"/>
+                        </a:solidFill>
+                        <a:latin typeface="Cambria Math" panose="02040503050406030204" pitchFamily="18" charset="0"/>
+                      </a:rPr>
+                      <m:t>𝜀</m:t>
+                    </m:r>
+                  </m:oMath>
+                </a14:m>
+                <a:r>
+                  <a:rPr lang="en-US" sz="3200" dirty="0"/>
+                  <a:t>, can think of </a:t>
+                </a:r>
+                <a14:m>
+                  <m:oMath xmlns:m="http://schemas.openxmlformats.org/officeDocument/2006/math">
+                    <m:sSup>
+                      <m:sSupPr>
+                        <m:ctrlPr>
+                          <a:rPr lang="en-US" sz="3200" b="0" i="1" smtClean="0">
+                            <a:solidFill>
+                              <a:srgbClr val="C00000"/>
+                            </a:solidFill>
+                            <a:latin typeface="Cambria Math" panose="02040503050406030204" pitchFamily="18" charset="0"/>
+                          </a:rPr>
+                        </m:ctrlPr>
+                      </m:sSupPr>
+                      <m:e>
+                        <m:r>
+                          <a:rPr lang="en-US" sz="3200" b="0" i="1" smtClean="0">
+                            <a:solidFill>
+                              <a:srgbClr val="C00000"/>
+                            </a:solidFill>
+                            <a:latin typeface="Cambria Math" panose="02040503050406030204" pitchFamily="18" charset="0"/>
+                          </a:rPr>
+                          <m:t>𝑒</m:t>
+                        </m:r>
+                      </m:e>
+                      <m:sup>
+                        <m:r>
+                          <a:rPr lang="en-US" sz="3200" b="0" i="1" smtClean="0">
+                            <a:solidFill>
+                              <a:srgbClr val="C00000"/>
+                            </a:solidFill>
+                            <a:latin typeface="Cambria Math" panose="02040503050406030204" pitchFamily="18" charset="0"/>
+                          </a:rPr>
+                          <m:t>𝜀</m:t>
+                        </m:r>
+                      </m:sup>
+                    </m:sSup>
+                  </m:oMath>
+                </a14:m>
+                <a:r>
+                  <a:rPr lang="en-US" sz="3200" dirty="0"/>
+                  <a:t> as </a:t>
+                </a:r>
+                <a14:m>
+                  <m:oMath xmlns:m="http://schemas.openxmlformats.org/officeDocument/2006/math">
+                    <m:r>
+                      <a:rPr lang="en-US" sz="3200" b="0" i="0" smtClean="0">
+                        <a:solidFill>
+                          <a:srgbClr val="C00000"/>
+                        </a:solidFill>
+                        <a:latin typeface="Cambria Math" panose="02040503050406030204" pitchFamily="18" charset="0"/>
+                      </a:rPr>
+                      <m:t>1+</m:t>
+                    </m:r>
+                    <m:r>
+                      <a:rPr lang="en-US" sz="3200" i="1">
+                        <a:solidFill>
+                          <a:srgbClr val="C00000"/>
+                        </a:solidFill>
+                        <a:latin typeface="Cambria Math" panose="02040503050406030204" pitchFamily="18" charset="0"/>
+                      </a:rPr>
+                      <m:t>𝜀</m:t>
+                    </m:r>
+                  </m:oMath>
+                </a14:m>
+                <a:endParaRPr lang="en-US" sz="3200" dirty="0"/>
+              </a:p>
+            </p:txBody>
+          </p:sp>
+        </mc:Choice>
+        <mc:Fallback>
+          <p:sp>
+            <p:nvSpPr>
+              <p:cNvPr id="5" name="Content Placeholder 3">
+                <a:extLst>
+                  <a:ext uri="{FF2B5EF4-FFF2-40B4-BE49-F238E27FC236}">
+                    <a16:creationId xmlns:a16="http://schemas.microsoft.com/office/drawing/2014/main" id="{46EDD9D9-1338-4BC5-9D28-964A84C143C2}"/>
+                  </a:ext>
+                </a:extLst>
+              </p:cNvPr>
+              <p:cNvSpPr>
+                <a:spLocks noGrp="1" noRot="1" noChangeAspect="1" noMove="1" noResize="1" noEditPoints="1" noAdjustHandles="1" noChangeArrowheads="1" noChangeShapeType="1" noTextEdit="1"/>
+              </p:cNvSpPr>
+              <p:nvPr>
+                <p:ph idx="1"/>
+              </p:nvPr>
+            </p:nvSpPr>
+            <p:spPr>
+              <a:xfrm>
+                <a:off x="838200" y="1825624"/>
+                <a:ext cx="10242755" cy="1325563"/>
+              </a:xfrm>
+              <a:blipFill>
+                <a:blip r:embed="rId3"/>
+                <a:stretch>
+                  <a:fillRect l="-1369" t="-9174" b="-182110"/>
+                </a:stretch>
+              </a:blipFill>
+            </p:spPr>
+            <p:txBody>
+              <a:bodyPr/>
+              <a:lstStyle/>
+              <a:p>
+                <a:r>
+                  <a:rPr lang="en-US">
+                    <a:noFill/>
+                  </a:rPr>
+                  <a:t> </a:t>
+                </a:r>
+              </a:p>
+            </p:txBody>
+          </p:sp>
+        </mc:Fallback>
+      </mc:AlternateContent>
+      <mc:AlternateContent xmlns:mc="http://schemas.openxmlformats.org/markup-compatibility/2006">
+        <mc:Choice xmlns:a14="http://schemas.microsoft.com/office/drawing/2010/main" Requires="a14">
+          <p:sp>
+            <p:nvSpPr>
+              <p:cNvPr id="6" name="TextBox 5">
+                <a:extLst>
+                  <a:ext uri="{FF2B5EF4-FFF2-40B4-BE49-F238E27FC236}">
+                    <a16:creationId xmlns:a16="http://schemas.microsoft.com/office/drawing/2014/main" id="{05106110-DC86-2970-71E6-6FD1BE53A9F7}"/>
+                  </a:ext>
+                </a:extLst>
+              </p:cNvPr>
+              <p:cNvSpPr txBox="1"/>
+              <p:nvPr/>
+            </p:nvSpPr>
+            <p:spPr>
+              <a:xfrm>
+                <a:off x="2039470" y="3414426"/>
+                <a:ext cx="8113059" cy="584775"/>
+              </a:xfrm>
+              <a:prstGeom prst="rect">
+                <a:avLst/>
+              </a:prstGeom>
+              <a:noFill/>
+            </p:spPr>
+            <p:txBody>
+              <a:bodyPr wrap="square">
+                <a:spAutoFit/>
+              </a:bodyPr>
+              <a:lstStyle/>
+              <a:p>
+                <a:pPr/>
+                <a14:m>
+                  <m:oMathPara xmlns:m="http://schemas.openxmlformats.org/officeDocument/2006/math">
+                    <m:oMathParaPr>
+                      <m:jc m:val="centerGroup"/>
+                    </m:oMathParaPr>
+                    <m:oMath xmlns:m="http://schemas.openxmlformats.org/officeDocument/2006/math">
+                      <m:r>
+                        <m:rPr>
+                          <m:sty m:val="p"/>
+                        </m:rPr>
+                        <a:rPr lang="en-US" sz="3200" smtClean="0">
+                          <a:solidFill>
+                            <a:srgbClr val="C00000"/>
+                          </a:solidFill>
+                          <a:latin typeface="Cambria Math" panose="02040503050406030204" pitchFamily="18" charset="0"/>
+                        </a:rPr>
+                        <m:t>Pr</m:t>
+                      </m:r>
+                      <m:d>
+                        <m:dPr>
+                          <m:begChr m:val="["/>
+                          <m:endChr m:val="]"/>
+                          <m:ctrlPr>
+                            <a:rPr lang="en-US" sz="3200" i="1">
+                              <a:solidFill>
+                                <a:srgbClr val="C00000"/>
+                              </a:solidFill>
+                              <a:latin typeface="Cambria Math" panose="02040503050406030204" pitchFamily="18" charset="0"/>
+                            </a:rPr>
+                          </m:ctrlPr>
+                        </m:dPr>
+                        <m:e>
+                          <m:r>
+                            <a:rPr lang="en-US" sz="3200" i="1">
+                              <a:solidFill>
+                                <a:srgbClr val="C00000"/>
+                              </a:solidFill>
+                              <a:latin typeface="Cambria Math" panose="02040503050406030204" pitchFamily="18" charset="0"/>
+                            </a:rPr>
+                            <m:t>𝐴</m:t>
+                          </m:r>
+                          <m:d>
+                            <m:dPr>
+                              <m:ctrlPr>
+                                <a:rPr lang="en-US" sz="3200" i="1">
+                                  <a:solidFill>
+                                    <a:srgbClr val="C00000"/>
+                                  </a:solidFill>
+                                  <a:latin typeface="Cambria Math" panose="02040503050406030204" pitchFamily="18" charset="0"/>
+                                </a:rPr>
+                              </m:ctrlPr>
+                            </m:dPr>
+                            <m:e>
+                              <m:r>
+                                <a:rPr lang="en-US" sz="3200" i="1">
+                                  <a:solidFill>
+                                    <a:srgbClr val="C00000"/>
+                                  </a:solidFill>
+                                  <a:latin typeface="Cambria Math" panose="02040503050406030204" pitchFamily="18" charset="0"/>
+                                </a:rPr>
+                                <m:t>𝑓</m:t>
+                              </m:r>
+                            </m:e>
+                          </m:d>
+                          <m:r>
+                            <a:rPr lang="en-US" sz="3200" i="1">
+                              <a:solidFill>
+                                <a:srgbClr val="C00000"/>
+                              </a:solidFill>
+                              <a:latin typeface="Cambria Math" panose="02040503050406030204" pitchFamily="18" charset="0"/>
+                            </a:rPr>
+                            <m:t>∈</m:t>
+                          </m:r>
+                          <m:r>
+                            <a:rPr lang="en-US" sz="3200" i="1">
+                              <a:solidFill>
+                                <a:srgbClr val="C00000"/>
+                              </a:solidFill>
+                              <a:latin typeface="Cambria Math" panose="02040503050406030204" pitchFamily="18" charset="0"/>
+                            </a:rPr>
+                            <m:t>𝐸</m:t>
+                          </m:r>
+                        </m:e>
+                      </m:d>
+                      <m:r>
+                        <a:rPr lang="en-US" sz="3200" i="1">
+                          <a:solidFill>
+                            <a:srgbClr val="C00000"/>
+                          </a:solidFill>
+                          <a:latin typeface="Cambria Math" panose="02040503050406030204" pitchFamily="18" charset="0"/>
+                        </a:rPr>
+                        <m:t>≤</m:t>
+                      </m:r>
+                      <m:sSup>
+                        <m:sSupPr>
+                          <m:ctrlPr>
+                            <a:rPr lang="en-US" sz="3200" i="1">
+                              <a:solidFill>
+                                <a:srgbClr val="C00000"/>
+                              </a:solidFill>
+                              <a:latin typeface="Cambria Math" panose="02040503050406030204" pitchFamily="18" charset="0"/>
+                            </a:rPr>
+                          </m:ctrlPr>
+                        </m:sSupPr>
+                        <m:e>
+                          <m:r>
+                            <a:rPr lang="en-US" sz="3200" i="1">
+                              <a:solidFill>
+                                <a:srgbClr val="C00000"/>
+                              </a:solidFill>
+                              <a:latin typeface="Cambria Math" panose="02040503050406030204" pitchFamily="18" charset="0"/>
+                            </a:rPr>
+                            <m:t>𝑒</m:t>
+                          </m:r>
+                        </m:e>
+                        <m:sup>
+                          <m:r>
+                            <a:rPr lang="en-US" sz="3200" i="1">
+                              <a:solidFill>
+                                <a:srgbClr val="C00000"/>
+                              </a:solidFill>
+                              <a:latin typeface="Cambria Math" panose="02040503050406030204" pitchFamily="18" charset="0"/>
+                            </a:rPr>
+                            <m:t>𝜀</m:t>
+                          </m:r>
+                        </m:sup>
+                      </m:sSup>
+                      <m:r>
+                        <a:rPr lang="en-US" sz="3200" b="0" i="1" smtClean="0">
+                          <a:solidFill>
+                            <a:srgbClr val="C00000"/>
+                          </a:solidFill>
+                          <a:latin typeface="Cambria Math" panose="02040503050406030204" pitchFamily="18" charset="0"/>
+                        </a:rPr>
+                        <m:t>⋅</m:t>
+                      </m:r>
+                      <m:r>
+                        <m:rPr>
+                          <m:sty m:val="p"/>
+                        </m:rPr>
+                        <a:rPr lang="en-US" sz="3200">
+                          <a:solidFill>
+                            <a:srgbClr val="C00000"/>
+                          </a:solidFill>
+                          <a:latin typeface="Cambria Math" panose="02040503050406030204" pitchFamily="18" charset="0"/>
+                        </a:rPr>
+                        <m:t>Pr</m:t>
+                      </m:r>
+                      <m:d>
+                        <m:dPr>
+                          <m:begChr m:val="["/>
+                          <m:endChr m:val="]"/>
+                          <m:ctrlPr>
+                            <a:rPr lang="en-US" sz="3200" i="1">
+                              <a:solidFill>
+                                <a:srgbClr val="C00000"/>
+                              </a:solidFill>
+                              <a:latin typeface="Cambria Math" panose="02040503050406030204" pitchFamily="18" charset="0"/>
+                            </a:rPr>
+                          </m:ctrlPr>
+                        </m:dPr>
+                        <m:e>
+                          <m:r>
+                            <a:rPr lang="en-US" sz="3200" i="1">
+                              <a:solidFill>
+                                <a:srgbClr val="C00000"/>
+                              </a:solidFill>
+                              <a:latin typeface="Cambria Math" panose="02040503050406030204" pitchFamily="18" charset="0"/>
+                            </a:rPr>
+                            <m:t>𝐴</m:t>
+                          </m:r>
+                          <m:d>
+                            <m:dPr>
+                              <m:ctrlPr>
+                                <a:rPr lang="en-US" sz="3200" i="1">
+                                  <a:solidFill>
+                                    <a:srgbClr val="C00000"/>
+                                  </a:solidFill>
+                                  <a:latin typeface="Cambria Math" panose="02040503050406030204" pitchFamily="18" charset="0"/>
+                                </a:rPr>
+                              </m:ctrlPr>
+                            </m:dPr>
+                            <m:e>
+                              <m:sSup>
+                                <m:sSupPr>
+                                  <m:ctrlPr>
+                                    <a:rPr lang="en-US" sz="3200" i="1">
+                                      <a:solidFill>
+                                        <a:srgbClr val="C00000"/>
+                                      </a:solidFill>
+                                      <a:latin typeface="Cambria Math" panose="02040503050406030204" pitchFamily="18" charset="0"/>
+                                    </a:rPr>
+                                  </m:ctrlPr>
+                                </m:sSupPr>
+                                <m:e>
+                                  <m:r>
+                                    <a:rPr lang="en-US" sz="3200" i="1">
+                                      <a:solidFill>
+                                        <a:srgbClr val="C00000"/>
+                                      </a:solidFill>
+                                      <a:latin typeface="Cambria Math" panose="02040503050406030204" pitchFamily="18" charset="0"/>
+                                    </a:rPr>
+                                    <m:t>𝑓</m:t>
+                                  </m:r>
+                                </m:e>
+                                <m:sup>
+                                  <m:r>
+                                    <a:rPr lang="en-US" sz="3200" i="1">
+                                      <a:solidFill>
+                                        <a:srgbClr val="C00000"/>
+                                      </a:solidFill>
+                                      <a:latin typeface="Cambria Math" panose="02040503050406030204" pitchFamily="18" charset="0"/>
+                                    </a:rPr>
+                                    <m:t>′</m:t>
+                                  </m:r>
+                                </m:sup>
+                              </m:sSup>
+                            </m:e>
+                          </m:d>
+                          <m:r>
+                            <a:rPr lang="en-US" sz="3200" i="1">
+                              <a:solidFill>
+                                <a:srgbClr val="C00000"/>
+                              </a:solidFill>
+                              <a:latin typeface="Cambria Math" panose="02040503050406030204" pitchFamily="18" charset="0"/>
+                            </a:rPr>
+                            <m:t>∈</m:t>
+                          </m:r>
+                          <m:r>
+                            <a:rPr lang="en-US" sz="3200" i="1">
+                              <a:solidFill>
+                                <a:srgbClr val="C00000"/>
+                              </a:solidFill>
+                              <a:latin typeface="Cambria Math" panose="02040503050406030204" pitchFamily="18" charset="0"/>
+                            </a:rPr>
+                            <m:t>𝐸</m:t>
+                          </m:r>
+                        </m:e>
+                      </m:d>
+                      <m:r>
+                        <a:rPr lang="en-US" sz="3200" i="1">
+                          <a:solidFill>
+                            <a:srgbClr val="C00000"/>
+                          </a:solidFill>
+                          <a:latin typeface="Cambria Math" panose="02040503050406030204" pitchFamily="18" charset="0"/>
+                        </a:rPr>
+                        <m:t>+</m:t>
+                      </m:r>
+                      <m:r>
+                        <a:rPr lang="en-US" sz="3200" i="1">
+                          <a:solidFill>
+                            <a:srgbClr val="C00000"/>
+                          </a:solidFill>
+                          <a:latin typeface="Cambria Math" panose="02040503050406030204" pitchFamily="18" charset="0"/>
+                        </a:rPr>
+                        <m:t>𝛿</m:t>
+                      </m:r>
+                    </m:oMath>
+                  </m:oMathPara>
+                </a14:m>
+                <a:endParaRPr lang="en-US" sz="3200" i="1" dirty="0"/>
+              </a:p>
+            </p:txBody>
+          </p:sp>
+        </mc:Choice>
+        <mc:Fallback>
+          <p:sp>
+            <p:nvSpPr>
+              <p:cNvPr id="6" name="TextBox 5">
+                <a:extLst>
+                  <a:ext uri="{FF2B5EF4-FFF2-40B4-BE49-F238E27FC236}">
+                    <a16:creationId xmlns:a16="http://schemas.microsoft.com/office/drawing/2014/main" id="{05106110-DC86-2970-71E6-6FD1BE53A9F7}"/>
+                  </a:ext>
+                </a:extLst>
+              </p:cNvPr>
+              <p:cNvSpPr txBox="1">
+                <a:spLocks noRot="1" noChangeAspect="1" noMove="1" noResize="1" noEditPoints="1" noAdjustHandles="1" noChangeArrowheads="1" noChangeShapeType="1" noTextEdit="1"/>
+              </p:cNvSpPr>
+              <p:nvPr/>
+            </p:nvSpPr>
+            <p:spPr>
+              <a:xfrm>
+                <a:off x="2039470" y="3414426"/>
+                <a:ext cx="8113059" cy="584775"/>
+              </a:xfrm>
+              <a:prstGeom prst="rect">
+                <a:avLst/>
+              </a:prstGeom>
+              <a:blipFill>
+                <a:blip r:embed="rId4"/>
+                <a:stretch>
+                  <a:fillRect/>
+                </a:stretch>
+              </a:blipFill>
+            </p:spPr>
+            <p:txBody>
+              <a:bodyPr/>
+              <a:lstStyle/>
+              <a:p>
+                <a:r>
+                  <a:rPr lang="en-US">
+                    <a:noFill/>
+                  </a:rPr>
+                  <a:t> </a:t>
+                </a:r>
+              </a:p>
+            </p:txBody>
+          </p:sp>
+        </mc:Fallback>
+      </mc:AlternateContent>
+      <mc:AlternateContent xmlns:mc="http://schemas.openxmlformats.org/markup-compatibility/2006">
+        <mc:Choice xmlns:a14="http://schemas.microsoft.com/office/drawing/2010/main" Requires="a14">
+          <p:sp>
+            <p:nvSpPr>
+              <p:cNvPr id="12" name="TextBox 11">
+                <a:extLst>
+                  <a:ext uri="{FF2B5EF4-FFF2-40B4-BE49-F238E27FC236}">
+                    <a16:creationId xmlns:a16="http://schemas.microsoft.com/office/drawing/2014/main" id="{C57BCC7F-7CA7-1C6E-9832-274AD8E37BEC}"/>
+                  </a:ext>
+                </a:extLst>
+              </p:cNvPr>
+              <p:cNvSpPr txBox="1"/>
+              <p:nvPr/>
+            </p:nvSpPr>
+            <p:spPr>
+              <a:xfrm>
+                <a:off x="2039470" y="5619802"/>
+                <a:ext cx="8113059" cy="584775"/>
+              </a:xfrm>
+              <a:prstGeom prst="rect">
+                <a:avLst/>
+              </a:prstGeom>
+              <a:noFill/>
+            </p:spPr>
+            <p:txBody>
+              <a:bodyPr wrap="square">
+                <a:spAutoFit/>
+              </a:bodyPr>
+              <a:lstStyle/>
+              <a:p>
+                <a:pPr/>
+                <a14:m>
+                  <m:oMathPara xmlns:m="http://schemas.openxmlformats.org/officeDocument/2006/math">
+                    <m:oMathParaPr>
+                      <m:jc m:val="centerGroup"/>
+                    </m:oMathParaPr>
+                    <m:oMath xmlns:m="http://schemas.openxmlformats.org/officeDocument/2006/math">
+                      <m:r>
+                        <m:rPr>
+                          <m:sty m:val="p"/>
+                        </m:rPr>
+                        <a:rPr lang="en-US" sz="3200" smtClean="0">
+                          <a:solidFill>
+                            <a:srgbClr val="C00000"/>
+                          </a:solidFill>
+                          <a:latin typeface="Cambria Math" panose="02040503050406030204" pitchFamily="18" charset="0"/>
+                        </a:rPr>
+                        <m:t>Pr</m:t>
+                      </m:r>
+                      <m:d>
+                        <m:dPr>
+                          <m:begChr m:val="["/>
+                          <m:endChr m:val="]"/>
+                          <m:ctrlPr>
+                            <a:rPr lang="en-US" sz="3200" i="1">
+                              <a:solidFill>
+                                <a:srgbClr val="C00000"/>
+                              </a:solidFill>
+                              <a:latin typeface="Cambria Math" panose="02040503050406030204" pitchFamily="18" charset="0"/>
+                            </a:rPr>
+                          </m:ctrlPr>
+                        </m:dPr>
+                        <m:e>
+                          <m:r>
+                            <a:rPr lang="en-US" sz="3200" i="1">
+                              <a:solidFill>
+                                <a:srgbClr val="C00000"/>
+                              </a:solidFill>
+                              <a:latin typeface="Cambria Math" panose="02040503050406030204" pitchFamily="18" charset="0"/>
+                            </a:rPr>
+                            <m:t>𝐴</m:t>
+                          </m:r>
+                          <m:d>
+                            <m:dPr>
+                              <m:ctrlPr>
+                                <a:rPr lang="en-US" sz="3200" i="1">
+                                  <a:solidFill>
+                                    <a:srgbClr val="C00000"/>
+                                  </a:solidFill>
+                                  <a:latin typeface="Cambria Math" panose="02040503050406030204" pitchFamily="18" charset="0"/>
+                                </a:rPr>
+                              </m:ctrlPr>
+                            </m:dPr>
+                            <m:e>
+                              <m:r>
+                                <a:rPr lang="en-US" sz="3200" i="1">
+                                  <a:solidFill>
+                                    <a:srgbClr val="C00000"/>
+                                  </a:solidFill>
+                                  <a:latin typeface="Cambria Math" panose="02040503050406030204" pitchFamily="18" charset="0"/>
+                                </a:rPr>
+                                <m:t>𝑓</m:t>
+                              </m:r>
+                            </m:e>
+                          </m:d>
+                          <m:r>
+                            <a:rPr lang="en-US" sz="3200" i="1">
+                              <a:solidFill>
+                                <a:srgbClr val="C00000"/>
+                              </a:solidFill>
+                              <a:latin typeface="Cambria Math" panose="02040503050406030204" pitchFamily="18" charset="0"/>
+                            </a:rPr>
+                            <m:t>∈</m:t>
+                          </m:r>
+                          <m:r>
+                            <a:rPr lang="en-US" sz="3200" i="1">
+                              <a:solidFill>
+                                <a:srgbClr val="C00000"/>
+                              </a:solidFill>
+                              <a:latin typeface="Cambria Math" panose="02040503050406030204" pitchFamily="18" charset="0"/>
+                            </a:rPr>
+                            <m:t>𝐸</m:t>
+                          </m:r>
+                        </m:e>
+                      </m:d>
+                      <m:r>
+                        <a:rPr lang="en-US" sz="3200" i="1">
+                          <a:solidFill>
+                            <a:srgbClr val="C00000"/>
+                          </a:solidFill>
+                          <a:latin typeface="Cambria Math" panose="02040503050406030204" pitchFamily="18" charset="0"/>
+                        </a:rPr>
+                        <m:t>≤</m:t>
+                      </m:r>
+                      <m:d>
+                        <m:dPr>
+                          <m:ctrlPr>
+                            <a:rPr lang="en-US" sz="3200" b="0" i="1" smtClean="0">
+                              <a:solidFill>
+                                <a:srgbClr val="C00000"/>
+                              </a:solidFill>
+                              <a:latin typeface="Cambria Math" panose="02040503050406030204" pitchFamily="18" charset="0"/>
+                            </a:rPr>
+                          </m:ctrlPr>
+                        </m:dPr>
+                        <m:e>
+                          <m:r>
+                            <a:rPr lang="en-US" sz="3200" b="0" i="1" smtClean="0">
+                              <a:solidFill>
+                                <a:srgbClr val="C00000"/>
+                              </a:solidFill>
+                              <a:latin typeface="Cambria Math" panose="02040503050406030204" pitchFamily="18" charset="0"/>
+                            </a:rPr>
+                            <m:t>1+</m:t>
+                          </m:r>
+                          <m:r>
+                            <a:rPr lang="en-US" sz="3200" b="0" i="1" smtClean="0">
+                              <a:solidFill>
+                                <a:srgbClr val="C00000"/>
+                              </a:solidFill>
+                              <a:latin typeface="Cambria Math" panose="02040503050406030204" pitchFamily="18" charset="0"/>
+                            </a:rPr>
+                            <m:t>𝜀</m:t>
+                          </m:r>
+                        </m:e>
+                      </m:d>
+                      <m:r>
+                        <a:rPr lang="en-US" sz="3200" b="0" i="1" smtClean="0">
+                          <a:solidFill>
+                            <a:srgbClr val="C00000"/>
+                          </a:solidFill>
+                          <a:latin typeface="Cambria Math" panose="02040503050406030204" pitchFamily="18" charset="0"/>
+                        </a:rPr>
+                        <m:t>⋅</m:t>
+                      </m:r>
+                      <m:r>
+                        <m:rPr>
+                          <m:sty m:val="p"/>
+                        </m:rPr>
+                        <a:rPr lang="en-US" sz="3200">
+                          <a:solidFill>
+                            <a:srgbClr val="C00000"/>
+                          </a:solidFill>
+                          <a:latin typeface="Cambria Math" panose="02040503050406030204" pitchFamily="18" charset="0"/>
+                        </a:rPr>
+                        <m:t>Pr</m:t>
+                      </m:r>
+                      <m:d>
+                        <m:dPr>
+                          <m:begChr m:val="["/>
+                          <m:endChr m:val="]"/>
+                          <m:ctrlPr>
+                            <a:rPr lang="en-US" sz="3200" i="1">
+                              <a:solidFill>
+                                <a:srgbClr val="C00000"/>
+                              </a:solidFill>
+                              <a:latin typeface="Cambria Math" panose="02040503050406030204" pitchFamily="18" charset="0"/>
+                            </a:rPr>
+                          </m:ctrlPr>
+                        </m:dPr>
+                        <m:e>
+                          <m:r>
+                            <a:rPr lang="en-US" sz="3200" i="1">
+                              <a:solidFill>
+                                <a:srgbClr val="C00000"/>
+                              </a:solidFill>
+                              <a:latin typeface="Cambria Math" panose="02040503050406030204" pitchFamily="18" charset="0"/>
+                            </a:rPr>
+                            <m:t>𝐴</m:t>
+                          </m:r>
+                          <m:d>
+                            <m:dPr>
+                              <m:ctrlPr>
+                                <a:rPr lang="en-US" sz="3200" i="1">
+                                  <a:solidFill>
+                                    <a:srgbClr val="C00000"/>
+                                  </a:solidFill>
+                                  <a:latin typeface="Cambria Math" panose="02040503050406030204" pitchFamily="18" charset="0"/>
+                                </a:rPr>
+                              </m:ctrlPr>
+                            </m:dPr>
+                            <m:e>
+                              <m:sSup>
+                                <m:sSupPr>
+                                  <m:ctrlPr>
+                                    <a:rPr lang="en-US" sz="3200" i="1">
+                                      <a:solidFill>
+                                        <a:srgbClr val="C00000"/>
+                                      </a:solidFill>
+                                      <a:latin typeface="Cambria Math" panose="02040503050406030204" pitchFamily="18" charset="0"/>
+                                    </a:rPr>
+                                  </m:ctrlPr>
+                                </m:sSupPr>
+                                <m:e>
+                                  <m:r>
+                                    <a:rPr lang="en-US" sz="3200" i="1">
+                                      <a:solidFill>
+                                        <a:srgbClr val="C00000"/>
+                                      </a:solidFill>
+                                      <a:latin typeface="Cambria Math" panose="02040503050406030204" pitchFamily="18" charset="0"/>
+                                    </a:rPr>
+                                    <m:t>𝑓</m:t>
+                                  </m:r>
+                                </m:e>
+                                <m:sup>
+                                  <m:r>
+                                    <a:rPr lang="en-US" sz="3200" i="1">
+                                      <a:solidFill>
+                                        <a:srgbClr val="C00000"/>
+                                      </a:solidFill>
+                                      <a:latin typeface="Cambria Math" panose="02040503050406030204" pitchFamily="18" charset="0"/>
+                                    </a:rPr>
+                                    <m:t>′</m:t>
+                                  </m:r>
+                                </m:sup>
+                              </m:sSup>
+                            </m:e>
+                          </m:d>
+                          <m:r>
+                            <a:rPr lang="en-US" sz="3200" i="1">
+                              <a:solidFill>
+                                <a:srgbClr val="C00000"/>
+                              </a:solidFill>
+                              <a:latin typeface="Cambria Math" panose="02040503050406030204" pitchFamily="18" charset="0"/>
+                            </a:rPr>
+                            <m:t>∈</m:t>
+                          </m:r>
+                          <m:r>
+                            <a:rPr lang="en-US" sz="3200" i="1">
+                              <a:solidFill>
+                                <a:srgbClr val="C00000"/>
+                              </a:solidFill>
+                              <a:latin typeface="Cambria Math" panose="02040503050406030204" pitchFamily="18" charset="0"/>
+                            </a:rPr>
+                            <m:t>𝐸</m:t>
+                          </m:r>
+                        </m:e>
+                      </m:d>
+                      <m:r>
+                        <a:rPr lang="en-US" sz="3200" i="1">
+                          <a:solidFill>
+                            <a:srgbClr val="C00000"/>
+                          </a:solidFill>
+                          <a:latin typeface="Cambria Math" panose="02040503050406030204" pitchFamily="18" charset="0"/>
+                        </a:rPr>
+                        <m:t>+</m:t>
+                      </m:r>
+                      <m:r>
+                        <a:rPr lang="en-US" sz="3200" i="1">
+                          <a:solidFill>
+                            <a:srgbClr val="C00000"/>
+                          </a:solidFill>
+                          <a:latin typeface="Cambria Math" panose="02040503050406030204" pitchFamily="18" charset="0"/>
+                        </a:rPr>
+                        <m:t>𝛿</m:t>
+                      </m:r>
+                    </m:oMath>
+                  </m:oMathPara>
+                </a14:m>
+                <a:endParaRPr lang="en-US" sz="3200" i="1" dirty="0"/>
+              </a:p>
+            </p:txBody>
+          </p:sp>
+        </mc:Choice>
+        <mc:Fallback>
+          <p:sp>
+            <p:nvSpPr>
+              <p:cNvPr id="12" name="TextBox 11">
+                <a:extLst>
+                  <a:ext uri="{FF2B5EF4-FFF2-40B4-BE49-F238E27FC236}">
+                    <a16:creationId xmlns:a16="http://schemas.microsoft.com/office/drawing/2014/main" id="{C57BCC7F-7CA7-1C6E-9832-274AD8E37BEC}"/>
+                  </a:ext>
+                </a:extLst>
+              </p:cNvPr>
+              <p:cNvSpPr txBox="1">
+                <a:spLocks noRot="1" noChangeAspect="1" noMove="1" noResize="1" noEditPoints="1" noAdjustHandles="1" noChangeArrowheads="1" noChangeShapeType="1" noTextEdit="1"/>
+              </p:cNvSpPr>
+              <p:nvPr/>
+            </p:nvSpPr>
+            <p:spPr>
+              <a:xfrm>
+                <a:off x="2039470" y="5619802"/>
+                <a:ext cx="8113059" cy="584775"/>
+              </a:xfrm>
+              <a:prstGeom prst="rect">
+                <a:avLst/>
+              </a:prstGeom>
+              <a:blipFill>
+                <a:blip r:embed="rId5"/>
+                <a:stretch>
+                  <a:fillRect/>
+                </a:stretch>
+              </a:blipFill>
+            </p:spPr>
+            <p:txBody>
+              <a:bodyPr/>
+              <a:lstStyle/>
+              <a:p>
+                <a:r>
+                  <a:rPr lang="en-US">
+                    <a:noFill/>
+                  </a:rPr>
+                  <a:t> </a:t>
+                </a:r>
+              </a:p>
+            </p:txBody>
+          </p:sp>
+        </mc:Fallback>
+      </mc:AlternateContent>
+    </p:spTree>
+    <p:extLst>
+      <p:ext uri="{BB962C8B-B14F-4D97-AF65-F5344CB8AC3E}">
+        <p14:creationId xmlns:p14="http://schemas.microsoft.com/office/powerpoint/2010/main" val="1333124316"/>
+      </p:ext>
+    </p:extLst>
+  </p:cSld>
+  <p:clrMapOvr>
+    <a:masterClrMapping/>
+  </p:clrMapOvr>
+</p:sld>
+</file>
+
+<file path=ppt/slides/slide25.xml><?xml version="1.0" encoding="utf-8"?>
+<p:sld xmlns:a="http://schemas.openxmlformats.org/drawingml/2006/main" xmlns:r="http://schemas.openxmlformats.org/officeDocument/2006/relationships" xmlns:p="http://schemas.openxmlformats.org/presentationml/2006/main">
+  <p:cSld>
+    <p:spTree>
+      <p:nvGrpSpPr>
+        <p:cNvPr id="1" name=""/>
+        <p:cNvGrpSpPr/>
+        <p:nvPr/>
+      </p:nvGrpSpPr>
+      <p:grpSpPr>
+        <a:xfrm>
+          <a:off x="0" y="0"/>
+          <a:ext cx="0" cy="0"/>
+          <a:chOff x="0" y="0"/>
+          <a:chExt cx="0" cy="0"/>
+        </a:xfrm>
+      </p:grpSpPr>
+      <p:sp>
+        <p:nvSpPr>
+          <p:cNvPr id="2" name="Title 1">
+            <a:extLst>
+              <a:ext uri="{FF2B5EF4-FFF2-40B4-BE49-F238E27FC236}">
+                <a16:creationId xmlns:a16="http://schemas.microsoft.com/office/drawing/2014/main" id="{B17419AC-DCE6-4371-8DE2-D617E99D653D}"/>
+              </a:ext>
+            </a:extLst>
+          </p:cNvPr>
+          <p:cNvSpPr>
+            <a:spLocks noGrp="1"/>
+          </p:cNvSpPr>
+          <p:nvPr>
+            <p:ph type="title"/>
+          </p:nvPr>
+        </p:nvSpPr>
+        <p:spPr/>
+        <p:txBody>
+          <a:bodyPr/>
+          <a:lstStyle/>
+          <a:p>
+            <a:r>
+              <a:rPr lang="en-US" dirty="0">
+                <a:solidFill>
+                  <a:srgbClr val="C00000"/>
+                </a:solidFill>
+              </a:rPr>
+              <a:t>Differential Privacy</a:t>
+            </a:r>
+          </a:p>
+        </p:txBody>
+      </p:sp>
+      <mc:AlternateContent xmlns:mc="http://schemas.openxmlformats.org/markup-compatibility/2006">
+        <mc:Choice xmlns:a14="http://schemas.microsoft.com/office/drawing/2010/main" Requires="a14">
+          <p:sp>
+            <p:nvSpPr>
+              <p:cNvPr id="5" name="Content Placeholder 3">
+                <a:extLst>
+                  <a:ext uri="{FF2B5EF4-FFF2-40B4-BE49-F238E27FC236}">
+                    <a16:creationId xmlns:a16="http://schemas.microsoft.com/office/drawing/2014/main" id="{46EDD9D9-1338-4BC5-9D28-964A84C143C2}"/>
+                  </a:ext>
+                </a:extLst>
+              </p:cNvPr>
+              <p:cNvSpPr>
+                <a:spLocks noGrp="1"/>
+              </p:cNvSpPr>
+              <p:nvPr>
+                <p:ph idx="1"/>
+              </p:nvPr>
+            </p:nvSpPr>
+            <p:spPr>
+              <a:xfrm>
+                <a:off x="838200" y="1825624"/>
+                <a:ext cx="10242755" cy="1325563"/>
+              </a:xfrm>
+            </p:spPr>
+            <p:txBody>
+              <a:bodyPr>
+                <a:noAutofit/>
+              </a:bodyPr>
+              <a:lstStyle/>
+              <a:p>
+                <a:pPr>
+                  <a:buClr>
+                    <a:schemeClr val="tx1"/>
+                  </a:buClr>
+                </a:pPr>
+                <a:r>
+                  <a:rPr lang="en-US" sz="3200" dirty="0">
+                    <a:solidFill>
+                      <a:srgbClr val="7030A0"/>
+                    </a:solidFill>
+                  </a:rPr>
+                  <a:t>[DMNS06]</a:t>
+                </a:r>
+                <a:r>
+                  <a:rPr lang="en-US" sz="3200" dirty="0"/>
+                  <a:t> Given </a:t>
+                </a:r>
+                <a14:m>
+                  <m:oMath xmlns:m="http://schemas.openxmlformats.org/officeDocument/2006/math">
+                    <m:r>
+                      <a:rPr lang="en-US" sz="3200" i="1">
+                        <a:solidFill>
+                          <a:srgbClr val="C00000"/>
+                        </a:solidFill>
+                        <a:latin typeface="Cambria Math" panose="02040503050406030204" pitchFamily="18" charset="0"/>
+                      </a:rPr>
+                      <m:t>𝜀</m:t>
+                    </m:r>
+                    <m:r>
+                      <a:rPr lang="en-US" sz="3200" i="1">
+                        <a:solidFill>
+                          <a:srgbClr val="C00000"/>
+                        </a:solidFill>
+                        <a:latin typeface="Cambria Math" panose="02040503050406030204" pitchFamily="18" charset="0"/>
+                      </a:rPr>
+                      <m:t>&gt;0 </m:t>
+                    </m:r>
+                  </m:oMath>
+                </a14:m>
+                <a:r>
+                  <a:rPr lang="en-US" sz="3200" dirty="0"/>
+                  <a:t>and </a:t>
+                </a:r>
+                <a14:m>
+                  <m:oMath xmlns:m="http://schemas.openxmlformats.org/officeDocument/2006/math">
+                    <m:r>
+                      <a:rPr lang="en-US" sz="3200" i="1">
+                        <a:solidFill>
+                          <a:srgbClr val="C00000"/>
+                        </a:solidFill>
+                        <a:latin typeface="Cambria Math" panose="02040503050406030204" pitchFamily="18" charset="0"/>
+                      </a:rPr>
+                      <m:t>𝛿</m:t>
+                    </m:r>
+                    <m:r>
+                      <a:rPr lang="en-US" sz="3200" i="1">
+                        <a:solidFill>
+                          <a:srgbClr val="C00000"/>
+                        </a:solidFill>
+                        <a:latin typeface="Cambria Math" panose="02040503050406030204" pitchFamily="18" charset="0"/>
+                      </a:rPr>
+                      <m:t>∈</m:t>
+                    </m:r>
+                    <m:d>
+                      <m:dPr>
+                        <m:ctrlPr>
+                          <a:rPr lang="en-US" sz="3200" i="1">
+                            <a:solidFill>
+                              <a:srgbClr val="C00000"/>
+                            </a:solidFill>
+                            <a:latin typeface="Cambria Math" panose="02040503050406030204" pitchFamily="18" charset="0"/>
+                          </a:rPr>
+                        </m:ctrlPr>
+                      </m:dPr>
+                      <m:e>
+                        <m:r>
+                          <a:rPr lang="en-US" sz="3200" i="1">
+                            <a:solidFill>
+                              <a:srgbClr val="C00000"/>
+                            </a:solidFill>
+                            <a:latin typeface="Cambria Math" panose="02040503050406030204" pitchFamily="18" charset="0"/>
+                          </a:rPr>
+                          <m:t>0,1</m:t>
+                        </m:r>
+                      </m:e>
+                    </m:d>
+                  </m:oMath>
+                </a14:m>
+                <a:r>
+                  <a:rPr lang="en-US" sz="3200" dirty="0"/>
+                  <a:t>, a randomized algorithm </a:t>
+                </a:r>
+                <a14:m>
+                  <m:oMath xmlns:m="http://schemas.openxmlformats.org/officeDocument/2006/math">
+                    <m:r>
+                      <a:rPr lang="en-US" sz="3200" i="1">
+                        <a:solidFill>
+                          <a:srgbClr val="C00000"/>
+                        </a:solidFill>
+                        <a:latin typeface="Cambria Math" panose="02040503050406030204" pitchFamily="18" charset="0"/>
+                      </a:rPr>
+                      <m:t>𝐴</m:t>
+                    </m:r>
+                    <m:r>
+                      <a:rPr lang="en-US" sz="3200" i="1">
+                        <a:solidFill>
+                          <a:srgbClr val="C00000"/>
+                        </a:solidFill>
+                        <a:latin typeface="Cambria Math" panose="02040503050406030204" pitchFamily="18" charset="0"/>
+                      </a:rPr>
+                      <m:t>:</m:t>
+                    </m:r>
+                    <m:sSup>
+                      <m:sSupPr>
+                        <m:ctrlPr>
+                          <a:rPr lang="en-US" sz="3200" i="1">
+                            <a:solidFill>
+                              <a:srgbClr val="C00000"/>
+                            </a:solidFill>
+                            <a:latin typeface="Cambria Math" panose="02040503050406030204" pitchFamily="18" charset="0"/>
+                          </a:rPr>
+                        </m:ctrlPr>
+                      </m:sSupPr>
+                      <m:e>
+                        <m:r>
+                          <a:rPr lang="en-US" sz="3200" i="1">
+                            <a:solidFill>
+                              <a:srgbClr val="C00000"/>
+                            </a:solidFill>
+                            <a:latin typeface="Cambria Math" panose="02040503050406030204" pitchFamily="18" charset="0"/>
+                          </a:rPr>
+                          <m:t>𝑈</m:t>
+                        </m:r>
+                      </m:e>
+                      <m:sup>
+                        <m:r>
+                          <a:rPr lang="en-US" sz="3200" i="1">
+                            <a:solidFill>
+                              <a:srgbClr val="C00000"/>
+                            </a:solidFill>
+                            <a:latin typeface="Cambria Math" panose="02040503050406030204" pitchFamily="18" charset="0"/>
+                          </a:rPr>
+                          <m:t>∗</m:t>
+                        </m:r>
+                      </m:sup>
+                    </m:sSup>
+                    <m:r>
+                      <a:rPr lang="en-US" sz="3200" i="1">
+                        <a:solidFill>
+                          <a:srgbClr val="C00000"/>
+                        </a:solidFill>
+                        <a:latin typeface="Cambria Math" panose="02040503050406030204" pitchFamily="18" charset="0"/>
+                      </a:rPr>
+                      <m:t>→</m:t>
+                    </m:r>
+                    <m:r>
+                      <a:rPr lang="en-US" sz="3200" i="1">
+                        <a:solidFill>
+                          <a:srgbClr val="C00000"/>
+                        </a:solidFill>
+                        <a:latin typeface="Cambria Math" panose="02040503050406030204" pitchFamily="18" charset="0"/>
+                      </a:rPr>
+                      <m:t>𝑌</m:t>
+                    </m:r>
+                  </m:oMath>
+                </a14:m>
+                <a:r>
+                  <a:rPr lang="en-US" sz="3200" dirty="0"/>
+                  <a:t> is </a:t>
+                </a:r>
+                <a14:m>
+                  <m:oMath xmlns:m="http://schemas.openxmlformats.org/officeDocument/2006/math">
+                    <m:r>
+                      <a:rPr lang="en-US" sz="3200" i="1">
+                        <a:solidFill>
+                          <a:srgbClr val="C00000"/>
+                        </a:solidFill>
+                        <a:latin typeface="Cambria Math" panose="02040503050406030204" pitchFamily="18" charset="0"/>
+                      </a:rPr>
+                      <m:t>(</m:t>
+                    </m:r>
+                    <m:r>
+                      <a:rPr lang="en-US" sz="3200" i="1">
+                        <a:solidFill>
+                          <a:srgbClr val="C00000"/>
+                        </a:solidFill>
+                        <a:latin typeface="Cambria Math" panose="02040503050406030204" pitchFamily="18" charset="0"/>
+                      </a:rPr>
+                      <m:t>𝜀</m:t>
+                    </m:r>
+                    <m:r>
+                      <a:rPr lang="en-US" sz="3200" i="1">
+                        <a:solidFill>
+                          <a:srgbClr val="C00000"/>
+                        </a:solidFill>
+                        <a:latin typeface="Cambria Math" panose="02040503050406030204" pitchFamily="18" charset="0"/>
+                      </a:rPr>
+                      <m:t>,</m:t>
+                    </m:r>
+                    <m:r>
+                      <a:rPr lang="en-US" sz="3200" i="1">
+                        <a:solidFill>
+                          <a:srgbClr val="C00000"/>
+                        </a:solidFill>
+                        <a:latin typeface="Cambria Math" panose="02040503050406030204" pitchFamily="18" charset="0"/>
+                      </a:rPr>
+                      <m:t>𝛿</m:t>
+                    </m:r>
+                    <m:r>
+                      <a:rPr lang="en-US" sz="3200" i="1">
+                        <a:solidFill>
+                          <a:srgbClr val="C00000"/>
+                        </a:solidFill>
+                        <a:latin typeface="Cambria Math" panose="02040503050406030204" pitchFamily="18" charset="0"/>
+                      </a:rPr>
+                      <m:t>)</m:t>
+                    </m:r>
+                  </m:oMath>
+                </a14:m>
+                <a:r>
+                  <a:rPr lang="en-US" sz="3200" dirty="0"/>
+                  <a:t>-differentially private if, for every neighboring frequency vectors </a:t>
+                </a:r>
+                <a14:m>
+                  <m:oMath xmlns:m="http://schemas.openxmlformats.org/officeDocument/2006/math">
+                    <m:r>
+                      <a:rPr lang="en-US" sz="3200" i="1">
+                        <a:solidFill>
+                          <a:srgbClr val="C00000"/>
+                        </a:solidFill>
+                        <a:latin typeface="Cambria Math" panose="02040503050406030204" pitchFamily="18" charset="0"/>
+                      </a:rPr>
+                      <m:t>𝑓</m:t>
+                    </m:r>
+                  </m:oMath>
+                </a14:m>
+                <a:r>
+                  <a:rPr lang="en-US" sz="3200" dirty="0"/>
+                  <a:t> and </a:t>
+                </a:r>
+                <a14:m>
+                  <m:oMath xmlns:m="http://schemas.openxmlformats.org/officeDocument/2006/math">
+                    <m:r>
+                      <a:rPr lang="en-US" sz="3200" i="1">
+                        <a:solidFill>
+                          <a:srgbClr val="C00000"/>
+                        </a:solidFill>
+                        <a:latin typeface="Cambria Math" panose="02040503050406030204" pitchFamily="18" charset="0"/>
+                      </a:rPr>
+                      <m:t>𝑓</m:t>
+                    </m:r>
+                    <m:r>
+                      <a:rPr lang="en-US" sz="3200">
+                        <a:solidFill>
+                          <a:srgbClr val="C00000"/>
+                        </a:solidFill>
+                        <a:latin typeface="Cambria Math" panose="02040503050406030204" pitchFamily="18" charset="0"/>
+                      </a:rPr>
+                      <m:t>′</m:t>
+                    </m:r>
+                  </m:oMath>
+                </a14:m>
+                <a:r>
+                  <a:rPr lang="en-US" sz="3200" dirty="0"/>
+                  <a:t> and for all </a:t>
+                </a:r>
+                <a14:m>
+                  <m:oMath xmlns:m="http://schemas.openxmlformats.org/officeDocument/2006/math">
+                    <m:r>
+                      <a:rPr lang="en-US" sz="3200" i="1">
+                        <a:solidFill>
+                          <a:srgbClr val="C00000"/>
+                        </a:solidFill>
+                        <a:latin typeface="Cambria Math" panose="02040503050406030204" pitchFamily="18" charset="0"/>
+                      </a:rPr>
+                      <m:t>𝐸</m:t>
+                    </m:r>
+                    <m:r>
+                      <a:rPr lang="en-US" sz="3200" i="1">
+                        <a:solidFill>
+                          <a:srgbClr val="C00000"/>
+                        </a:solidFill>
+                        <a:latin typeface="Cambria Math" panose="02040503050406030204" pitchFamily="18" charset="0"/>
+                      </a:rPr>
+                      <m:t>⊆</m:t>
+                    </m:r>
+                    <m:r>
+                      <a:rPr lang="en-US" sz="3200" i="1">
+                        <a:solidFill>
+                          <a:srgbClr val="C00000"/>
+                        </a:solidFill>
+                        <a:latin typeface="Cambria Math" panose="02040503050406030204" pitchFamily="18" charset="0"/>
+                      </a:rPr>
+                      <m:t>𝑌</m:t>
+                    </m:r>
+                  </m:oMath>
+                </a14:m>
+                <a:r>
+                  <a:rPr lang="en-US" sz="3200" dirty="0"/>
+                  <a:t>,</a:t>
+                </a:r>
+              </a:p>
+              <a:p>
+                <a:pPr marL="0" indent="0">
+                  <a:buClr>
+                    <a:schemeClr val="tx1"/>
+                  </a:buClr>
+                  <a:buNone/>
+                </a:pPr>
+                <a:endParaRPr lang="en-US" sz="3200" dirty="0"/>
+              </a:p>
+              <a:p>
+                <a:pPr>
+                  <a:buClr>
+                    <a:schemeClr val="tx1"/>
+                  </a:buClr>
+                </a:pPr>
+                <a14:m>
+                  <m:oMath xmlns:m="http://schemas.openxmlformats.org/officeDocument/2006/math">
+                    <m:r>
+                      <a:rPr lang="en-US" sz="3200" i="1">
+                        <a:solidFill>
+                          <a:srgbClr val="C00000"/>
+                        </a:solidFill>
+                        <a:latin typeface="Cambria Math" panose="02040503050406030204" pitchFamily="18" charset="0"/>
+                      </a:rPr>
+                      <m:t>𝛿</m:t>
+                    </m:r>
+                  </m:oMath>
+                </a14:m>
+                <a:r>
+                  <a:rPr lang="en-US" sz="3200" i="1" dirty="0">
+                    <a:solidFill>
+                      <a:srgbClr val="00B050"/>
+                    </a:solidFill>
+                  </a:rPr>
+                  <a:t> </a:t>
+                </a:r>
+                <a:r>
+                  <a:rPr lang="en-US" sz="3200" dirty="0"/>
+                  <a:t>can be interpreted as the probability that the mechanism “fails” to be differentially private</a:t>
+                </a:r>
+              </a:p>
+            </p:txBody>
+          </p:sp>
+        </mc:Choice>
+        <mc:Fallback>
+          <p:sp>
+            <p:nvSpPr>
+              <p:cNvPr id="5" name="Content Placeholder 3">
+                <a:extLst>
+                  <a:ext uri="{FF2B5EF4-FFF2-40B4-BE49-F238E27FC236}">
+                    <a16:creationId xmlns:a16="http://schemas.microsoft.com/office/drawing/2014/main" id="{46EDD9D9-1338-4BC5-9D28-964A84C143C2}"/>
+                  </a:ext>
+                </a:extLst>
+              </p:cNvPr>
+              <p:cNvSpPr>
+                <a:spLocks noGrp="1" noRot="1" noChangeAspect="1" noMove="1" noResize="1" noEditPoints="1" noAdjustHandles="1" noChangeArrowheads="1" noChangeShapeType="1" noTextEdit="1"/>
+              </p:cNvSpPr>
+              <p:nvPr>
+                <p:ph idx="1"/>
+              </p:nvPr>
+            </p:nvSpPr>
+            <p:spPr>
+              <a:xfrm>
+                <a:off x="838200" y="1825624"/>
+                <a:ext cx="10242755" cy="1325563"/>
+              </a:xfrm>
+              <a:blipFill>
+                <a:blip r:embed="rId3"/>
+                <a:stretch>
+                  <a:fillRect l="-1369" t="-9174" r="-1786" b="-172477"/>
+                </a:stretch>
+              </a:blipFill>
+            </p:spPr>
+            <p:txBody>
+              <a:bodyPr/>
+              <a:lstStyle/>
+              <a:p>
+                <a:r>
+                  <a:rPr lang="en-US">
+                    <a:noFill/>
+                  </a:rPr>
+                  <a:t> </a:t>
+                </a:r>
+              </a:p>
+            </p:txBody>
+          </p:sp>
+        </mc:Fallback>
+      </mc:AlternateContent>
+      <mc:AlternateContent xmlns:mc="http://schemas.openxmlformats.org/markup-compatibility/2006">
+        <mc:Choice xmlns:a14="http://schemas.microsoft.com/office/drawing/2010/main" Requires="a14">
+          <p:sp>
+            <p:nvSpPr>
+              <p:cNvPr id="6" name="TextBox 5">
+                <a:extLst>
+                  <a:ext uri="{FF2B5EF4-FFF2-40B4-BE49-F238E27FC236}">
+                    <a16:creationId xmlns:a16="http://schemas.microsoft.com/office/drawing/2014/main" id="{05106110-DC86-2970-71E6-6FD1BE53A9F7}"/>
+                  </a:ext>
+                </a:extLst>
+              </p:cNvPr>
+              <p:cNvSpPr txBox="1"/>
+              <p:nvPr/>
+            </p:nvSpPr>
+            <p:spPr>
+              <a:xfrm>
+                <a:off x="2039470" y="3414426"/>
+                <a:ext cx="8113059" cy="584775"/>
+              </a:xfrm>
+              <a:prstGeom prst="rect">
+                <a:avLst/>
+              </a:prstGeom>
+              <a:noFill/>
+            </p:spPr>
+            <p:txBody>
+              <a:bodyPr wrap="square">
+                <a:spAutoFit/>
+              </a:bodyPr>
+              <a:lstStyle/>
+              <a:p>
+                <a:pPr/>
+                <a14:m>
+                  <m:oMathPara xmlns:m="http://schemas.openxmlformats.org/officeDocument/2006/math">
+                    <m:oMathParaPr>
+                      <m:jc m:val="centerGroup"/>
+                    </m:oMathParaPr>
+                    <m:oMath xmlns:m="http://schemas.openxmlformats.org/officeDocument/2006/math">
+                      <m:r>
+                        <m:rPr>
+                          <m:sty m:val="p"/>
+                        </m:rPr>
+                        <a:rPr lang="en-US" sz="3200">
+                          <a:solidFill>
+                            <a:srgbClr val="C00000"/>
+                          </a:solidFill>
+                          <a:latin typeface="Cambria Math" panose="02040503050406030204" pitchFamily="18" charset="0"/>
+                        </a:rPr>
+                        <m:t>Pr</m:t>
+                      </m:r>
+                      <m:d>
+                        <m:dPr>
+                          <m:begChr m:val="["/>
+                          <m:endChr m:val="]"/>
+                          <m:ctrlPr>
+                            <a:rPr lang="en-US" sz="3200" i="1">
+                              <a:solidFill>
+                                <a:srgbClr val="C00000"/>
+                              </a:solidFill>
+                              <a:latin typeface="Cambria Math" panose="02040503050406030204" pitchFamily="18" charset="0"/>
+                            </a:rPr>
+                          </m:ctrlPr>
+                        </m:dPr>
+                        <m:e>
+                          <m:r>
+                            <a:rPr lang="en-US" sz="3200" i="1">
+                              <a:solidFill>
+                                <a:srgbClr val="C00000"/>
+                              </a:solidFill>
+                              <a:latin typeface="Cambria Math" panose="02040503050406030204" pitchFamily="18" charset="0"/>
+                            </a:rPr>
+                            <m:t>𝐴</m:t>
+                          </m:r>
+                          <m:d>
+                            <m:dPr>
+                              <m:ctrlPr>
+                                <a:rPr lang="en-US" sz="3200" i="1">
+                                  <a:solidFill>
+                                    <a:srgbClr val="C00000"/>
+                                  </a:solidFill>
+                                  <a:latin typeface="Cambria Math" panose="02040503050406030204" pitchFamily="18" charset="0"/>
+                                </a:rPr>
+                              </m:ctrlPr>
+                            </m:dPr>
+                            <m:e>
+                              <m:r>
+                                <a:rPr lang="en-US" sz="3200" i="1">
+                                  <a:solidFill>
+                                    <a:srgbClr val="C00000"/>
+                                  </a:solidFill>
+                                  <a:latin typeface="Cambria Math" panose="02040503050406030204" pitchFamily="18" charset="0"/>
+                                </a:rPr>
+                                <m:t>𝑓</m:t>
+                              </m:r>
+                            </m:e>
+                          </m:d>
+                          <m:r>
+                            <a:rPr lang="en-US" sz="3200" i="1">
+                              <a:solidFill>
+                                <a:srgbClr val="C00000"/>
+                              </a:solidFill>
+                              <a:latin typeface="Cambria Math" panose="02040503050406030204" pitchFamily="18" charset="0"/>
+                            </a:rPr>
+                            <m:t>∈</m:t>
+                          </m:r>
+                          <m:r>
+                            <a:rPr lang="en-US" sz="3200" i="1">
+                              <a:solidFill>
+                                <a:srgbClr val="C00000"/>
+                              </a:solidFill>
+                              <a:latin typeface="Cambria Math" panose="02040503050406030204" pitchFamily="18" charset="0"/>
+                            </a:rPr>
+                            <m:t>𝐸</m:t>
+                          </m:r>
+                        </m:e>
+                      </m:d>
+                      <m:r>
+                        <a:rPr lang="en-US" sz="3200" i="1">
+                          <a:solidFill>
+                            <a:srgbClr val="C00000"/>
+                          </a:solidFill>
+                          <a:latin typeface="Cambria Math" panose="02040503050406030204" pitchFamily="18" charset="0"/>
+                        </a:rPr>
+                        <m:t>≤</m:t>
+                      </m:r>
+                      <m:sSup>
+                        <m:sSupPr>
+                          <m:ctrlPr>
+                            <a:rPr lang="en-US" sz="3200" i="1">
+                              <a:solidFill>
+                                <a:srgbClr val="C00000"/>
+                              </a:solidFill>
+                              <a:latin typeface="Cambria Math" panose="02040503050406030204" pitchFamily="18" charset="0"/>
+                            </a:rPr>
+                          </m:ctrlPr>
+                        </m:sSupPr>
+                        <m:e>
+                          <m:r>
+                            <a:rPr lang="en-US" sz="3200" i="1">
+                              <a:solidFill>
+                                <a:srgbClr val="C00000"/>
+                              </a:solidFill>
+                              <a:latin typeface="Cambria Math" panose="02040503050406030204" pitchFamily="18" charset="0"/>
+                            </a:rPr>
+                            <m:t>𝑒</m:t>
+                          </m:r>
+                        </m:e>
+                        <m:sup>
+                          <m:r>
+                            <a:rPr lang="en-US" sz="3200" i="1">
+                              <a:solidFill>
+                                <a:srgbClr val="C00000"/>
+                              </a:solidFill>
+                              <a:latin typeface="Cambria Math" panose="02040503050406030204" pitchFamily="18" charset="0"/>
+                            </a:rPr>
+                            <m:t>𝜀</m:t>
+                          </m:r>
+                        </m:sup>
+                      </m:sSup>
+                      <m:r>
+                        <a:rPr lang="en-US" sz="3200" i="1">
+                          <a:solidFill>
+                            <a:srgbClr val="C00000"/>
+                          </a:solidFill>
+                          <a:latin typeface="Cambria Math" panose="02040503050406030204" pitchFamily="18" charset="0"/>
+                        </a:rPr>
+                        <m:t>⋅</m:t>
+                      </m:r>
+                      <m:r>
+                        <m:rPr>
+                          <m:sty m:val="p"/>
+                        </m:rPr>
+                        <a:rPr lang="en-US" sz="3200">
+                          <a:solidFill>
+                            <a:srgbClr val="C00000"/>
+                          </a:solidFill>
+                          <a:latin typeface="Cambria Math" panose="02040503050406030204" pitchFamily="18" charset="0"/>
+                        </a:rPr>
+                        <m:t>Pr</m:t>
+                      </m:r>
+                      <m:d>
+                        <m:dPr>
+                          <m:begChr m:val="["/>
+                          <m:endChr m:val="]"/>
+                          <m:ctrlPr>
+                            <a:rPr lang="en-US" sz="3200" i="1">
+                              <a:solidFill>
+                                <a:srgbClr val="C00000"/>
+                              </a:solidFill>
+                              <a:latin typeface="Cambria Math" panose="02040503050406030204" pitchFamily="18" charset="0"/>
+                            </a:rPr>
+                          </m:ctrlPr>
+                        </m:dPr>
+                        <m:e>
+                          <m:r>
+                            <a:rPr lang="en-US" sz="3200" i="1">
+                              <a:solidFill>
+                                <a:srgbClr val="C00000"/>
+                              </a:solidFill>
+                              <a:latin typeface="Cambria Math" panose="02040503050406030204" pitchFamily="18" charset="0"/>
+                            </a:rPr>
+                            <m:t>𝐴</m:t>
+                          </m:r>
+                          <m:d>
+                            <m:dPr>
+                              <m:ctrlPr>
+                                <a:rPr lang="en-US" sz="3200" i="1">
+                                  <a:solidFill>
+                                    <a:srgbClr val="C00000"/>
+                                  </a:solidFill>
+                                  <a:latin typeface="Cambria Math" panose="02040503050406030204" pitchFamily="18" charset="0"/>
+                                </a:rPr>
+                              </m:ctrlPr>
+                            </m:dPr>
+                            <m:e>
+                              <m:sSup>
+                                <m:sSupPr>
+                                  <m:ctrlPr>
+                                    <a:rPr lang="en-US" sz="3200" i="1">
+                                      <a:solidFill>
+                                        <a:srgbClr val="C00000"/>
+                                      </a:solidFill>
+                                      <a:latin typeface="Cambria Math" panose="02040503050406030204" pitchFamily="18" charset="0"/>
+                                    </a:rPr>
+                                  </m:ctrlPr>
+                                </m:sSupPr>
+                                <m:e>
+                                  <m:r>
+                                    <a:rPr lang="en-US" sz="3200" i="1">
+                                      <a:solidFill>
+                                        <a:srgbClr val="C00000"/>
+                                      </a:solidFill>
+                                      <a:latin typeface="Cambria Math" panose="02040503050406030204" pitchFamily="18" charset="0"/>
+                                    </a:rPr>
+                                    <m:t>𝑓</m:t>
+                                  </m:r>
+                                </m:e>
+                                <m:sup>
+                                  <m:r>
+                                    <a:rPr lang="en-US" sz="3200" i="1">
+                                      <a:solidFill>
+                                        <a:srgbClr val="C00000"/>
+                                      </a:solidFill>
+                                      <a:latin typeface="Cambria Math" panose="02040503050406030204" pitchFamily="18" charset="0"/>
+                                    </a:rPr>
+                                    <m:t>′</m:t>
+                                  </m:r>
+                                </m:sup>
+                              </m:sSup>
+                            </m:e>
+                          </m:d>
+                          <m:r>
+                            <a:rPr lang="en-US" sz="3200" i="1">
+                              <a:solidFill>
+                                <a:srgbClr val="C00000"/>
+                              </a:solidFill>
+                              <a:latin typeface="Cambria Math" panose="02040503050406030204" pitchFamily="18" charset="0"/>
+                            </a:rPr>
+                            <m:t>∈</m:t>
+                          </m:r>
+                          <m:r>
+                            <a:rPr lang="en-US" sz="3200" i="1">
+                              <a:solidFill>
+                                <a:srgbClr val="C00000"/>
+                              </a:solidFill>
+                              <a:latin typeface="Cambria Math" panose="02040503050406030204" pitchFamily="18" charset="0"/>
+                            </a:rPr>
+                            <m:t>𝐸</m:t>
+                          </m:r>
+                        </m:e>
+                      </m:d>
+                      <m:r>
+                        <a:rPr lang="en-US" sz="3200" i="1">
+                          <a:solidFill>
+                            <a:srgbClr val="C00000"/>
+                          </a:solidFill>
+                          <a:latin typeface="Cambria Math" panose="02040503050406030204" pitchFamily="18" charset="0"/>
+                        </a:rPr>
+                        <m:t>+</m:t>
+                      </m:r>
+                      <m:r>
+                        <a:rPr lang="en-US" sz="3200" i="1">
+                          <a:solidFill>
+                            <a:srgbClr val="C00000"/>
+                          </a:solidFill>
+                          <a:latin typeface="Cambria Math" panose="02040503050406030204" pitchFamily="18" charset="0"/>
+                        </a:rPr>
+                        <m:t>𝛿</m:t>
+                      </m:r>
+                    </m:oMath>
+                  </m:oMathPara>
+                </a14:m>
+                <a:endParaRPr lang="en-US" sz="3200" i="1" dirty="0"/>
+              </a:p>
+            </p:txBody>
+          </p:sp>
+        </mc:Choice>
+        <mc:Fallback>
+          <p:sp>
+            <p:nvSpPr>
+              <p:cNvPr id="6" name="TextBox 5">
+                <a:extLst>
+                  <a:ext uri="{FF2B5EF4-FFF2-40B4-BE49-F238E27FC236}">
+                    <a16:creationId xmlns:a16="http://schemas.microsoft.com/office/drawing/2014/main" id="{05106110-DC86-2970-71E6-6FD1BE53A9F7}"/>
+                  </a:ext>
+                </a:extLst>
+              </p:cNvPr>
+              <p:cNvSpPr txBox="1">
+                <a:spLocks noRot="1" noChangeAspect="1" noMove="1" noResize="1" noEditPoints="1" noAdjustHandles="1" noChangeArrowheads="1" noChangeShapeType="1" noTextEdit="1"/>
+              </p:cNvSpPr>
+              <p:nvPr/>
+            </p:nvSpPr>
+            <p:spPr>
+              <a:xfrm>
+                <a:off x="2039470" y="3414426"/>
+                <a:ext cx="8113059" cy="584775"/>
+              </a:xfrm>
+              <a:prstGeom prst="rect">
+                <a:avLst/>
+              </a:prstGeom>
+              <a:blipFill>
+                <a:blip r:embed="rId4"/>
+                <a:stretch>
+                  <a:fillRect/>
+                </a:stretch>
+              </a:blipFill>
+            </p:spPr>
+            <p:txBody>
+              <a:bodyPr/>
+              <a:lstStyle/>
+              <a:p>
+                <a:r>
+                  <a:rPr lang="en-US">
+                    <a:noFill/>
+                  </a:rPr>
+                  <a:t> </a:t>
+                </a:r>
+              </a:p>
+            </p:txBody>
+          </p:sp>
+        </mc:Fallback>
+      </mc:AlternateContent>
+    </p:spTree>
+    <p:extLst>
+      <p:ext uri="{BB962C8B-B14F-4D97-AF65-F5344CB8AC3E}">
+        <p14:creationId xmlns:p14="http://schemas.microsoft.com/office/powerpoint/2010/main" val="2446418433"/>
+      </p:ext>
+    </p:extLst>
+  </p:cSld>
+  <p:clrMapOvr>
+    <a:masterClrMapping/>
+  </p:clrMapOvr>
+</p:sld>
+</file>
+
+<file path=ppt/slides/slide26.xml><?xml version="1.0" encoding="utf-8"?>
+<p:sld xmlns:a="http://schemas.openxmlformats.org/drawingml/2006/main" xmlns:r="http://schemas.openxmlformats.org/officeDocument/2006/relationships" xmlns:p="http://schemas.openxmlformats.org/presentationml/2006/main">
+  <p:cSld>
+    <p:spTree>
+      <p:nvGrpSpPr>
+        <p:cNvPr id="1" name=""/>
+        <p:cNvGrpSpPr/>
+        <p:nvPr/>
+      </p:nvGrpSpPr>
+      <p:grpSpPr>
+        <a:xfrm>
+          <a:off x="0" y="0"/>
+          <a:ext cx="0" cy="0"/>
+          <a:chOff x="0" y="0"/>
+          <a:chExt cx="0" cy="0"/>
+        </a:xfrm>
+      </p:grpSpPr>
+      <p:sp>
+        <p:nvSpPr>
+          <p:cNvPr id="2" name="Title 1">
+            <a:extLst>
+              <a:ext uri="{FF2B5EF4-FFF2-40B4-BE49-F238E27FC236}">
+                <a16:creationId xmlns:a16="http://schemas.microsoft.com/office/drawing/2014/main" id="{B17419AC-DCE6-4371-8DE2-D617E99D653D}"/>
+              </a:ext>
+            </a:extLst>
+          </p:cNvPr>
+          <p:cNvSpPr>
+            <a:spLocks noGrp="1"/>
+          </p:cNvSpPr>
+          <p:nvPr>
+            <p:ph type="title"/>
+          </p:nvPr>
+        </p:nvSpPr>
+        <p:spPr/>
+        <p:txBody>
+          <a:bodyPr/>
+          <a:lstStyle/>
+          <a:p>
+            <a:r>
+              <a:rPr lang="en-US" dirty="0">
+                <a:solidFill>
+                  <a:srgbClr val="C00000"/>
+                </a:solidFill>
+              </a:rPr>
+              <a:t>Differential Privacy</a:t>
+            </a:r>
+          </a:p>
+        </p:txBody>
+      </p:sp>
+      <mc:AlternateContent xmlns:mc="http://schemas.openxmlformats.org/markup-compatibility/2006">
+        <mc:Choice xmlns:a14="http://schemas.microsoft.com/office/drawing/2010/main" Requires="a14">
+          <p:sp>
+            <p:nvSpPr>
+              <p:cNvPr id="5" name="Content Placeholder 3">
+                <a:extLst>
+                  <a:ext uri="{FF2B5EF4-FFF2-40B4-BE49-F238E27FC236}">
+                    <a16:creationId xmlns:a16="http://schemas.microsoft.com/office/drawing/2014/main" id="{46EDD9D9-1338-4BC5-9D28-964A84C143C2}"/>
+                  </a:ext>
+                </a:extLst>
+              </p:cNvPr>
+              <p:cNvSpPr>
+                <a:spLocks noGrp="1"/>
+              </p:cNvSpPr>
+              <p:nvPr>
+                <p:ph idx="1"/>
+              </p:nvPr>
+            </p:nvSpPr>
+            <p:spPr>
+              <a:xfrm>
+                <a:off x="838200" y="1825624"/>
+                <a:ext cx="10242755" cy="1325563"/>
+              </a:xfrm>
+            </p:spPr>
+            <p:txBody>
+              <a:bodyPr>
+                <a:noAutofit/>
+              </a:bodyPr>
+              <a:lstStyle/>
+              <a:p>
+                <a:pPr>
+                  <a:buClr>
+                    <a:schemeClr val="tx1"/>
+                  </a:buClr>
+                </a:pPr>
+                <a:r>
+                  <a:rPr lang="en-US" sz="3200" dirty="0">
+                    <a:solidFill>
+                      <a:srgbClr val="7030A0"/>
+                    </a:solidFill>
+                  </a:rPr>
+                  <a:t>[DMNS06]</a:t>
+                </a:r>
+                <a:r>
+                  <a:rPr lang="en-US" sz="3200" dirty="0"/>
+                  <a:t> Given </a:t>
+                </a:r>
+                <a14:m>
+                  <m:oMath xmlns:m="http://schemas.openxmlformats.org/officeDocument/2006/math">
+                    <m:r>
+                      <a:rPr lang="en-US" sz="3200" i="1">
+                        <a:solidFill>
+                          <a:srgbClr val="C00000"/>
+                        </a:solidFill>
+                        <a:latin typeface="Cambria Math" panose="02040503050406030204" pitchFamily="18" charset="0"/>
+                      </a:rPr>
+                      <m:t>𝜀</m:t>
+                    </m:r>
+                    <m:r>
+                      <a:rPr lang="en-US" sz="3200" i="1">
+                        <a:solidFill>
+                          <a:srgbClr val="C00000"/>
+                        </a:solidFill>
+                        <a:latin typeface="Cambria Math" panose="02040503050406030204" pitchFamily="18" charset="0"/>
+                      </a:rPr>
+                      <m:t>&gt;0 </m:t>
+                    </m:r>
+                  </m:oMath>
+                </a14:m>
+                <a:r>
+                  <a:rPr lang="en-US" sz="3200" dirty="0"/>
+                  <a:t>and </a:t>
+                </a:r>
+                <a14:m>
+                  <m:oMath xmlns:m="http://schemas.openxmlformats.org/officeDocument/2006/math">
+                    <m:r>
+                      <a:rPr lang="en-US" sz="3200" i="1">
+                        <a:solidFill>
+                          <a:srgbClr val="C00000"/>
+                        </a:solidFill>
+                        <a:latin typeface="Cambria Math" panose="02040503050406030204" pitchFamily="18" charset="0"/>
+                      </a:rPr>
+                      <m:t>𝛿</m:t>
+                    </m:r>
+                    <m:r>
+                      <a:rPr lang="en-US" sz="3200" i="1">
+                        <a:solidFill>
+                          <a:srgbClr val="C00000"/>
+                        </a:solidFill>
+                        <a:latin typeface="Cambria Math" panose="02040503050406030204" pitchFamily="18" charset="0"/>
+                      </a:rPr>
+                      <m:t>∈</m:t>
+                    </m:r>
+                    <m:d>
+                      <m:dPr>
+                        <m:ctrlPr>
+                          <a:rPr lang="en-US" sz="3200" i="1">
+                            <a:solidFill>
+                              <a:srgbClr val="C00000"/>
+                            </a:solidFill>
+                            <a:latin typeface="Cambria Math" panose="02040503050406030204" pitchFamily="18" charset="0"/>
+                          </a:rPr>
+                        </m:ctrlPr>
+                      </m:dPr>
+                      <m:e>
+                        <m:r>
+                          <a:rPr lang="en-US" sz="3200" i="1">
+                            <a:solidFill>
+                              <a:srgbClr val="C00000"/>
+                            </a:solidFill>
+                            <a:latin typeface="Cambria Math" panose="02040503050406030204" pitchFamily="18" charset="0"/>
+                          </a:rPr>
+                          <m:t>0,1</m:t>
+                        </m:r>
+                      </m:e>
+                    </m:d>
+                  </m:oMath>
+                </a14:m>
+                <a:r>
+                  <a:rPr lang="en-US" sz="3200" dirty="0"/>
+                  <a:t>, a randomized algorithm </a:t>
+                </a:r>
+                <a14:m>
+                  <m:oMath xmlns:m="http://schemas.openxmlformats.org/officeDocument/2006/math">
+                    <m:r>
+                      <a:rPr lang="en-US" sz="3200" i="1">
+                        <a:solidFill>
+                          <a:srgbClr val="C00000"/>
+                        </a:solidFill>
+                        <a:latin typeface="Cambria Math" panose="02040503050406030204" pitchFamily="18" charset="0"/>
+                      </a:rPr>
+                      <m:t>𝐴</m:t>
+                    </m:r>
+                    <m:r>
+                      <a:rPr lang="en-US" sz="3200" i="1">
+                        <a:solidFill>
+                          <a:srgbClr val="C00000"/>
+                        </a:solidFill>
+                        <a:latin typeface="Cambria Math" panose="02040503050406030204" pitchFamily="18" charset="0"/>
+                      </a:rPr>
+                      <m:t>:</m:t>
+                    </m:r>
+                    <m:sSup>
+                      <m:sSupPr>
+                        <m:ctrlPr>
+                          <a:rPr lang="en-US" sz="3200" i="1">
+                            <a:solidFill>
+                              <a:srgbClr val="C00000"/>
+                            </a:solidFill>
+                            <a:latin typeface="Cambria Math" panose="02040503050406030204" pitchFamily="18" charset="0"/>
+                          </a:rPr>
+                        </m:ctrlPr>
+                      </m:sSupPr>
+                      <m:e>
+                        <m:r>
+                          <a:rPr lang="en-US" sz="3200" i="1">
+                            <a:solidFill>
+                              <a:srgbClr val="C00000"/>
+                            </a:solidFill>
+                            <a:latin typeface="Cambria Math" panose="02040503050406030204" pitchFamily="18" charset="0"/>
+                          </a:rPr>
+                          <m:t>𝑈</m:t>
+                        </m:r>
+                      </m:e>
+                      <m:sup>
+                        <m:r>
+                          <a:rPr lang="en-US" sz="3200" i="1">
+                            <a:solidFill>
+                              <a:srgbClr val="C00000"/>
+                            </a:solidFill>
+                            <a:latin typeface="Cambria Math" panose="02040503050406030204" pitchFamily="18" charset="0"/>
+                          </a:rPr>
+                          <m:t>∗</m:t>
+                        </m:r>
+                      </m:sup>
+                    </m:sSup>
+                    <m:r>
+                      <a:rPr lang="en-US" sz="3200" i="1">
+                        <a:solidFill>
+                          <a:srgbClr val="C00000"/>
+                        </a:solidFill>
+                        <a:latin typeface="Cambria Math" panose="02040503050406030204" pitchFamily="18" charset="0"/>
+                      </a:rPr>
+                      <m:t>→</m:t>
+                    </m:r>
+                    <m:r>
+                      <a:rPr lang="en-US" sz="3200" i="1">
+                        <a:solidFill>
+                          <a:srgbClr val="C00000"/>
+                        </a:solidFill>
+                        <a:latin typeface="Cambria Math" panose="02040503050406030204" pitchFamily="18" charset="0"/>
+                      </a:rPr>
+                      <m:t>𝑌</m:t>
+                    </m:r>
+                  </m:oMath>
+                </a14:m>
+                <a:r>
+                  <a:rPr lang="en-US" sz="3200" dirty="0"/>
+                  <a:t> is </a:t>
+                </a:r>
+                <a14:m>
+                  <m:oMath xmlns:m="http://schemas.openxmlformats.org/officeDocument/2006/math">
+                    <m:r>
+                      <a:rPr lang="en-US" sz="3200" i="1">
+                        <a:solidFill>
+                          <a:srgbClr val="C00000"/>
+                        </a:solidFill>
+                        <a:latin typeface="Cambria Math" panose="02040503050406030204" pitchFamily="18" charset="0"/>
+                      </a:rPr>
+                      <m:t>(</m:t>
+                    </m:r>
+                    <m:r>
+                      <a:rPr lang="en-US" sz="3200" i="1">
+                        <a:solidFill>
+                          <a:srgbClr val="C00000"/>
+                        </a:solidFill>
+                        <a:latin typeface="Cambria Math" panose="02040503050406030204" pitchFamily="18" charset="0"/>
+                      </a:rPr>
+                      <m:t>𝜀</m:t>
+                    </m:r>
+                    <m:r>
+                      <a:rPr lang="en-US" sz="3200" i="1">
+                        <a:solidFill>
+                          <a:srgbClr val="C00000"/>
+                        </a:solidFill>
+                        <a:latin typeface="Cambria Math" panose="02040503050406030204" pitchFamily="18" charset="0"/>
+                      </a:rPr>
+                      <m:t>,</m:t>
+                    </m:r>
+                    <m:r>
+                      <a:rPr lang="en-US" sz="3200" i="1">
+                        <a:solidFill>
+                          <a:srgbClr val="C00000"/>
+                        </a:solidFill>
+                        <a:latin typeface="Cambria Math" panose="02040503050406030204" pitchFamily="18" charset="0"/>
+                      </a:rPr>
+                      <m:t>𝛿</m:t>
+                    </m:r>
+                    <m:r>
+                      <a:rPr lang="en-US" sz="3200" i="1">
+                        <a:solidFill>
+                          <a:srgbClr val="C00000"/>
+                        </a:solidFill>
+                        <a:latin typeface="Cambria Math" panose="02040503050406030204" pitchFamily="18" charset="0"/>
+                      </a:rPr>
+                      <m:t>)</m:t>
+                    </m:r>
+                  </m:oMath>
+                </a14:m>
+                <a:r>
+                  <a:rPr lang="en-US" sz="3200" dirty="0"/>
+                  <a:t>-differentially private if, for every neighboring frequency vectors </a:t>
+                </a:r>
+                <a14:m>
+                  <m:oMath xmlns:m="http://schemas.openxmlformats.org/officeDocument/2006/math">
+                    <m:r>
+                      <a:rPr lang="en-US" sz="3200" i="1">
+                        <a:solidFill>
+                          <a:srgbClr val="C00000"/>
+                        </a:solidFill>
+                        <a:latin typeface="Cambria Math" panose="02040503050406030204" pitchFamily="18" charset="0"/>
+                      </a:rPr>
+                      <m:t>𝑓</m:t>
+                    </m:r>
+                  </m:oMath>
+                </a14:m>
+                <a:r>
+                  <a:rPr lang="en-US" sz="3200" dirty="0"/>
+                  <a:t> and </a:t>
+                </a:r>
+                <a14:m>
+                  <m:oMath xmlns:m="http://schemas.openxmlformats.org/officeDocument/2006/math">
+                    <m:r>
+                      <a:rPr lang="en-US" sz="3200" i="1">
+                        <a:solidFill>
+                          <a:srgbClr val="C00000"/>
+                        </a:solidFill>
+                        <a:latin typeface="Cambria Math" panose="02040503050406030204" pitchFamily="18" charset="0"/>
+                      </a:rPr>
+                      <m:t>𝑓</m:t>
+                    </m:r>
+                    <m:r>
+                      <a:rPr lang="en-US" sz="3200">
+                        <a:solidFill>
+                          <a:srgbClr val="C00000"/>
+                        </a:solidFill>
+                        <a:latin typeface="Cambria Math" panose="02040503050406030204" pitchFamily="18" charset="0"/>
+                      </a:rPr>
+                      <m:t>′</m:t>
+                    </m:r>
+                  </m:oMath>
+                </a14:m>
+                <a:r>
+                  <a:rPr lang="en-US" sz="3200" dirty="0"/>
+                  <a:t> and for all </a:t>
+                </a:r>
+                <a14:m>
+                  <m:oMath xmlns:m="http://schemas.openxmlformats.org/officeDocument/2006/math">
+                    <m:r>
+                      <a:rPr lang="en-US" sz="3200" i="1">
+                        <a:solidFill>
+                          <a:srgbClr val="C00000"/>
+                        </a:solidFill>
+                        <a:latin typeface="Cambria Math" panose="02040503050406030204" pitchFamily="18" charset="0"/>
+                      </a:rPr>
+                      <m:t>𝐸</m:t>
+                    </m:r>
+                    <m:r>
+                      <a:rPr lang="en-US" sz="3200" i="1">
+                        <a:solidFill>
+                          <a:srgbClr val="C00000"/>
+                        </a:solidFill>
+                        <a:latin typeface="Cambria Math" panose="02040503050406030204" pitchFamily="18" charset="0"/>
+                      </a:rPr>
+                      <m:t>⊆</m:t>
+                    </m:r>
+                    <m:r>
+                      <a:rPr lang="en-US" sz="3200" i="1">
+                        <a:solidFill>
+                          <a:srgbClr val="C00000"/>
+                        </a:solidFill>
+                        <a:latin typeface="Cambria Math" panose="02040503050406030204" pitchFamily="18" charset="0"/>
+                      </a:rPr>
+                      <m:t>𝑌</m:t>
+                    </m:r>
+                  </m:oMath>
+                </a14:m>
+                <a:r>
+                  <a:rPr lang="en-US" sz="3200" dirty="0"/>
+                  <a:t>,</a:t>
+                </a:r>
+              </a:p>
+              <a:p>
+                <a:pPr marL="0" indent="0">
+                  <a:buClr>
+                    <a:schemeClr val="tx1"/>
+                  </a:buClr>
+                  <a:buNone/>
+                </a:pPr>
+                <a:endParaRPr lang="en-US" sz="3200" dirty="0"/>
+              </a:p>
+              <a:p>
+                <a:pPr>
+                  <a:buClr>
+                    <a:schemeClr val="tx1"/>
+                  </a:buClr>
+                </a:pPr>
+                <a:r>
+                  <a:rPr lang="en-US" sz="3200" dirty="0"/>
+                  <a:t>If </a:t>
+                </a:r>
+                <a14:m>
+                  <m:oMath xmlns:m="http://schemas.openxmlformats.org/officeDocument/2006/math">
+                    <m:r>
+                      <a:rPr lang="en-US" sz="3200" i="1">
+                        <a:solidFill>
+                          <a:srgbClr val="C00000"/>
+                        </a:solidFill>
+                        <a:latin typeface="Cambria Math" panose="02040503050406030204" pitchFamily="18" charset="0"/>
+                      </a:rPr>
+                      <m:t>𝛿</m:t>
+                    </m:r>
+                    <m:r>
+                      <a:rPr lang="en-US" sz="3200" b="0" i="1" smtClean="0">
+                        <a:solidFill>
+                          <a:srgbClr val="C00000"/>
+                        </a:solidFill>
+                        <a:latin typeface="Cambria Math" panose="02040503050406030204" pitchFamily="18" charset="0"/>
+                      </a:rPr>
+                      <m:t>=0</m:t>
+                    </m:r>
+                  </m:oMath>
+                </a14:m>
+                <a:r>
+                  <a:rPr lang="en-US" sz="3200" i="1" dirty="0"/>
+                  <a:t>, </a:t>
+                </a:r>
+                <a:r>
+                  <a:rPr lang="en-US" sz="3200" dirty="0"/>
+                  <a:t>a mechanism is said to satisfy </a:t>
+                </a:r>
+                <a:r>
+                  <a:rPr lang="en-US" sz="3200" i="1" dirty="0">
+                    <a:solidFill>
+                      <a:srgbClr val="00B050"/>
+                    </a:solidFill>
+                  </a:rPr>
+                  <a:t>pure differential privacy</a:t>
+                </a:r>
+              </a:p>
+              <a:p>
+                <a:pPr>
+                  <a:buClr>
+                    <a:schemeClr val="tx1"/>
+                  </a:buClr>
+                </a:pPr>
+                <a:r>
+                  <a:rPr lang="en-US" sz="3200" dirty="0"/>
+                  <a:t>Otherwise</a:t>
+                </a:r>
+                <a:r>
+                  <a:rPr lang="en-US" sz="3200" i="1" dirty="0"/>
+                  <a:t> </a:t>
+                </a:r>
+                <a:r>
+                  <a:rPr lang="en-US" sz="3200" dirty="0"/>
+                  <a:t>if </a:t>
+                </a:r>
+                <a14:m>
+                  <m:oMath xmlns:m="http://schemas.openxmlformats.org/officeDocument/2006/math">
+                    <m:r>
+                      <a:rPr lang="en-US" sz="3200" i="1">
+                        <a:solidFill>
+                          <a:srgbClr val="C00000"/>
+                        </a:solidFill>
+                        <a:latin typeface="Cambria Math" panose="02040503050406030204" pitchFamily="18" charset="0"/>
+                      </a:rPr>
+                      <m:t>𝛿</m:t>
+                    </m:r>
+                    <m:r>
+                      <a:rPr lang="en-US" sz="3200" b="0" i="1" smtClean="0">
+                        <a:solidFill>
+                          <a:srgbClr val="C00000"/>
+                        </a:solidFill>
+                        <a:latin typeface="Cambria Math" panose="02040503050406030204" pitchFamily="18" charset="0"/>
+                      </a:rPr>
+                      <m:t>&gt;</m:t>
+                    </m:r>
+                    <m:r>
+                      <a:rPr lang="en-US" sz="3200" b="0" i="1" smtClean="0">
+                        <a:solidFill>
+                          <a:srgbClr val="C00000"/>
+                        </a:solidFill>
+                        <a:latin typeface="Cambria Math" panose="02040503050406030204" pitchFamily="18" charset="0"/>
+                      </a:rPr>
+                      <m:t>0</m:t>
+                    </m:r>
+                  </m:oMath>
+                </a14:m>
+                <a:r>
+                  <a:rPr lang="en-US" sz="3200" i="1" dirty="0"/>
+                  <a:t>, </a:t>
+                </a:r>
+                <a:r>
+                  <a:rPr lang="en-US" sz="3200" dirty="0"/>
+                  <a:t>a mechanism is said to satisfy </a:t>
+                </a:r>
+                <a:r>
+                  <a:rPr lang="en-US" sz="3200" i="1" dirty="0">
+                    <a:solidFill>
+                      <a:srgbClr val="00B050"/>
+                    </a:solidFill>
+                  </a:rPr>
+                  <a:t>approximate differential privacy</a:t>
+                </a:r>
+              </a:p>
+            </p:txBody>
+          </p:sp>
+        </mc:Choice>
+        <mc:Fallback>
+          <p:sp>
+            <p:nvSpPr>
+              <p:cNvPr id="5" name="Content Placeholder 3">
+                <a:extLst>
+                  <a:ext uri="{FF2B5EF4-FFF2-40B4-BE49-F238E27FC236}">
+                    <a16:creationId xmlns:a16="http://schemas.microsoft.com/office/drawing/2014/main" id="{46EDD9D9-1338-4BC5-9D28-964A84C143C2}"/>
+                  </a:ext>
+                </a:extLst>
+              </p:cNvPr>
+              <p:cNvSpPr>
+                <a:spLocks noGrp="1" noRot="1" noChangeAspect="1" noMove="1" noResize="1" noEditPoints="1" noAdjustHandles="1" noChangeArrowheads="1" noChangeShapeType="1" noTextEdit="1"/>
+              </p:cNvSpPr>
+              <p:nvPr>
+                <p:ph idx="1"/>
+              </p:nvPr>
+            </p:nvSpPr>
+            <p:spPr>
+              <a:xfrm>
+                <a:off x="838200" y="1825624"/>
+                <a:ext cx="10242755" cy="1325563"/>
+              </a:xfrm>
+              <a:blipFill>
+                <a:blip r:embed="rId3"/>
+                <a:stretch>
+                  <a:fillRect l="-1369" t="-9174" b="-248165"/>
+                </a:stretch>
+              </a:blipFill>
+            </p:spPr>
+            <p:txBody>
+              <a:bodyPr/>
+              <a:lstStyle/>
+              <a:p>
+                <a:r>
+                  <a:rPr lang="en-US">
+                    <a:noFill/>
+                  </a:rPr>
+                  <a:t> </a:t>
+                </a:r>
+              </a:p>
+            </p:txBody>
+          </p:sp>
+        </mc:Fallback>
+      </mc:AlternateContent>
+      <mc:AlternateContent xmlns:mc="http://schemas.openxmlformats.org/markup-compatibility/2006">
+        <mc:Choice xmlns:a14="http://schemas.microsoft.com/office/drawing/2010/main" Requires="a14">
+          <p:sp>
+            <p:nvSpPr>
+              <p:cNvPr id="6" name="TextBox 5">
+                <a:extLst>
+                  <a:ext uri="{FF2B5EF4-FFF2-40B4-BE49-F238E27FC236}">
+                    <a16:creationId xmlns:a16="http://schemas.microsoft.com/office/drawing/2014/main" id="{05106110-DC86-2970-71E6-6FD1BE53A9F7}"/>
+                  </a:ext>
+                </a:extLst>
+              </p:cNvPr>
+              <p:cNvSpPr txBox="1"/>
+              <p:nvPr/>
+            </p:nvSpPr>
+            <p:spPr>
+              <a:xfrm>
+                <a:off x="2039470" y="3414426"/>
+                <a:ext cx="8113059" cy="584775"/>
+              </a:xfrm>
+              <a:prstGeom prst="rect">
+                <a:avLst/>
+              </a:prstGeom>
+              <a:noFill/>
+            </p:spPr>
+            <p:txBody>
+              <a:bodyPr wrap="square">
+                <a:spAutoFit/>
+              </a:bodyPr>
+              <a:lstStyle/>
+              <a:p>
+                <a:pPr/>
+                <a14:m>
+                  <m:oMathPara xmlns:m="http://schemas.openxmlformats.org/officeDocument/2006/math">
+                    <m:oMathParaPr>
+                      <m:jc m:val="centerGroup"/>
+                    </m:oMathParaPr>
+                    <m:oMath xmlns:m="http://schemas.openxmlformats.org/officeDocument/2006/math">
+                      <m:r>
+                        <m:rPr>
+                          <m:sty m:val="p"/>
+                        </m:rPr>
+                        <a:rPr lang="en-US" sz="3200">
+                          <a:solidFill>
+                            <a:srgbClr val="C00000"/>
+                          </a:solidFill>
+                          <a:latin typeface="Cambria Math" panose="02040503050406030204" pitchFamily="18" charset="0"/>
+                        </a:rPr>
+                        <m:t>Pr</m:t>
+                      </m:r>
+                      <m:d>
+                        <m:dPr>
+                          <m:begChr m:val="["/>
+                          <m:endChr m:val="]"/>
+                          <m:ctrlPr>
+                            <a:rPr lang="en-US" sz="3200" i="1">
+                              <a:solidFill>
+                                <a:srgbClr val="C00000"/>
+                              </a:solidFill>
+                              <a:latin typeface="Cambria Math" panose="02040503050406030204" pitchFamily="18" charset="0"/>
+                            </a:rPr>
+                          </m:ctrlPr>
+                        </m:dPr>
+                        <m:e>
+                          <m:r>
+                            <a:rPr lang="en-US" sz="3200" i="1">
+                              <a:solidFill>
+                                <a:srgbClr val="C00000"/>
+                              </a:solidFill>
+                              <a:latin typeface="Cambria Math" panose="02040503050406030204" pitchFamily="18" charset="0"/>
+                            </a:rPr>
+                            <m:t>𝐴</m:t>
+                          </m:r>
+                          <m:d>
+                            <m:dPr>
+                              <m:ctrlPr>
+                                <a:rPr lang="en-US" sz="3200" i="1">
+                                  <a:solidFill>
+                                    <a:srgbClr val="C00000"/>
+                                  </a:solidFill>
+                                  <a:latin typeface="Cambria Math" panose="02040503050406030204" pitchFamily="18" charset="0"/>
+                                </a:rPr>
+                              </m:ctrlPr>
+                            </m:dPr>
+                            <m:e>
+                              <m:r>
+                                <a:rPr lang="en-US" sz="3200" i="1">
+                                  <a:solidFill>
+                                    <a:srgbClr val="C00000"/>
+                                  </a:solidFill>
+                                  <a:latin typeface="Cambria Math" panose="02040503050406030204" pitchFamily="18" charset="0"/>
+                                </a:rPr>
+                                <m:t>𝑓</m:t>
+                              </m:r>
+                            </m:e>
+                          </m:d>
+                          <m:r>
+                            <a:rPr lang="en-US" sz="3200" i="1">
+                              <a:solidFill>
+                                <a:srgbClr val="C00000"/>
+                              </a:solidFill>
+                              <a:latin typeface="Cambria Math" panose="02040503050406030204" pitchFamily="18" charset="0"/>
+                            </a:rPr>
+                            <m:t>∈</m:t>
+                          </m:r>
+                          <m:r>
+                            <a:rPr lang="en-US" sz="3200" i="1">
+                              <a:solidFill>
+                                <a:srgbClr val="C00000"/>
+                              </a:solidFill>
+                              <a:latin typeface="Cambria Math" panose="02040503050406030204" pitchFamily="18" charset="0"/>
+                            </a:rPr>
+                            <m:t>𝐸</m:t>
+                          </m:r>
+                        </m:e>
+                      </m:d>
+                      <m:r>
+                        <a:rPr lang="en-US" sz="3200" i="1">
+                          <a:solidFill>
+                            <a:srgbClr val="C00000"/>
+                          </a:solidFill>
+                          <a:latin typeface="Cambria Math" panose="02040503050406030204" pitchFamily="18" charset="0"/>
+                        </a:rPr>
+                        <m:t>≤</m:t>
+                      </m:r>
+                      <m:sSup>
+                        <m:sSupPr>
+                          <m:ctrlPr>
+                            <a:rPr lang="en-US" sz="3200" i="1">
+                              <a:solidFill>
+                                <a:srgbClr val="C00000"/>
+                              </a:solidFill>
+                              <a:latin typeface="Cambria Math" panose="02040503050406030204" pitchFamily="18" charset="0"/>
+                            </a:rPr>
+                          </m:ctrlPr>
+                        </m:sSupPr>
+                        <m:e>
+                          <m:r>
+                            <a:rPr lang="en-US" sz="3200" i="1">
+                              <a:solidFill>
+                                <a:srgbClr val="C00000"/>
+                              </a:solidFill>
+                              <a:latin typeface="Cambria Math" panose="02040503050406030204" pitchFamily="18" charset="0"/>
+                            </a:rPr>
+                            <m:t>𝑒</m:t>
+                          </m:r>
+                        </m:e>
+                        <m:sup>
+                          <m:r>
+                            <a:rPr lang="en-US" sz="3200" i="1">
+                              <a:solidFill>
+                                <a:srgbClr val="C00000"/>
+                              </a:solidFill>
+                              <a:latin typeface="Cambria Math" panose="02040503050406030204" pitchFamily="18" charset="0"/>
+                            </a:rPr>
+                            <m:t>𝜀</m:t>
+                          </m:r>
+                        </m:sup>
+                      </m:sSup>
+                      <m:r>
+                        <a:rPr lang="en-US" sz="3200" i="1">
+                          <a:solidFill>
+                            <a:srgbClr val="C00000"/>
+                          </a:solidFill>
+                          <a:latin typeface="Cambria Math" panose="02040503050406030204" pitchFamily="18" charset="0"/>
+                        </a:rPr>
+                        <m:t>⋅</m:t>
+                      </m:r>
+                      <m:r>
+                        <m:rPr>
+                          <m:sty m:val="p"/>
+                        </m:rPr>
+                        <a:rPr lang="en-US" sz="3200">
+                          <a:solidFill>
+                            <a:srgbClr val="C00000"/>
+                          </a:solidFill>
+                          <a:latin typeface="Cambria Math" panose="02040503050406030204" pitchFamily="18" charset="0"/>
+                        </a:rPr>
+                        <m:t>Pr</m:t>
+                      </m:r>
+                      <m:d>
+                        <m:dPr>
+                          <m:begChr m:val="["/>
+                          <m:endChr m:val="]"/>
+                          <m:ctrlPr>
+                            <a:rPr lang="en-US" sz="3200" i="1">
+                              <a:solidFill>
+                                <a:srgbClr val="C00000"/>
+                              </a:solidFill>
+                              <a:latin typeface="Cambria Math" panose="02040503050406030204" pitchFamily="18" charset="0"/>
+                            </a:rPr>
+                          </m:ctrlPr>
+                        </m:dPr>
+                        <m:e>
+                          <m:r>
+                            <a:rPr lang="en-US" sz="3200" i="1">
+                              <a:solidFill>
+                                <a:srgbClr val="C00000"/>
+                              </a:solidFill>
+                              <a:latin typeface="Cambria Math" panose="02040503050406030204" pitchFamily="18" charset="0"/>
+                            </a:rPr>
+                            <m:t>𝐴</m:t>
+                          </m:r>
+                          <m:d>
+                            <m:dPr>
+                              <m:ctrlPr>
+                                <a:rPr lang="en-US" sz="3200" i="1">
+                                  <a:solidFill>
+                                    <a:srgbClr val="C00000"/>
+                                  </a:solidFill>
+                                  <a:latin typeface="Cambria Math" panose="02040503050406030204" pitchFamily="18" charset="0"/>
+                                </a:rPr>
+                              </m:ctrlPr>
+                            </m:dPr>
+                            <m:e>
+                              <m:sSup>
+                                <m:sSupPr>
+                                  <m:ctrlPr>
+                                    <a:rPr lang="en-US" sz="3200" i="1">
+                                      <a:solidFill>
+                                        <a:srgbClr val="C00000"/>
+                                      </a:solidFill>
+                                      <a:latin typeface="Cambria Math" panose="02040503050406030204" pitchFamily="18" charset="0"/>
+                                    </a:rPr>
+                                  </m:ctrlPr>
+                                </m:sSupPr>
+                                <m:e>
+                                  <m:r>
+                                    <a:rPr lang="en-US" sz="3200" i="1">
+                                      <a:solidFill>
+                                        <a:srgbClr val="C00000"/>
+                                      </a:solidFill>
+                                      <a:latin typeface="Cambria Math" panose="02040503050406030204" pitchFamily="18" charset="0"/>
+                                    </a:rPr>
+                                    <m:t>𝑓</m:t>
+                                  </m:r>
+                                </m:e>
+                                <m:sup>
+                                  <m:r>
+                                    <a:rPr lang="en-US" sz="3200" i="1">
+                                      <a:solidFill>
+                                        <a:srgbClr val="C00000"/>
+                                      </a:solidFill>
+                                      <a:latin typeface="Cambria Math" panose="02040503050406030204" pitchFamily="18" charset="0"/>
+                                    </a:rPr>
+                                    <m:t>′</m:t>
+                                  </m:r>
+                                </m:sup>
+                              </m:sSup>
+                            </m:e>
+                          </m:d>
+                          <m:r>
+                            <a:rPr lang="en-US" sz="3200" i="1">
+                              <a:solidFill>
+                                <a:srgbClr val="C00000"/>
+                              </a:solidFill>
+                              <a:latin typeface="Cambria Math" panose="02040503050406030204" pitchFamily="18" charset="0"/>
+                            </a:rPr>
+                            <m:t>∈</m:t>
+                          </m:r>
+                          <m:r>
+                            <a:rPr lang="en-US" sz="3200" i="1">
+                              <a:solidFill>
+                                <a:srgbClr val="C00000"/>
+                              </a:solidFill>
+                              <a:latin typeface="Cambria Math" panose="02040503050406030204" pitchFamily="18" charset="0"/>
+                            </a:rPr>
+                            <m:t>𝐸</m:t>
+                          </m:r>
+                        </m:e>
+                      </m:d>
+                      <m:r>
+                        <a:rPr lang="en-US" sz="3200" i="1">
+                          <a:solidFill>
+                            <a:srgbClr val="C00000"/>
+                          </a:solidFill>
+                          <a:latin typeface="Cambria Math" panose="02040503050406030204" pitchFamily="18" charset="0"/>
+                        </a:rPr>
+                        <m:t>+</m:t>
+                      </m:r>
+                      <m:r>
+                        <a:rPr lang="en-US" sz="3200" i="1">
+                          <a:solidFill>
+                            <a:srgbClr val="C00000"/>
+                          </a:solidFill>
+                          <a:latin typeface="Cambria Math" panose="02040503050406030204" pitchFamily="18" charset="0"/>
+                        </a:rPr>
+                        <m:t>𝛿</m:t>
+                      </m:r>
+                    </m:oMath>
+                  </m:oMathPara>
+                </a14:m>
+                <a:endParaRPr lang="en-US" sz="3200" i="1" dirty="0"/>
+              </a:p>
+            </p:txBody>
+          </p:sp>
+        </mc:Choice>
+        <mc:Fallback>
+          <p:sp>
+            <p:nvSpPr>
+              <p:cNvPr id="6" name="TextBox 5">
+                <a:extLst>
+                  <a:ext uri="{FF2B5EF4-FFF2-40B4-BE49-F238E27FC236}">
+                    <a16:creationId xmlns:a16="http://schemas.microsoft.com/office/drawing/2014/main" id="{05106110-DC86-2970-71E6-6FD1BE53A9F7}"/>
+                  </a:ext>
+                </a:extLst>
+              </p:cNvPr>
+              <p:cNvSpPr txBox="1">
+                <a:spLocks noRot="1" noChangeAspect="1" noMove="1" noResize="1" noEditPoints="1" noAdjustHandles="1" noChangeArrowheads="1" noChangeShapeType="1" noTextEdit="1"/>
+              </p:cNvSpPr>
+              <p:nvPr/>
+            </p:nvSpPr>
+            <p:spPr>
+              <a:xfrm>
+                <a:off x="2039470" y="3414426"/>
+                <a:ext cx="8113059" cy="584775"/>
+              </a:xfrm>
+              <a:prstGeom prst="rect">
+                <a:avLst/>
+              </a:prstGeom>
+              <a:blipFill>
+                <a:blip r:embed="rId4"/>
+                <a:stretch>
+                  <a:fillRect/>
+                </a:stretch>
+              </a:blipFill>
+            </p:spPr>
+            <p:txBody>
+              <a:bodyPr/>
+              <a:lstStyle/>
+              <a:p>
+                <a:r>
+                  <a:rPr lang="en-US">
+                    <a:noFill/>
+                  </a:rPr>
+                  <a:t> </a:t>
+                </a:r>
+              </a:p>
+            </p:txBody>
+          </p:sp>
+        </mc:Fallback>
+      </mc:AlternateContent>
+    </p:spTree>
+    <p:extLst>
+      <p:ext uri="{BB962C8B-B14F-4D97-AF65-F5344CB8AC3E}">
+        <p14:creationId xmlns:p14="http://schemas.microsoft.com/office/powerpoint/2010/main" val="3954752820"/>
+      </p:ext>
+    </p:extLst>
+  </p:cSld>
+  <p:clrMapOvr>
+    <a:masterClrMapping/>
+  </p:clrMapOvr>
+</p:sld>
+</file>
+
+<file path=ppt/slides/slide27.xml><?xml version="1.0" encoding="utf-8"?>
 <p:sld xmlns:a="http://schemas.openxmlformats.org/drawingml/2006/main" xmlns:r="http://schemas.openxmlformats.org/officeDocument/2006/relationships" xmlns:p="http://schemas.openxmlformats.org/presentationml/2006/main">
   <p:cSld>
     <p:spTree>
@@ -10972,8 +15244,8 @@
           </p:sp>
         </mc:Fallback>
       </mc:AlternateContent>
-      <mc:AlternateContent xmlns:mc="http://schemas.openxmlformats.org/markup-compatibility/2006" xmlns:a14="http://schemas.microsoft.com/office/drawing/2010/main">
-        <mc:Choice Requires="a14">
+      <mc:AlternateContent xmlns:mc="http://schemas.openxmlformats.org/markup-compatibility/2006">
+        <mc:Choice xmlns:a14="http://schemas.microsoft.com/office/drawing/2010/main" Requires="a14">
           <p:sp>
             <p:nvSpPr>
               <p:cNvPr id="6" name="TextBox 5">
@@ -11013,7 +15285,7 @@
                         <m:rPr>
                           <m:sty m:val="p"/>
                         </m:rPr>
-                        <a:rPr lang="en-US" sz="3200" b="0" i="0" smtClean="0">
+                        <a:rPr lang="en-US" sz="3200">
                           <a:solidFill>
                             <a:srgbClr val="C00000"/>
                           </a:solidFill>
@@ -11026,7 +15298,7 @@
                           <m:begChr m:val="["/>
                           <m:endChr m:val="]"/>
                           <m:ctrlPr>
-                            <a:rPr lang="en-US" sz="3200" b="0" i="1" smtClean="0">
+                            <a:rPr lang="en-US" sz="3200" i="1">
                               <a:solidFill>
                                 <a:srgbClr val="C00000"/>
                               </a:solidFill>
@@ -11036,7 +15308,7 @@
                         </m:dPr>
                         <m:e>
                           <m:r>
-                            <a:rPr lang="en-US" sz="3200" b="0" i="1" smtClean="0">
+                            <a:rPr lang="en-US" sz="3200" i="1">
                               <a:solidFill>
                                 <a:srgbClr val="C00000"/>
                               </a:solidFill>
@@ -11047,7 +15319,7 @@
                           <m:d>
                             <m:dPr>
                               <m:ctrlPr>
-                                <a:rPr lang="en-US" sz="3200" b="0" i="1" smtClean="0">
+                                <a:rPr lang="en-US" sz="3200" i="1">
                                   <a:solidFill>
                                     <a:srgbClr val="C00000"/>
                                   </a:solidFill>
@@ -11057,7 +15329,7 @@
                             </m:dPr>
                             <m:e>
                               <m:r>
-                                <a:rPr lang="en-US" sz="3200" b="0" i="1" smtClean="0">
+                                <a:rPr lang="en-US" sz="3200" i="1">
                                   <a:solidFill>
                                     <a:srgbClr val="C00000"/>
                                   </a:solidFill>
@@ -11068,7 +15340,7 @@
                             </m:e>
                           </m:d>
                           <m:r>
-                            <a:rPr lang="en-US" sz="3200" b="0" i="1" smtClean="0">
+                            <a:rPr lang="en-US" sz="3200" i="1">
                               <a:solidFill>
                                 <a:srgbClr val="C00000"/>
                               </a:solidFill>
@@ -11077,7 +15349,7 @@
                             <m:t>∈</m:t>
                           </m:r>
                           <m:r>
-                            <a:rPr lang="en-US" sz="3200" b="0" i="1" smtClean="0">
+                            <a:rPr lang="en-US" sz="3200" i="1">
                               <a:solidFill>
                                 <a:srgbClr val="C00000"/>
                               </a:solidFill>
@@ -11088,7 +15360,7 @@
                         </m:e>
                       </m:d>
                       <m:r>
-                        <a:rPr lang="en-US" sz="3200" b="0" i="1" smtClean="0">
+                        <a:rPr lang="en-US" sz="3200" i="1">
                           <a:solidFill>
                             <a:srgbClr val="C00000"/>
                           </a:solidFill>
@@ -11099,7 +15371,7 @@
                       <m:sSup>
                         <m:sSupPr>
                           <m:ctrlPr>
-                            <a:rPr lang="en-US" sz="3200" b="0" i="1" smtClean="0">
+                            <a:rPr lang="en-US" sz="3200" i="1">
                               <a:solidFill>
                                 <a:srgbClr val="C00000"/>
                               </a:solidFill>
@@ -11109,7 +15381,7 @@
                         </m:sSupPr>
                         <m:e>
                           <m:r>
-                            <a:rPr lang="en-US" sz="3200" b="0" i="1" smtClean="0">
+                            <a:rPr lang="en-US" sz="3200" i="1">
                               <a:solidFill>
                                 <a:srgbClr val="C00000"/>
                               </a:solidFill>
@@ -11120,7 +15392,7 @@
                         </m:e>
                         <m:sup>
                           <m:r>
-                            <a:rPr lang="en-US" sz="3200" b="0" i="1" smtClean="0">
+                            <a:rPr lang="en-US" sz="3200" i="1">
                               <a:solidFill>
                                 <a:srgbClr val="C00000"/>
                               </a:solidFill>
@@ -11131,10 +15403,19 @@
                         </m:sup>
                       </m:sSup>
                       <m:r>
+                        <a:rPr lang="en-US" sz="3200" i="1">
+                          <a:solidFill>
+                            <a:srgbClr val="C00000"/>
+                          </a:solidFill>
+                          <a:latin typeface="Cambria Math" panose="02040503050406030204" pitchFamily="18" charset="0"/>
+                        </a:rPr>
+                        <m:t>⋅</m:t>
+                      </m:r>
+                      <m:r>
                         <m:rPr>
                           <m:sty m:val="p"/>
                         </m:rPr>
-                        <a:rPr lang="en-US" sz="3200" b="0" i="0" smtClean="0">
+                        <a:rPr lang="en-US" sz="3200">
                           <a:solidFill>
                             <a:srgbClr val="C00000"/>
                           </a:solidFill>
@@ -11147,7 +15428,7 @@
                           <m:begChr m:val="["/>
                           <m:endChr m:val="]"/>
                           <m:ctrlPr>
-                            <a:rPr lang="en-US" sz="3200" b="0" i="1" smtClean="0">
+                            <a:rPr lang="en-US" sz="3200" i="1">
                               <a:solidFill>
                                 <a:srgbClr val="C00000"/>
                               </a:solidFill>
@@ -11157,7 +15438,7 @@
                         </m:dPr>
                         <m:e>
                           <m:r>
-                            <a:rPr lang="en-US" sz="3200" b="0" i="1" smtClean="0">
+                            <a:rPr lang="en-US" sz="3200" i="1">
                               <a:solidFill>
                                 <a:srgbClr val="C00000"/>
                               </a:solidFill>
@@ -11168,7 +15449,7 @@
                           <m:d>
                             <m:dPr>
                               <m:ctrlPr>
-                                <a:rPr lang="en-US" sz="3200" b="0" i="1" smtClean="0">
+                                <a:rPr lang="en-US" sz="3200" i="1">
                                   <a:solidFill>
                                     <a:srgbClr val="C00000"/>
                                   </a:solidFill>
@@ -11180,7 +15461,7 @@
                               <m:sSup>
                                 <m:sSupPr>
                                   <m:ctrlPr>
-                                    <a:rPr lang="en-US" sz="3200" b="0" i="1" smtClean="0">
+                                    <a:rPr lang="en-US" sz="3200" i="1">
                                       <a:solidFill>
                                         <a:srgbClr val="C00000"/>
                                       </a:solidFill>
@@ -11190,7 +15471,7 @@
                                 </m:sSupPr>
                                 <m:e>
                                   <m:r>
-                                    <a:rPr lang="en-US" sz="3200" b="0" i="1" smtClean="0">
+                                    <a:rPr lang="en-US" sz="3200" i="1">
                                       <a:solidFill>
                                         <a:srgbClr val="C00000"/>
                                       </a:solidFill>
@@ -11201,7 +15482,7 @@
                                 </m:e>
                                 <m:sup>
                                   <m:r>
-                                    <a:rPr lang="en-US" sz="3200" b="0" i="1" smtClean="0">
+                                    <a:rPr lang="en-US" sz="3200" i="1">
                                       <a:solidFill>
                                         <a:srgbClr val="C00000"/>
                                       </a:solidFill>
@@ -11214,7 +15495,7 @@
                             </m:e>
                           </m:d>
                           <m:r>
-                            <a:rPr lang="en-US" sz="3200" b="0" i="1" smtClean="0">
+                            <a:rPr lang="en-US" sz="3200" i="1">
                               <a:solidFill>
                                 <a:srgbClr val="C00000"/>
                               </a:solidFill>
@@ -11223,7 +15504,7 @@
                             <m:t>∈</m:t>
                           </m:r>
                           <m:r>
-                            <a:rPr lang="en-US" sz="3200" b="0" i="1" smtClean="0">
+                            <a:rPr lang="en-US" sz="3200" i="1">
                               <a:solidFill>
                                 <a:srgbClr val="C00000"/>
                               </a:solidFill>
@@ -11234,7 +15515,7 @@
                         </m:e>
                       </m:d>
                       <m:r>
-                        <a:rPr lang="en-US" sz="3200" b="0" i="1" smtClean="0">
+                        <a:rPr lang="en-US" sz="3200" i="1">
                           <a:solidFill>
                             <a:srgbClr val="C00000"/>
                           </a:solidFill>
@@ -11243,7 +15524,7 @@
                         <m:t>+</m:t>
                       </m:r>
                       <m:r>
-                        <a:rPr lang="en-US" sz="3200" b="0" i="1" smtClean="0">
+                        <a:rPr lang="en-US" sz="3200" i="1">
                           <a:solidFill>
                             <a:srgbClr val="C00000"/>
                           </a:solidFill>
@@ -11259,7 +15540,7 @@
             </p:txBody>
           </p:sp>
         </mc:Choice>
-        <mc:Fallback xmlns="">
+        <mc:Fallback>
           <p:sp>
             <p:nvSpPr>
               <p:cNvPr id="6" name="TextBox 5">
@@ -11778,7 +16059,7 @@
 </p:sld>
 </file>
 
-<file path=ppt/slides/slide3.xml><?xml version="1.0" encoding="utf-8"?>
+<file path=ppt/slides/slide28.xml><?xml version="1.0" encoding="utf-8"?>
 <p:sld xmlns:a="http://schemas.openxmlformats.org/drawingml/2006/main" xmlns:r="http://schemas.openxmlformats.org/officeDocument/2006/relationships" xmlns:p="http://schemas.openxmlformats.org/presentationml/2006/main">
   <p:cSld>
     <p:spTree>
@@ -11800,7 +16081,7 @@
           <p:cNvPr id="2" name="Title 1">
             <a:extLst>
               <a:ext uri="{FF2B5EF4-FFF2-40B4-BE49-F238E27FC236}">
-                <a16:creationId xmlns:a16="http://schemas.microsoft.com/office/drawing/2014/main" id="{FCA5AC62-A5FD-2A5B-018F-859A378AA1D4}"/>
+                <a16:creationId xmlns:a16="http://schemas.microsoft.com/office/drawing/2014/main" id="{B17419AC-DCE6-4371-8DE2-D617E99D653D}"/>
               </a:ext>
             </a:extLst>
           </p:cNvPr>
@@ -11811,12 +16092,7 @@
             <p:ph type="title"/>
           </p:nvPr>
         </p:nvSpPr>
-        <p:spPr>
-          <a:xfrm>
-            <a:off x="838199" y="365125"/>
-            <a:ext cx="10780059" cy="1325563"/>
-          </a:xfrm>
-        </p:spPr>
+        <p:spPr/>
         <p:txBody>
           <a:bodyPr/>
           <a:lstStyle/>
@@ -11827,130 +16103,771 @@
                   <a:srgbClr val="C00000"/>
                 </a:solidFill>
               </a:rPr>
-              <a:t>Presentation Schedule</a:t>
+              <a:t>Differential Privacy</a:t>
             </a:r>
           </a:p>
         </p:txBody>
       </p:sp>
-      <p:sp>
-        <p:nvSpPr>
-          <p:cNvPr id="3" name="Content Placeholder 2">
-            <a:extLst>
-              <a:ext uri="{FF2B5EF4-FFF2-40B4-BE49-F238E27FC236}">
-                <a16:creationId xmlns:a16="http://schemas.microsoft.com/office/drawing/2014/main" id="{76F2126B-4AA6-302B-7E5A-170FFAAB8BD1}"/>
-              </a:ext>
-            </a:extLst>
-          </p:cNvPr>
-          <p:cNvSpPr>
-            <a:spLocks noGrp="1"/>
-          </p:cNvSpPr>
-          <p:nvPr>
-            <p:ph idx="1"/>
-          </p:nvPr>
-        </p:nvSpPr>
-        <p:spPr>
-          <a:xfrm>
-            <a:off x="838200" y="1825624"/>
-            <a:ext cx="10515600" cy="4422775"/>
-          </a:xfrm>
-        </p:spPr>
-        <p:txBody>
-          <a:bodyPr>
-            <a:normAutofit/>
-          </a:bodyPr>
-          <a:lstStyle/>
-          <a:p>
-            <a:pPr>
-              <a:buClr>
-                <a:schemeClr val="tx1"/>
-              </a:buClr>
-            </a:pPr>
-            <a:r>
-              <a:rPr lang="en-US" dirty="0">
-                <a:solidFill>
-                  <a:srgbClr val="00B050"/>
-                </a:solidFill>
-              </a:rPr>
-              <a:t>November 27</a:t>
-            </a:r>
-            <a:r>
-              <a:rPr lang="en-US" dirty="0"/>
-              <a:t>: </a:t>
-            </a:r>
-            <a:r>
-              <a:rPr lang="en-US" dirty="0" err="1"/>
-              <a:t>Chunkai</a:t>
-            </a:r>
-            <a:r>
-              <a:rPr lang="en-US" dirty="0"/>
-              <a:t>, Jung, Galaxy AI</a:t>
-            </a:r>
-          </a:p>
-          <a:p>
-            <a:pPr>
-              <a:buClr>
-                <a:schemeClr val="tx1"/>
-              </a:buClr>
-            </a:pPr>
-            <a:r>
-              <a:rPr lang="en-US" dirty="0">
-                <a:solidFill>
-                  <a:srgbClr val="00B050"/>
-                </a:solidFill>
-              </a:rPr>
-              <a:t>November 29</a:t>
-            </a:r>
-            <a:r>
-              <a:rPr lang="en-US" dirty="0"/>
-              <a:t>: STMI, Anmol, Jason</a:t>
-            </a:r>
-          </a:p>
-          <a:p>
-            <a:pPr>
-              <a:buClr>
-                <a:schemeClr val="tx1"/>
-              </a:buClr>
-            </a:pPr>
-            <a:r>
-              <a:rPr lang="en-US" dirty="0">
-                <a:solidFill>
-                  <a:srgbClr val="00B050"/>
-                </a:solidFill>
-              </a:rPr>
-              <a:t>December 1</a:t>
-            </a:r>
-            <a:r>
-              <a:rPr lang="en-US" dirty="0"/>
-              <a:t>: </a:t>
-            </a:r>
-            <a:r>
-              <a:rPr lang="en-US" dirty="0" err="1"/>
-              <a:t>Bokun</a:t>
-            </a:r>
-            <a:r>
-              <a:rPr lang="en-US" dirty="0"/>
-              <a:t>, Ayesha, </a:t>
-            </a:r>
-            <a:r>
-              <a:rPr lang="en-US" dirty="0" err="1"/>
-              <a:t>Dawei</a:t>
-            </a:r>
-            <a:r>
-              <a:rPr lang="en-US" dirty="0"/>
-              <a:t>, </a:t>
-            </a:r>
-            <a:r>
-              <a:rPr lang="en-US" dirty="0" err="1"/>
-              <a:t>Lipai</a:t>
-            </a:r>
-            <a:endParaRPr lang="en-US" dirty="0"/>
-          </a:p>
-        </p:txBody>
-      </p:sp>
+      <mc:AlternateContent xmlns:mc="http://schemas.openxmlformats.org/markup-compatibility/2006">
+        <mc:Choice xmlns:a14="http://schemas.microsoft.com/office/drawing/2010/main" Requires="a14">
+          <p:sp>
+            <p:nvSpPr>
+              <p:cNvPr id="5" name="Content Placeholder 3">
+                <a:extLst>
+                  <a:ext uri="{FF2B5EF4-FFF2-40B4-BE49-F238E27FC236}">
+                    <a16:creationId xmlns:a16="http://schemas.microsoft.com/office/drawing/2014/main" id="{46EDD9D9-1338-4BC5-9D28-964A84C143C2}"/>
+                  </a:ext>
+                </a:extLst>
+              </p:cNvPr>
+              <p:cNvSpPr>
+                <a:spLocks noGrp="1"/>
+              </p:cNvSpPr>
+              <p:nvPr>
+                <p:ph idx="1"/>
+              </p:nvPr>
+            </p:nvSpPr>
+            <p:spPr>
+              <a:xfrm>
+                <a:off x="838200" y="1825624"/>
+                <a:ext cx="10242755" cy="1325563"/>
+              </a:xfrm>
+            </p:spPr>
+            <p:txBody>
+              <a:bodyPr>
+                <a:noAutofit/>
+              </a:bodyPr>
+              <a:lstStyle/>
+              <a:p>
+                <a:pPr>
+                  <a:buClr>
+                    <a:schemeClr val="tx1"/>
+                  </a:buClr>
+                </a:pPr>
+                <a:r>
+                  <a:rPr lang="en-US" sz="3200" dirty="0">
+                    <a:solidFill>
+                      <a:srgbClr val="7030A0"/>
+                    </a:solidFill>
+                  </a:rPr>
+                  <a:t>[DMNS06]</a:t>
+                </a:r>
+                <a:r>
+                  <a:rPr lang="en-US" sz="3200" dirty="0"/>
+                  <a:t> Given </a:t>
+                </a:r>
+                <a14:m>
+                  <m:oMath xmlns:m="http://schemas.openxmlformats.org/officeDocument/2006/math">
+                    <m:r>
+                      <a:rPr lang="en-US" sz="3200" i="1">
+                        <a:solidFill>
+                          <a:srgbClr val="C00000"/>
+                        </a:solidFill>
+                        <a:latin typeface="Cambria Math" panose="02040503050406030204" pitchFamily="18" charset="0"/>
+                      </a:rPr>
+                      <m:t>𝜀</m:t>
+                    </m:r>
+                    <m:r>
+                      <a:rPr lang="en-US" sz="3200" i="1">
+                        <a:solidFill>
+                          <a:srgbClr val="C00000"/>
+                        </a:solidFill>
+                        <a:latin typeface="Cambria Math" panose="02040503050406030204" pitchFamily="18" charset="0"/>
+                      </a:rPr>
+                      <m:t>&gt;0 </m:t>
+                    </m:r>
+                  </m:oMath>
+                </a14:m>
+                <a:r>
+                  <a:rPr lang="en-US" sz="3200" dirty="0"/>
+                  <a:t>and </a:t>
+                </a:r>
+                <a14:m>
+                  <m:oMath xmlns:m="http://schemas.openxmlformats.org/officeDocument/2006/math">
+                    <m:r>
+                      <a:rPr lang="en-US" sz="3200" i="1">
+                        <a:solidFill>
+                          <a:srgbClr val="C00000"/>
+                        </a:solidFill>
+                        <a:latin typeface="Cambria Math" panose="02040503050406030204" pitchFamily="18" charset="0"/>
+                      </a:rPr>
+                      <m:t>𝛿</m:t>
+                    </m:r>
+                    <m:r>
+                      <a:rPr lang="en-US" sz="3200" i="1">
+                        <a:solidFill>
+                          <a:srgbClr val="C00000"/>
+                        </a:solidFill>
+                        <a:latin typeface="Cambria Math" panose="02040503050406030204" pitchFamily="18" charset="0"/>
+                      </a:rPr>
+                      <m:t>∈</m:t>
+                    </m:r>
+                    <m:d>
+                      <m:dPr>
+                        <m:ctrlPr>
+                          <a:rPr lang="en-US" sz="3200" i="1">
+                            <a:solidFill>
+                              <a:srgbClr val="C00000"/>
+                            </a:solidFill>
+                            <a:latin typeface="Cambria Math" panose="02040503050406030204" pitchFamily="18" charset="0"/>
+                          </a:rPr>
+                        </m:ctrlPr>
+                      </m:dPr>
+                      <m:e>
+                        <m:r>
+                          <a:rPr lang="en-US" sz="3200" i="1">
+                            <a:solidFill>
+                              <a:srgbClr val="C00000"/>
+                            </a:solidFill>
+                            <a:latin typeface="Cambria Math" panose="02040503050406030204" pitchFamily="18" charset="0"/>
+                          </a:rPr>
+                          <m:t>0,1</m:t>
+                        </m:r>
+                      </m:e>
+                    </m:d>
+                  </m:oMath>
+                </a14:m>
+                <a:r>
+                  <a:rPr lang="en-US" sz="3200" dirty="0"/>
+                  <a:t>, a randomized algorithm </a:t>
+                </a:r>
+                <a14:m>
+                  <m:oMath xmlns:m="http://schemas.openxmlformats.org/officeDocument/2006/math">
+                    <m:r>
+                      <a:rPr lang="en-US" sz="3200" i="1">
+                        <a:solidFill>
+                          <a:srgbClr val="C00000"/>
+                        </a:solidFill>
+                        <a:latin typeface="Cambria Math" panose="02040503050406030204" pitchFamily="18" charset="0"/>
+                      </a:rPr>
+                      <m:t>𝐴</m:t>
+                    </m:r>
+                    <m:r>
+                      <a:rPr lang="en-US" sz="3200" i="1">
+                        <a:solidFill>
+                          <a:srgbClr val="C00000"/>
+                        </a:solidFill>
+                        <a:latin typeface="Cambria Math" panose="02040503050406030204" pitchFamily="18" charset="0"/>
+                      </a:rPr>
+                      <m:t>:</m:t>
+                    </m:r>
+                    <m:sSup>
+                      <m:sSupPr>
+                        <m:ctrlPr>
+                          <a:rPr lang="en-US" sz="3200" i="1">
+                            <a:solidFill>
+                              <a:srgbClr val="C00000"/>
+                            </a:solidFill>
+                            <a:latin typeface="Cambria Math" panose="02040503050406030204" pitchFamily="18" charset="0"/>
+                          </a:rPr>
+                        </m:ctrlPr>
+                      </m:sSupPr>
+                      <m:e>
+                        <m:r>
+                          <a:rPr lang="en-US" sz="3200" i="1">
+                            <a:solidFill>
+                              <a:srgbClr val="C00000"/>
+                            </a:solidFill>
+                            <a:latin typeface="Cambria Math" panose="02040503050406030204" pitchFamily="18" charset="0"/>
+                          </a:rPr>
+                          <m:t>𝑈</m:t>
+                        </m:r>
+                      </m:e>
+                      <m:sup>
+                        <m:r>
+                          <a:rPr lang="en-US" sz="3200" i="1">
+                            <a:solidFill>
+                              <a:srgbClr val="C00000"/>
+                            </a:solidFill>
+                            <a:latin typeface="Cambria Math" panose="02040503050406030204" pitchFamily="18" charset="0"/>
+                          </a:rPr>
+                          <m:t>∗</m:t>
+                        </m:r>
+                      </m:sup>
+                    </m:sSup>
+                    <m:r>
+                      <a:rPr lang="en-US" sz="3200" i="1">
+                        <a:solidFill>
+                          <a:srgbClr val="C00000"/>
+                        </a:solidFill>
+                        <a:latin typeface="Cambria Math" panose="02040503050406030204" pitchFamily="18" charset="0"/>
+                      </a:rPr>
+                      <m:t>→</m:t>
+                    </m:r>
+                    <m:r>
+                      <a:rPr lang="en-US" sz="3200" i="1">
+                        <a:solidFill>
+                          <a:srgbClr val="C00000"/>
+                        </a:solidFill>
+                        <a:latin typeface="Cambria Math" panose="02040503050406030204" pitchFamily="18" charset="0"/>
+                      </a:rPr>
+                      <m:t>𝑌</m:t>
+                    </m:r>
+                  </m:oMath>
+                </a14:m>
+                <a:r>
+                  <a:rPr lang="en-US" sz="3200" dirty="0"/>
+                  <a:t> is </a:t>
+                </a:r>
+                <a14:m>
+                  <m:oMath xmlns:m="http://schemas.openxmlformats.org/officeDocument/2006/math">
+                    <m:r>
+                      <a:rPr lang="en-US" sz="3200" i="1">
+                        <a:solidFill>
+                          <a:srgbClr val="C00000"/>
+                        </a:solidFill>
+                        <a:latin typeface="Cambria Math" panose="02040503050406030204" pitchFamily="18" charset="0"/>
+                      </a:rPr>
+                      <m:t>(</m:t>
+                    </m:r>
+                    <m:r>
+                      <a:rPr lang="en-US" sz="3200" i="1">
+                        <a:solidFill>
+                          <a:srgbClr val="C00000"/>
+                        </a:solidFill>
+                        <a:latin typeface="Cambria Math" panose="02040503050406030204" pitchFamily="18" charset="0"/>
+                      </a:rPr>
+                      <m:t>𝜀</m:t>
+                    </m:r>
+                    <m:r>
+                      <a:rPr lang="en-US" sz="3200" i="1">
+                        <a:solidFill>
+                          <a:srgbClr val="C00000"/>
+                        </a:solidFill>
+                        <a:latin typeface="Cambria Math" panose="02040503050406030204" pitchFamily="18" charset="0"/>
+                      </a:rPr>
+                      <m:t>,</m:t>
+                    </m:r>
+                    <m:r>
+                      <a:rPr lang="en-US" sz="3200" i="1">
+                        <a:solidFill>
+                          <a:srgbClr val="C00000"/>
+                        </a:solidFill>
+                        <a:latin typeface="Cambria Math" panose="02040503050406030204" pitchFamily="18" charset="0"/>
+                      </a:rPr>
+                      <m:t>𝛿</m:t>
+                    </m:r>
+                    <m:r>
+                      <a:rPr lang="en-US" sz="3200" i="1">
+                        <a:solidFill>
+                          <a:srgbClr val="C00000"/>
+                        </a:solidFill>
+                        <a:latin typeface="Cambria Math" panose="02040503050406030204" pitchFamily="18" charset="0"/>
+                      </a:rPr>
+                      <m:t>)</m:t>
+                    </m:r>
+                  </m:oMath>
+                </a14:m>
+                <a:r>
+                  <a:rPr lang="en-US" sz="3200" dirty="0"/>
+                  <a:t>-differentially private if, for every neighboring frequency vectors </a:t>
+                </a:r>
+                <a14:m>
+                  <m:oMath xmlns:m="http://schemas.openxmlformats.org/officeDocument/2006/math">
+                    <m:r>
+                      <a:rPr lang="en-US" sz="3200" i="1">
+                        <a:solidFill>
+                          <a:srgbClr val="C00000"/>
+                        </a:solidFill>
+                        <a:latin typeface="Cambria Math" panose="02040503050406030204" pitchFamily="18" charset="0"/>
+                      </a:rPr>
+                      <m:t>𝑓</m:t>
+                    </m:r>
+                  </m:oMath>
+                </a14:m>
+                <a:r>
+                  <a:rPr lang="en-US" sz="3200" dirty="0"/>
+                  <a:t> and </a:t>
+                </a:r>
+                <a14:m>
+                  <m:oMath xmlns:m="http://schemas.openxmlformats.org/officeDocument/2006/math">
+                    <m:r>
+                      <a:rPr lang="en-US" sz="3200" i="1">
+                        <a:solidFill>
+                          <a:srgbClr val="C00000"/>
+                        </a:solidFill>
+                        <a:latin typeface="Cambria Math" panose="02040503050406030204" pitchFamily="18" charset="0"/>
+                      </a:rPr>
+                      <m:t>𝑓</m:t>
+                    </m:r>
+                    <m:r>
+                      <a:rPr lang="en-US" sz="3200">
+                        <a:solidFill>
+                          <a:srgbClr val="C00000"/>
+                        </a:solidFill>
+                        <a:latin typeface="Cambria Math" panose="02040503050406030204" pitchFamily="18" charset="0"/>
+                      </a:rPr>
+                      <m:t>′</m:t>
+                    </m:r>
+                  </m:oMath>
+                </a14:m>
+                <a:r>
+                  <a:rPr lang="en-US" sz="3200" dirty="0"/>
+                  <a:t> and for all </a:t>
+                </a:r>
+                <a14:m>
+                  <m:oMath xmlns:m="http://schemas.openxmlformats.org/officeDocument/2006/math">
+                    <m:r>
+                      <a:rPr lang="en-US" sz="3200" i="1">
+                        <a:solidFill>
+                          <a:srgbClr val="C00000"/>
+                        </a:solidFill>
+                        <a:latin typeface="Cambria Math" panose="02040503050406030204" pitchFamily="18" charset="0"/>
+                      </a:rPr>
+                      <m:t>𝐸</m:t>
+                    </m:r>
+                    <m:r>
+                      <a:rPr lang="en-US" sz="3200" i="1">
+                        <a:solidFill>
+                          <a:srgbClr val="C00000"/>
+                        </a:solidFill>
+                        <a:latin typeface="Cambria Math" panose="02040503050406030204" pitchFamily="18" charset="0"/>
+                      </a:rPr>
+                      <m:t>⊆</m:t>
+                    </m:r>
+                    <m:r>
+                      <a:rPr lang="en-US" sz="3200" i="1">
+                        <a:solidFill>
+                          <a:srgbClr val="C00000"/>
+                        </a:solidFill>
+                        <a:latin typeface="Cambria Math" panose="02040503050406030204" pitchFamily="18" charset="0"/>
+                      </a:rPr>
+                      <m:t>𝑌</m:t>
+                    </m:r>
+                  </m:oMath>
+                </a14:m>
+                <a:r>
+                  <a:rPr lang="en-US" sz="3200" dirty="0"/>
+                  <a:t>,</a:t>
+                </a:r>
+              </a:p>
+              <a:p>
+                <a:pPr marL="0" indent="0">
+                  <a:buClr>
+                    <a:schemeClr val="tx1"/>
+                  </a:buClr>
+                  <a:buNone/>
+                </a:pPr>
+                <a:endParaRPr lang="en-US" sz="3200" dirty="0"/>
+              </a:p>
+              <a:p>
+                <a:pPr>
+                  <a:buClr>
+                    <a:schemeClr val="tx1"/>
+                  </a:buClr>
+                </a:pPr>
+                <a:endParaRPr lang="en-US" sz="3200" dirty="0"/>
+              </a:p>
+              <a:p>
+                <a:pPr>
+                  <a:buClr>
+                    <a:schemeClr val="tx1"/>
+                  </a:buClr>
+                </a:pPr>
+                <a:r>
+                  <a:rPr lang="en-US" sz="3200" dirty="0">
+                    <a:solidFill>
+                      <a:srgbClr val="00B050"/>
+                    </a:solidFill>
+                  </a:rPr>
+                  <a:t>Implication</a:t>
+                </a:r>
+                <a:r>
+                  <a:rPr lang="en-US" sz="3200" dirty="0"/>
+                  <a:t>: Deterministic algorithms cannot be differentially private unless they are a constant function</a:t>
+                </a:r>
+              </a:p>
+            </p:txBody>
+          </p:sp>
+        </mc:Choice>
+        <mc:Fallback>
+          <p:sp>
+            <p:nvSpPr>
+              <p:cNvPr id="5" name="Content Placeholder 3">
+                <a:extLst>
+                  <a:ext uri="{FF2B5EF4-FFF2-40B4-BE49-F238E27FC236}">
+                    <a16:creationId xmlns:a16="http://schemas.microsoft.com/office/drawing/2014/main" id="{46EDD9D9-1338-4BC5-9D28-964A84C143C2}"/>
+                  </a:ext>
+                </a:extLst>
+              </p:cNvPr>
+              <p:cNvSpPr>
+                <a:spLocks noGrp="1" noRot="1" noChangeAspect="1" noMove="1" noResize="1" noEditPoints="1" noAdjustHandles="1" noChangeArrowheads="1" noChangeShapeType="1" noTextEdit="1"/>
+              </p:cNvSpPr>
+              <p:nvPr>
+                <p:ph idx="1"/>
+              </p:nvPr>
+            </p:nvSpPr>
+            <p:spPr>
+              <a:xfrm>
+                <a:off x="838200" y="1825624"/>
+                <a:ext cx="10242755" cy="1325563"/>
+              </a:xfrm>
+              <a:blipFill>
+                <a:blip r:embed="rId3"/>
+                <a:stretch>
+                  <a:fillRect l="-1369" t="-9174" b="-215138"/>
+                </a:stretch>
+              </a:blipFill>
+            </p:spPr>
+            <p:txBody>
+              <a:bodyPr/>
+              <a:lstStyle/>
+              <a:p>
+                <a:r>
+                  <a:rPr lang="en-US">
+                    <a:noFill/>
+                  </a:rPr>
+                  <a:t> </a:t>
+                </a:r>
+              </a:p>
+            </p:txBody>
+          </p:sp>
+        </mc:Fallback>
+      </mc:AlternateContent>
+      <mc:AlternateContent xmlns:mc="http://schemas.openxmlformats.org/markup-compatibility/2006">
+        <mc:Choice xmlns:a14="http://schemas.microsoft.com/office/drawing/2010/main" Requires="a14">
+          <p:sp>
+            <p:nvSpPr>
+              <p:cNvPr id="6" name="TextBox 5">
+                <a:extLst>
+                  <a:ext uri="{FF2B5EF4-FFF2-40B4-BE49-F238E27FC236}">
+                    <a16:creationId xmlns:a16="http://schemas.microsoft.com/office/drawing/2014/main" id="{05106110-DC86-2970-71E6-6FD1BE53A9F7}"/>
+                  </a:ext>
+                </a:extLst>
+              </p:cNvPr>
+              <p:cNvSpPr txBox="1"/>
+              <p:nvPr/>
+            </p:nvSpPr>
+            <p:spPr>
+              <a:xfrm>
+                <a:off x="2039470" y="3414426"/>
+                <a:ext cx="8113059" cy="584775"/>
+              </a:xfrm>
+              <a:prstGeom prst="rect">
+                <a:avLst/>
+              </a:prstGeom>
+              <a:noFill/>
+            </p:spPr>
+            <p:txBody>
+              <a:bodyPr wrap="square">
+                <a:spAutoFit/>
+              </a:bodyPr>
+              <a:lstStyle/>
+              <a:p>
+                <a:pPr/>
+                <a14:m>
+                  <m:oMathPara xmlns:m="http://schemas.openxmlformats.org/officeDocument/2006/math">
+                    <m:oMathParaPr>
+                      <m:jc m:val="centerGroup"/>
+                    </m:oMathParaPr>
+                    <m:oMath xmlns:m="http://schemas.openxmlformats.org/officeDocument/2006/math">
+                      <m:r>
+                        <m:rPr>
+                          <m:sty m:val="p"/>
+                        </m:rPr>
+                        <a:rPr lang="en-US" sz="3200">
+                          <a:solidFill>
+                            <a:srgbClr val="C00000"/>
+                          </a:solidFill>
+                          <a:latin typeface="Cambria Math" panose="02040503050406030204" pitchFamily="18" charset="0"/>
+                        </a:rPr>
+                        <m:t>Pr</m:t>
+                      </m:r>
+                      <m:d>
+                        <m:dPr>
+                          <m:begChr m:val="["/>
+                          <m:endChr m:val="]"/>
+                          <m:ctrlPr>
+                            <a:rPr lang="en-US" sz="3200" i="1">
+                              <a:solidFill>
+                                <a:srgbClr val="C00000"/>
+                              </a:solidFill>
+                              <a:latin typeface="Cambria Math" panose="02040503050406030204" pitchFamily="18" charset="0"/>
+                            </a:rPr>
+                          </m:ctrlPr>
+                        </m:dPr>
+                        <m:e>
+                          <m:r>
+                            <a:rPr lang="en-US" sz="3200" i="1">
+                              <a:solidFill>
+                                <a:srgbClr val="C00000"/>
+                              </a:solidFill>
+                              <a:latin typeface="Cambria Math" panose="02040503050406030204" pitchFamily="18" charset="0"/>
+                            </a:rPr>
+                            <m:t>𝐴</m:t>
+                          </m:r>
+                          <m:d>
+                            <m:dPr>
+                              <m:ctrlPr>
+                                <a:rPr lang="en-US" sz="3200" i="1">
+                                  <a:solidFill>
+                                    <a:srgbClr val="C00000"/>
+                                  </a:solidFill>
+                                  <a:latin typeface="Cambria Math" panose="02040503050406030204" pitchFamily="18" charset="0"/>
+                                </a:rPr>
+                              </m:ctrlPr>
+                            </m:dPr>
+                            <m:e>
+                              <m:r>
+                                <a:rPr lang="en-US" sz="3200" i="1">
+                                  <a:solidFill>
+                                    <a:srgbClr val="C00000"/>
+                                  </a:solidFill>
+                                  <a:latin typeface="Cambria Math" panose="02040503050406030204" pitchFamily="18" charset="0"/>
+                                </a:rPr>
+                                <m:t>𝑓</m:t>
+                              </m:r>
+                            </m:e>
+                          </m:d>
+                          <m:r>
+                            <a:rPr lang="en-US" sz="3200" i="1">
+                              <a:solidFill>
+                                <a:srgbClr val="C00000"/>
+                              </a:solidFill>
+                              <a:latin typeface="Cambria Math" panose="02040503050406030204" pitchFamily="18" charset="0"/>
+                            </a:rPr>
+                            <m:t>∈</m:t>
+                          </m:r>
+                          <m:r>
+                            <a:rPr lang="en-US" sz="3200" i="1">
+                              <a:solidFill>
+                                <a:srgbClr val="C00000"/>
+                              </a:solidFill>
+                              <a:latin typeface="Cambria Math" panose="02040503050406030204" pitchFamily="18" charset="0"/>
+                            </a:rPr>
+                            <m:t>𝐸</m:t>
+                          </m:r>
+                        </m:e>
+                      </m:d>
+                      <m:r>
+                        <a:rPr lang="en-US" sz="3200" i="1">
+                          <a:solidFill>
+                            <a:srgbClr val="C00000"/>
+                          </a:solidFill>
+                          <a:latin typeface="Cambria Math" panose="02040503050406030204" pitchFamily="18" charset="0"/>
+                        </a:rPr>
+                        <m:t>≤</m:t>
+                      </m:r>
+                      <m:sSup>
+                        <m:sSupPr>
+                          <m:ctrlPr>
+                            <a:rPr lang="en-US" sz="3200" i="1">
+                              <a:solidFill>
+                                <a:srgbClr val="C00000"/>
+                              </a:solidFill>
+                              <a:latin typeface="Cambria Math" panose="02040503050406030204" pitchFamily="18" charset="0"/>
+                            </a:rPr>
+                          </m:ctrlPr>
+                        </m:sSupPr>
+                        <m:e>
+                          <m:r>
+                            <a:rPr lang="en-US" sz="3200" i="1">
+                              <a:solidFill>
+                                <a:srgbClr val="C00000"/>
+                              </a:solidFill>
+                              <a:latin typeface="Cambria Math" panose="02040503050406030204" pitchFamily="18" charset="0"/>
+                            </a:rPr>
+                            <m:t>𝑒</m:t>
+                          </m:r>
+                        </m:e>
+                        <m:sup>
+                          <m:r>
+                            <a:rPr lang="en-US" sz="3200" i="1">
+                              <a:solidFill>
+                                <a:srgbClr val="C00000"/>
+                              </a:solidFill>
+                              <a:latin typeface="Cambria Math" panose="02040503050406030204" pitchFamily="18" charset="0"/>
+                            </a:rPr>
+                            <m:t>𝜀</m:t>
+                          </m:r>
+                        </m:sup>
+                      </m:sSup>
+                      <m:r>
+                        <a:rPr lang="en-US" sz="3200" i="1">
+                          <a:solidFill>
+                            <a:srgbClr val="C00000"/>
+                          </a:solidFill>
+                          <a:latin typeface="Cambria Math" panose="02040503050406030204" pitchFamily="18" charset="0"/>
+                        </a:rPr>
+                        <m:t>⋅</m:t>
+                      </m:r>
+                      <m:r>
+                        <m:rPr>
+                          <m:sty m:val="p"/>
+                        </m:rPr>
+                        <a:rPr lang="en-US" sz="3200">
+                          <a:solidFill>
+                            <a:srgbClr val="C00000"/>
+                          </a:solidFill>
+                          <a:latin typeface="Cambria Math" panose="02040503050406030204" pitchFamily="18" charset="0"/>
+                        </a:rPr>
+                        <m:t>Pr</m:t>
+                      </m:r>
+                      <m:d>
+                        <m:dPr>
+                          <m:begChr m:val="["/>
+                          <m:endChr m:val="]"/>
+                          <m:ctrlPr>
+                            <a:rPr lang="en-US" sz="3200" i="1">
+                              <a:solidFill>
+                                <a:srgbClr val="C00000"/>
+                              </a:solidFill>
+                              <a:latin typeface="Cambria Math" panose="02040503050406030204" pitchFamily="18" charset="0"/>
+                            </a:rPr>
+                          </m:ctrlPr>
+                        </m:dPr>
+                        <m:e>
+                          <m:r>
+                            <a:rPr lang="en-US" sz="3200" i="1">
+                              <a:solidFill>
+                                <a:srgbClr val="C00000"/>
+                              </a:solidFill>
+                              <a:latin typeface="Cambria Math" panose="02040503050406030204" pitchFamily="18" charset="0"/>
+                            </a:rPr>
+                            <m:t>𝐴</m:t>
+                          </m:r>
+                          <m:d>
+                            <m:dPr>
+                              <m:ctrlPr>
+                                <a:rPr lang="en-US" sz="3200" i="1">
+                                  <a:solidFill>
+                                    <a:srgbClr val="C00000"/>
+                                  </a:solidFill>
+                                  <a:latin typeface="Cambria Math" panose="02040503050406030204" pitchFamily="18" charset="0"/>
+                                </a:rPr>
+                              </m:ctrlPr>
+                            </m:dPr>
+                            <m:e>
+                              <m:sSup>
+                                <m:sSupPr>
+                                  <m:ctrlPr>
+                                    <a:rPr lang="en-US" sz="3200" i="1">
+                                      <a:solidFill>
+                                        <a:srgbClr val="C00000"/>
+                                      </a:solidFill>
+                                      <a:latin typeface="Cambria Math" panose="02040503050406030204" pitchFamily="18" charset="0"/>
+                                    </a:rPr>
+                                  </m:ctrlPr>
+                                </m:sSupPr>
+                                <m:e>
+                                  <m:r>
+                                    <a:rPr lang="en-US" sz="3200" i="1">
+                                      <a:solidFill>
+                                        <a:srgbClr val="C00000"/>
+                                      </a:solidFill>
+                                      <a:latin typeface="Cambria Math" panose="02040503050406030204" pitchFamily="18" charset="0"/>
+                                    </a:rPr>
+                                    <m:t>𝑓</m:t>
+                                  </m:r>
+                                </m:e>
+                                <m:sup>
+                                  <m:r>
+                                    <a:rPr lang="en-US" sz="3200" i="1">
+                                      <a:solidFill>
+                                        <a:srgbClr val="C00000"/>
+                                      </a:solidFill>
+                                      <a:latin typeface="Cambria Math" panose="02040503050406030204" pitchFamily="18" charset="0"/>
+                                    </a:rPr>
+                                    <m:t>′</m:t>
+                                  </m:r>
+                                </m:sup>
+                              </m:sSup>
+                            </m:e>
+                          </m:d>
+                          <m:r>
+                            <a:rPr lang="en-US" sz="3200" i="1">
+                              <a:solidFill>
+                                <a:srgbClr val="C00000"/>
+                              </a:solidFill>
+                              <a:latin typeface="Cambria Math" panose="02040503050406030204" pitchFamily="18" charset="0"/>
+                            </a:rPr>
+                            <m:t>∈</m:t>
+                          </m:r>
+                          <m:r>
+                            <a:rPr lang="en-US" sz="3200" i="1">
+                              <a:solidFill>
+                                <a:srgbClr val="C00000"/>
+                              </a:solidFill>
+                              <a:latin typeface="Cambria Math" panose="02040503050406030204" pitchFamily="18" charset="0"/>
+                            </a:rPr>
+                            <m:t>𝐸</m:t>
+                          </m:r>
+                        </m:e>
+                      </m:d>
+                      <m:r>
+                        <a:rPr lang="en-US" sz="3200" i="1">
+                          <a:solidFill>
+                            <a:srgbClr val="C00000"/>
+                          </a:solidFill>
+                          <a:latin typeface="Cambria Math" panose="02040503050406030204" pitchFamily="18" charset="0"/>
+                        </a:rPr>
+                        <m:t>+</m:t>
+                      </m:r>
+                      <m:r>
+                        <a:rPr lang="en-US" sz="3200" i="1">
+                          <a:solidFill>
+                            <a:srgbClr val="C00000"/>
+                          </a:solidFill>
+                          <a:latin typeface="Cambria Math" panose="02040503050406030204" pitchFamily="18" charset="0"/>
+                        </a:rPr>
+                        <m:t>𝛿</m:t>
+                      </m:r>
+                    </m:oMath>
+                  </m:oMathPara>
+                </a14:m>
+                <a:endParaRPr lang="en-US" sz="3200" i="1" dirty="0"/>
+              </a:p>
+            </p:txBody>
+          </p:sp>
+        </mc:Choice>
+        <mc:Fallback>
+          <p:sp>
+            <p:nvSpPr>
+              <p:cNvPr id="6" name="TextBox 5">
+                <a:extLst>
+                  <a:ext uri="{FF2B5EF4-FFF2-40B4-BE49-F238E27FC236}">
+                    <a16:creationId xmlns:a16="http://schemas.microsoft.com/office/drawing/2014/main" id="{05106110-DC86-2970-71E6-6FD1BE53A9F7}"/>
+                  </a:ext>
+                </a:extLst>
+              </p:cNvPr>
+              <p:cNvSpPr txBox="1">
+                <a:spLocks noRot="1" noChangeAspect="1" noMove="1" noResize="1" noEditPoints="1" noAdjustHandles="1" noChangeArrowheads="1" noChangeShapeType="1" noTextEdit="1"/>
+              </p:cNvSpPr>
+              <p:nvPr/>
+            </p:nvSpPr>
+            <p:spPr>
+              <a:xfrm>
+                <a:off x="2039470" y="3414426"/>
+                <a:ext cx="8113059" cy="584775"/>
+              </a:xfrm>
+              <a:prstGeom prst="rect">
+                <a:avLst/>
+              </a:prstGeom>
+              <a:blipFill>
+                <a:blip r:embed="rId4"/>
+                <a:stretch>
+                  <a:fillRect/>
+                </a:stretch>
+              </a:blipFill>
+            </p:spPr>
+            <p:txBody>
+              <a:bodyPr/>
+              <a:lstStyle/>
+              <a:p>
+                <a:r>
+                  <a:rPr lang="en-US">
+                    <a:noFill/>
+                  </a:rPr>
+                  <a:t> </a:t>
+                </a:r>
+              </a:p>
+            </p:txBody>
+          </p:sp>
+        </mc:Fallback>
+      </mc:AlternateContent>
     </p:spTree>
     <p:extLst>
       <p:ext uri="{BB962C8B-B14F-4D97-AF65-F5344CB8AC3E}">
-        <p14:creationId xmlns:p14="http://schemas.microsoft.com/office/powerpoint/2010/main" val="3156464587"/>
+        <p14:creationId xmlns:p14="http://schemas.microsoft.com/office/powerpoint/2010/main" val="1469821787"/>
       </p:ext>
     </p:extLst>
   </p:cSld>
@@ -11960,7 +16877,7 @@
 </p:sld>
 </file>
 
-<file path=ppt/slides/slide4.xml><?xml version="1.0" encoding="utf-8"?>
+<file path=ppt/slides/slide3.xml><?xml version="1.0" encoding="utf-8"?>
 <p:sld xmlns:a="http://schemas.openxmlformats.org/drawingml/2006/main" xmlns:r="http://schemas.openxmlformats.org/officeDocument/2006/relationships" xmlns:p="http://schemas.openxmlformats.org/presentationml/2006/main">
   <p:cSld>
     <p:spTree>
@@ -12151,7 +17068,7 @@
 </p:sld>
 </file>
 
-<file path=ppt/slides/slide5.xml><?xml version="1.0" encoding="utf-8"?>
+<file path=ppt/slides/slide4.xml><?xml version="1.0" encoding="utf-8"?>
 <p:sld xmlns:a="http://schemas.openxmlformats.org/drawingml/2006/main" xmlns:r="http://schemas.openxmlformats.org/officeDocument/2006/relationships" xmlns:p="http://schemas.openxmlformats.org/presentationml/2006/main">
   <p:cSld>
     <p:spTree>
@@ -12482,7 +17399,7 @@
 </p:sld>
 </file>
 
-<file path=ppt/slides/slide6.xml><?xml version="1.0" encoding="utf-8"?>
+<file path=ppt/slides/slide5.xml><?xml version="1.0" encoding="utf-8"?>
 <p:sld xmlns:a="http://schemas.openxmlformats.org/drawingml/2006/main" xmlns:r="http://schemas.openxmlformats.org/officeDocument/2006/relationships" xmlns:p="http://schemas.openxmlformats.org/presentationml/2006/main">
   <p:cSld>
     <p:spTree>
@@ -12834,7 +17751,7 @@
 </p:sld>
 </file>
 
-<file path=ppt/slides/slide7.xml><?xml version="1.0" encoding="utf-8"?>
+<file path=ppt/slides/slide6.xml><?xml version="1.0" encoding="utf-8"?>
 <p:sld xmlns:a="http://schemas.openxmlformats.org/drawingml/2006/main" xmlns:r="http://schemas.openxmlformats.org/officeDocument/2006/relationships" xmlns:p="http://schemas.openxmlformats.org/presentationml/2006/main">
   <p:cSld>
     <p:spTree>
@@ -13368,7 +18285,7 @@
 </p:sld>
 </file>
 
-<file path=ppt/slides/slide8.xml><?xml version="1.0" encoding="utf-8"?>
+<file path=ppt/slides/slide7.xml><?xml version="1.0" encoding="utf-8"?>
 <p:sld xmlns:a="http://schemas.openxmlformats.org/drawingml/2006/main" xmlns:r="http://schemas.openxmlformats.org/officeDocument/2006/relationships" xmlns:p="http://schemas.openxmlformats.org/presentationml/2006/main">
   <p:cSld>
     <p:spTree>
@@ -14391,7 +19308,7 @@
 </p:sld>
 </file>
 
-<file path=ppt/slides/slide9.xml><?xml version="1.0" encoding="utf-8"?>
+<file path=ppt/slides/slide8.xml><?xml version="1.0" encoding="utf-8"?>
 <p:sld xmlns:a="http://schemas.openxmlformats.org/drawingml/2006/main" xmlns:r="http://schemas.openxmlformats.org/officeDocument/2006/relationships" xmlns:p="http://schemas.openxmlformats.org/presentationml/2006/main">
   <p:cSld>
     <p:spTree>
@@ -15138,6 +20055,98 @@
 </p:sld>
 </file>
 
+<file path=ppt/slides/slide9.xml><?xml version="1.0" encoding="utf-8"?>
+<p:sld xmlns:a="http://schemas.openxmlformats.org/drawingml/2006/main" xmlns:r="http://schemas.openxmlformats.org/officeDocument/2006/relationships" xmlns:p="http://schemas.openxmlformats.org/presentationml/2006/main">
+  <p:cSld>
+    <p:spTree>
+      <p:nvGrpSpPr>
+        <p:cNvPr id="1" name=""/>
+        <p:cNvGrpSpPr/>
+        <p:nvPr/>
+      </p:nvGrpSpPr>
+      <p:grpSpPr>
+        <a:xfrm>
+          <a:off x="0" y="0"/>
+          <a:ext cx="0" cy="0"/>
+          <a:chOff x="0" y="0"/>
+          <a:chExt cx="0" cy="0"/>
+        </a:xfrm>
+      </p:grpSpPr>
+      <p:sp>
+        <p:nvSpPr>
+          <p:cNvPr id="2" name="Title 1">
+            <a:extLst>
+              <a:ext uri="{FF2B5EF4-FFF2-40B4-BE49-F238E27FC236}">
+                <a16:creationId xmlns:a16="http://schemas.microsoft.com/office/drawing/2014/main" id="{B17419AC-DCE6-4371-8DE2-D617E99D653D}"/>
+              </a:ext>
+            </a:extLst>
+          </p:cNvPr>
+          <p:cNvSpPr>
+            <a:spLocks noGrp="1"/>
+          </p:cNvSpPr>
+          <p:nvPr>
+            <p:ph type="title"/>
+          </p:nvPr>
+        </p:nvSpPr>
+        <p:spPr/>
+        <p:txBody>
+          <a:bodyPr/>
+          <a:lstStyle/>
+          <a:p>
+            <a:r>
+              <a:rPr lang="en-US" dirty="0">
+                <a:solidFill>
+                  <a:srgbClr val="C00000"/>
+                </a:solidFill>
+              </a:rPr>
+              <a:t>Anonymizing Data</a:t>
+            </a:r>
+          </a:p>
+        </p:txBody>
+      </p:sp>
+      <p:pic>
+        <p:nvPicPr>
+          <p:cNvPr id="4" name="Picture 3">
+            <a:extLst>
+              <a:ext uri="{FF2B5EF4-FFF2-40B4-BE49-F238E27FC236}">
+                <a16:creationId xmlns:a16="http://schemas.microsoft.com/office/drawing/2014/main" id="{7740AA24-C4C9-418B-EE87-BA36D1B9962C}"/>
+              </a:ext>
+            </a:extLst>
+          </p:cNvPr>
+          <p:cNvPicPr>
+            <a:picLocks noChangeAspect="1"/>
+          </p:cNvPicPr>
+          <p:nvPr/>
+        </p:nvPicPr>
+        <p:blipFill>
+          <a:blip r:embed="rId3"/>
+          <a:stretch>
+            <a:fillRect/>
+          </a:stretch>
+        </p:blipFill>
+        <p:spPr>
+          <a:xfrm>
+            <a:off x="2688711" y="1723530"/>
+            <a:ext cx="6814577" cy="4769345"/>
+          </a:xfrm>
+          <a:prstGeom prst="rect">
+            <a:avLst/>
+          </a:prstGeom>
+        </p:spPr>
+      </p:pic>
+    </p:spTree>
+    <p:extLst>
+      <p:ext uri="{BB962C8B-B14F-4D97-AF65-F5344CB8AC3E}">
+        <p14:creationId xmlns:p14="http://schemas.microsoft.com/office/powerpoint/2010/main" val="3110923529"/>
+      </p:ext>
+    </p:extLst>
+  </p:cSld>
+  <p:clrMapOvr>
+    <a:masterClrMapping/>
+  </p:clrMapOvr>
+</p:sld>
+</file>
+
 <file path=ppt/theme/theme1.xml><?xml version="1.0" encoding="utf-8"?>
 <a:theme xmlns:a="http://schemas.openxmlformats.org/drawingml/2006/main" name="Office Theme">
   <a:themeElements>

--- a/CSCE689-23/L32.pptx
+++ b/CSCE689-23/L32.pptx
@@ -224,7 +224,7 @@
           <a:p>
             <a:fld id="{E1FBC42D-3AD6-4018-81B8-F42E5EFE9B6A}" type="datetimeFigureOut">
               <a:rPr lang="en-US" smtClean="0"/>
-              <a:t>11/14/2023</a:t>
+              <a:t>11/15/2023</a:t>
             </a:fld>
             <a:endParaRPr lang="en-US"/>
           </a:p>
@@ -2843,7 +2843,7 @@
           <a:p>
             <a:fld id="{0E61CA3A-265B-4272-B7DF-E812B5ED0E2B}" type="datetimeFigureOut">
               <a:rPr lang="en-US" smtClean="0"/>
-              <a:t>11/14/2023</a:t>
+              <a:t>11/15/2023</a:t>
             </a:fld>
             <a:endParaRPr lang="en-US"/>
           </a:p>
@@ -3041,7 +3041,7 @@
           <a:p>
             <a:fld id="{0E61CA3A-265B-4272-B7DF-E812B5ED0E2B}" type="datetimeFigureOut">
               <a:rPr lang="en-US" smtClean="0"/>
-              <a:t>11/14/2023</a:t>
+              <a:t>11/15/2023</a:t>
             </a:fld>
             <a:endParaRPr lang="en-US"/>
           </a:p>
@@ -3249,7 +3249,7 @@
           <a:p>
             <a:fld id="{0E61CA3A-265B-4272-B7DF-E812B5ED0E2B}" type="datetimeFigureOut">
               <a:rPr lang="en-US" smtClean="0"/>
-              <a:t>11/14/2023</a:t>
+              <a:t>11/15/2023</a:t>
             </a:fld>
             <a:endParaRPr lang="en-US"/>
           </a:p>
@@ -3447,7 +3447,7 @@
           <a:p>
             <a:fld id="{0E61CA3A-265B-4272-B7DF-E812B5ED0E2B}" type="datetimeFigureOut">
               <a:rPr lang="en-US" smtClean="0"/>
-              <a:t>11/14/2023</a:t>
+              <a:t>11/15/2023</a:t>
             </a:fld>
             <a:endParaRPr lang="en-US"/>
           </a:p>
@@ -3722,7 +3722,7 @@
           <a:p>
             <a:fld id="{0E61CA3A-265B-4272-B7DF-E812B5ED0E2B}" type="datetimeFigureOut">
               <a:rPr lang="en-US" smtClean="0"/>
-              <a:t>11/14/2023</a:t>
+              <a:t>11/15/2023</a:t>
             </a:fld>
             <a:endParaRPr lang="en-US"/>
           </a:p>
@@ -3987,7 +3987,7 @@
           <a:p>
             <a:fld id="{0E61CA3A-265B-4272-B7DF-E812B5ED0E2B}" type="datetimeFigureOut">
               <a:rPr lang="en-US" smtClean="0"/>
-              <a:t>11/14/2023</a:t>
+              <a:t>11/15/2023</a:t>
             </a:fld>
             <a:endParaRPr lang="en-US"/>
           </a:p>
@@ -4399,7 +4399,7 @@
           <a:p>
             <a:fld id="{0E61CA3A-265B-4272-B7DF-E812B5ED0E2B}" type="datetimeFigureOut">
               <a:rPr lang="en-US" smtClean="0"/>
-              <a:t>11/14/2023</a:t>
+              <a:t>11/15/2023</a:t>
             </a:fld>
             <a:endParaRPr lang="en-US"/>
           </a:p>
@@ -4540,7 +4540,7 @@
           <a:p>
             <a:fld id="{0E61CA3A-265B-4272-B7DF-E812B5ED0E2B}" type="datetimeFigureOut">
               <a:rPr lang="en-US" smtClean="0"/>
-              <a:t>11/14/2023</a:t>
+              <a:t>11/15/2023</a:t>
             </a:fld>
             <a:endParaRPr lang="en-US"/>
           </a:p>
@@ -4653,7 +4653,7 @@
           <a:p>
             <a:fld id="{0E61CA3A-265B-4272-B7DF-E812B5ED0E2B}" type="datetimeFigureOut">
               <a:rPr lang="en-US" smtClean="0"/>
-              <a:t>11/14/2023</a:t>
+              <a:t>11/15/2023</a:t>
             </a:fld>
             <a:endParaRPr lang="en-US"/>
           </a:p>
@@ -4964,7 +4964,7 @@
           <a:p>
             <a:fld id="{0E61CA3A-265B-4272-B7DF-E812B5ED0E2B}" type="datetimeFigureOut">
               <a:rPr lang="en-US" smtClean="0"/>
-              <a:t>11/14/2023</a:t>
+              <a:t>11/15/2023</a:t>
             </a:fld>
             <a:endParaRPr lang="en-US"/>
           </a:p>
@@ -5252,7 +5252,7 @@
           <a:p>
             <a:fld id="{0E61CA3A-265B-4272-B7DF-E812B5ED0E2B}" type="datetimeFigureOut">
               <a:rPr lang="en-US" smtClean="0"/>
-              <a:t>11/14/2023</a:t>
+              <a:t>11/15/2023</a:t>
             </a:fld>
             <a:endParaRPr lang="en-US"/>
           </a:p>
@@ -5493,7 +5493,7 @@
           <a:p>
             <a:fld id="{0E61CA3A-265B-4272-B7DF-E812B5ED0E2B}" type="datetimeFigureOut">
               <a:rPr lang="en-US" smtClean="0"/>
-              <a:t>11/14/2023</a:t>
+              <a:t>11/15/2023</a:t>
             </a:fld>
             <a:endParaRPr lang="en-US"/>
           </a:p>
@@ -8669,7 +8669,15 @@
                   <a:schemeClr val="tx1"/>
                 </a:solidFill>
               </a:rPr>
-              <a:t>Suppose a survey is conducted on a sensitive dataset and concludes that “most Aggies like Reveille”</a:t>
+              <a:t>Suppose a survey is conducted on a sensitive dataset and concludes that </a:t>
+            </a:r>
+            <a:r>
+              <a:rPr lang="en-US" sz="3200" i="1" dirty="0">
+                <a:solidFill>
+                  <a:schemeClr val="accent1"/>
+                </a:solidFill>
+              </a:rPr>
+              <a:t>“most Aggies like dogs, e.g., Reveille”</a:t>
             </a:r>
           </a:p>
           <a:p>
@@ -8720,6 +8728,42 @@
           </a:p>
         </p:txBody>
       </p:sp>
+      <p:pic>
+        <p:nvPicPr>
+          <p:cNvPr id="5" name="Picture 4">
+            <a:extLst>
+              <a:ext uri="{FF2B5EF4-FFF2-40B4-BE49-F238E27FC236}">
+                <a16:creationId xmlns:a16="http://schemas.microsoft.com/office/drawing/2014/main" id="{F6B3D54F-46E0-0CE2-D028-F8AF638692A6}"/>
+              </a:ext>
+            </a:extLst>
+          </p:cNvPr>
+          <p:cNvPicPr>
+            <a:picLocks noChangeAspect="1"/>
+          </p:cNvPicPr>
+          <p:nvPr/>
+        </p:nvPicPr>
+        <p:blipFill>
+          <a:blip r:embed="rId3">
+            <a:extLst>
+              <a:ext uri="{28A0092B-C50C-407E-A947-70E740481C1C}">
+                <a14:useLocalDpi xmlns:a14="http://schemas.microsoft.com/office/drawing/2010/main" val="0"/>
+              </a:ext>
+            </a:extLst>
+          </a:blip>
+          <a:stretch>
+            <a:fillRect/>
+          </a:stretch>
+        </p:blipFill>
+        <p:spPr>
+          <a:xfrm>
+            <a:off x="8733023" y="4780429"/>
+            <a:ext cx="2847975" cy="1600200"/>
+          </a:xfrm>
+          <a:prstGeom prst="rect">
+            <a:avLst/>
+          </a:prstGeom>
+        </p:spPr>
+      </p:pic>
     </p:spTree>
     <p:extLst>
       <p:ext uri="{BB962C8B-B14F-4D97-AF65-F5344CB8AC3E}">
@@ -9901,8 +9945,8 @@
           </a:p>
         </p:txBody>
       </p:sp>
-      <mc:AlternateContent xmlns:mc="http://schemas.openxmlformats.org/markup-compatibility/2006">
-        <mc:Choice xmlns:a14="http://schemas.microsoft.com/office/drawing/2010/main" Requires="a14">
+      <mc:AlternateContent xmlns:mc="http://schemas.openxmlformats.org/markup-compatibility/2006" xmlns:a14="http://schemas.microsoft.com/office/drawing/2010/main">
+        <mc:Choice Requires="a14">
           <p:sp>
             <p:nvSpPr>
               <p:cNvPr id="5" name="Content Placeholder 3">
@@ -10244,7 +10288,7 @@
             </p:txBody>
           </p:sp>
         </mc:Choice>
-        <mc:Fallback>
+        <mc:Fallback xmlns="">
           <p:sp>
             <p:nvSpPr>
               <p:cNvPr id="5" name="Content Placeholder 3">
@@ -10288,8 +10332,8 @@
           </p:sp>
         </mc:Fallback>
       </mc:AlternateContent>
-      <mc:AlternateContent xmlns:mc="http://schemas.openxmlformats.org/markup-compatibility/2006">
-        <mc:Choice xmlns:a14="http://schemas.microsoft.com/office/drawing/2010/main" Requires="a14">
+      <mc:AlternateContent xmlns:mc="http://schemas.openxmlformats.org/markup-compatibility/2006" xmlns:a14="http://schemas.microsoft.com/office/drawing/2010/main">
+        <mc:Choice Requires="a14">
           <p:sp>
             <p:nvSpPr>
               <p:cNvPr id="6" name="TextBox 5">
@@ -10584,7 +10628,7 @@
             </p:txBody>
           </p:sp>
         </mc:Choice>
-        <mc:Fallback>
+        <mc:Fallback xmlns="">
           <p:sp>
             <p:nvSpPr>
               <p:cNvPr id="6" name="TextBox 5">
@@ -11070,8 +11114,8 @@
           </p:sp>
         </mc:Fallback>
       </mc:AlternateContent>
-      <mc:AlternateContent xmlns:mc="http://schemas.openxmlformats.org/markup-compatibility/2006">
-        <mc:Choice xmlns:a14="http://schemas.microsoft.com/office/drawing/2010/main" Requires="a14">
+      <mc:AlternateContent xmlns:mc="http://schemas.openxmlformats.org/markup-compatibility/2006" xmlns:a14="http://schemas.microsoft.com/office/drawing/2010/main">
+        <mc:Choice Requires="a14">
           <p:sp>
             <p:nvSpPr>
               <p:cNvPr id="6" name="TextBox 5">
@@ -11366,7 +11410,7 @@
             </p:txBody>
           </p:sp>
         </mc:Choice>
-        <mc:Fallback>
+        <mc:Fallback xmlns="">
           <p:sp>
             <p:nvSpPr>
               <p:cNvPr id="6" name="TextBox 5">
@@ -11870,8 +11914,8 @@
           </a:p>
         </p:txBody>
       </p:sp>
-      <mc:AlternateContent xmlns:mc="http://schemas.openxmlformats.org/markup-compatibility/2006">
-        <mc:Choice xmlns:a14="http://schemas.microsoft.com/office/drawing/2010/main" Requires="a14">
+      <mc:AlternateContent xmlns:mc="http://schemas.openxmlformats.org/markup-compatibility/2006" xmlns:a14="http://schemas.microsoft.com/office/drawing/2010/main">
+        <mc:Choice Requires="a14">
           <p:sp>
             <p:nvSpPr>
               <p:cNvPr id="5" name="Content Placeholder 3">
@@ -12314,7 +12358,7 @@
             </p:txBody>
           </p:sp>
         </mc:Choice>
-        <mc:Fallback>
+        <mc:Fallback xmlns="">
           <p:sp>
             <p:nvSpPr>
               <p:cNvPr id="5" name="Content Placeholder 3">
@@ -12358,8 +12402,8 @@
           </p:sp>
         </mc:Fallback>
       </mc:AlternateContent>
-      <mc:AlternateContent xmlns:mc="http://schemas.openxmlformats.org/markup-compatibility/2006">
-        <mc:Choice xmlns:a14="http://schemas.microsoft.com/office/drawing/2010/main" Requires="a14">
+      <mc:AlternateContent xmlns:mc="http://schemas.openxmlformats.org/markup-compatibility/2006" xmlns:a14="http://schemas.microsoft.com/office/drawing/2010/main">
+        <mc:Choice Requires="a14">
           <p:sp>
             <p:nvSpPr>
               <p:cNvPr id="6" name="TextBox 5">
@@ -12654,7 +12698,7 @@
             </p:txBody>
           </p:sp>
         </mc:Choice>
-        <mc:Fallback>
+        <mc:Fallback xmlns="">
           <p:sp>
             <p:nvSpPr>
               <p:cNvPr id="6" name="TextBox 5">
@@ -12699,8 +12743,8 @@
           </p:sp>
         </mc:Fallback>
       </mc:AlternateContent>
-      <mc:AlternateContent xmlns:mc="http://schemas.openxmlformats.org/markup-compatibility/2006">
-        <mc:Choice xmlns:a14="http://schemas.microsoft.com/office/drawing/2010/main" Requires="a14">
+      <mc:AlternateContent xmlns:mc="http://schemas.openxmlformats.org/markup-compatibility/2006" xmlns:a14="http://schemas.microsoft.com/office/drawing/2010/main">
+        <mc:Choice Requires="a14">
           <p:sp>
             <p:nvSpPr>
               <p:cNvPr id="12" name="TextBox 11">
@@ -12993,7 +13037,7 @@
             </p:txBody>
           </p:sp>
         </mc:Choice>
-        <mc:Fallback>
+        <mc:Fallback xmlns="">
           <p:sp>
             <p:nvSpPr>
               <p:cNvPr id="12" name="TextBox 11">
@@ -13100,8 +13144,8 @@
           </a:p>
         </p:txBody>
       </p:sp>
-      <mc:AlternateContent xmlns:mc="http://schemas.openxmlformats.org/markup-compatibility/2006">
-        <mc:Choice xmlns:a14="http://schemas.microsoft.com/office/drawing/2010/main" Requires="a14">
+      <mc:AlternateContent xmlns:mc="http://schemas.openxmlformats.org/markup-compatibility/2006" xmlns:a14="http://schemas.microsoft.com/office/drawing/2010/main">
+        <mc:Choice Requires="a14">
           <p:sp>
             <p:nvSpPr>
               <p:cNvPr id="5" name="Content Placeholder 3">
@@ -13476,7 +13520,7 @@
             </p:txBody>
           </p:sp>
         </mc:Choice>
-        <mc:Fallback>
+        <mc:Fallback xmlns="">
           <p:sp>
             <p:nvSpPr>
               <p:cNvPr id="5" name="Content Placeholder 3">
@@ -13520,8 +13564,8 @@
           </p:sp>
         </mc:Fallback>
       </mc:AlternateContent>
-      <mc:AlternateContent xmlns:mc="http://schemas.openxmlformats.org/markup-compatibility/2006">
-        <mc:Choice xmlns:a14="http://schemas.microsoft.com/office/drawing/2010/main" Requires="a14">
+      <mc:AlternateContent xmlns:mc="http://schemas.openxmlformats.org/markup-compatibility/2006" xmlns:a14="http://schemas.microsoft.com/office/drawing/2010/main">
+        <mc:Choice Requires="a14">
           <p:sp>
             <p:nvSpPr>
               <p:cNvPr id="6" name="TextBox 5">
@@ -13816,7 +13860,7 @@
             </p:txBody>
           </p:sp>
         </mc:Choice>
-        <mc:Fallback>
+        <mc:Fallback xmlns="">
           <p:sp>
             <p:nvSpPr>
               <p:cNvPr id="6" name="TextBox 5">
@@ -13923,8 +13967,8 @@
           </a:p>
         </p:txBody>
       </p:sp>
-      <mc:AlternateContent xmlns:mc="http://schemas.openxmlformats.org/markup-compatibility/2006">
-        <mc:Choice xmlns:a14="http://schemas.microsoft.com/office/drawing/2010/main" Requires="a14">
+      <mc:AlternateContent xmlns:mc="http://schemas.openxmlformats.org/markup-compatibility/2006" xmlns:a14="http://schemas.microsoft.com/office/drawing/2010/main">
+        <mc:Choice Requires="a14">
           <p:sp>
             <p:nvSpPr>
               <p:cNvPr id="5" name="Content Placeholder 3">
@@ -14349,16 +14393,7 @@
                         </a:solidFill>
                         <a:latin typeface="Cambria Math" panose="02040503050406030204" pitchFamily="18" charset="0"/>
                       </a:rPr>
-                      <m:t>&gt;</m:t>
-                    </m:r>
-                    <m:r>
-                      <a:rPr lang="en-US" sz="3200" b="0" i="1" smtClean="0">
-                        <a:solidFill>
-                          <a:srgbClr val="C00000"/>
-                        </a:solidFill>
-                        <a:latin typeface="Cambria Math" panose="02040503050406030204" pitchFamily="18" charset="0"/>
-                      </a:rPr>
-                      <m:t>0</m:t>
+                      <m:t>&gt;0</m:t>
                     </m:r>
                   </m:oMath>
                 </a14:m>
@@ -14382,7 +14417,7 @@
             </p:txBody>
           </p:sp>
         </mc:Choice>
-        <mc:Fallback>
+        <mc:Fallback xmlns="">
           <p:sp>
             <p:nvSpPr>
               <p:cNvPr id="5" name="Content Placeholder 3">
@@ -14426,8 +14461,8 @@
           </p:sp>
         </mc:Fallback>
       </mc:AlternateContent>
-      <mc:AlternateContent xmlns:mc="http://schemas.openxmlformats.org/markup-compatibility/2006">
-        <mc:Choice xmlns:a14="http://schemas.microsoft.com/office/drawing/2010/main" Requires="a14">
+      <mc:AlternateContent xmlns:mc="http://schemas.openxmlformats.org/markup-compatibility/2006" xmlns:a14="http://schemas.microsoft.com/office/drawing/2010/main">
+        <mc:Choice Requires="a14">
           <p:sp>
             <p:nvSpPr>
               <p:cNvPr id="6" name="TextBox 5">
@@ -14722,7 +14757,7 @@
             </p:txBody>
           </p:sp>
         </mc:Choice>
-        <mc:Fallback>
+        <mc:Fallback xmlns="">
           <p:sp>
             <p:nvSpPr>
               <p:cNvPr id="6" name="TextBox 5">
@@ -15244,8 +15279,8 @@
           </p:sp>
         </mc:Fallback>
       </mc:AlternateContent>
-      <mc:AlternateContent xmlns:mc="http://schemas.openxmlformats.org/markup-compatibility/2006">
-        <mc:Choice xmlns:a14="http://schemas.microsoft.com/office/drawing/2010/main" Requires="a14">
+      <mc:AlternateContent xmlns:mc="http://schemas.openxmlformats.org/markup-compatibility/2006" xmlns:a14="http://schemas.microsoft.com/office/drawing/2010/main">
+        <mc:Choice Requires="a14">
           <p:sp>
             <p:nvSpPr>
               <p:cNvPr id="6" name="TextBox 5">
@@ -15540,7 +15575,7 @@
             </p:txBody>
           </p:sp>
         </mc:Choice>
-        <mc:Fallback>
+        <mc:Fallback xmlns="">
           <p:sp>
             <p:nvSpPr>
               <p:cNvPr id="6" name="TextBox 5">
@@ -16108,8 +16143,8 @@
           </a:p>
         </p:txBody>
       </p:sp>
-      <mc:AlternateContent xmlns:mc="http://schemas.openxmlformats.org/markup-compatibility/2006">
-        <mc:Choice xmlns:a14="http://schemas.microsoft.com/office/drawing/2010/main" Requires="a14">
+      <mc:AlternateContent xmlns:mc="http://schemas.openxmlformats.org/markup-compatibility/2006" xmlns:a14="http://schemas.microsoft.com/office/drawing/2010/main">
+        <mc:Choice Requires="a14">
           <p:sp>
             <p:nvSpPr>
               <p:cNvPr id="5" name="Content Placeholder 3">
@@ -16479,7 +16514,7 @@
             </p:txBody>
           </p:sp>
         </mc:Choice>
-        <mc:Fallback>
+        <mc:Fallback xmlns="">
           <p:sp>
             <p:nvSpPr>
               <p:cNvPr id="5" name="Content Placeholder 3">
@@ -16523,8 +16558,8 @@
           </p:sp>
         </mc:Fallback>
       </mc:AlternateContent>
-      <mc:AlternateContent xmlns:mc="http://schemas.openxmlformats.org/markup-compatibility/2006">
-        <mc:Choice xmlns:a14="http://schemas.microsoft.com/office/drawing/2010/main" Requires="a14">
+      <mc:AlternateContent xmlns:mc="http://schemas.openxmlformats.org/markup-compatibility/2006" xmlns:a14="http://schemas.microsoft.com/office/drawing/2010/main">
+        <mc:Choice Requires="a14">
           <p:sp>
             <p:nvSpPr>
               <p:cNvPr id="6" name="TextBox 5">
@@ -16819,7 +16854,7 @@
             </p:txBody>
           </p:sp>
         </mc:Choice>
-        <mc:Fallback>
+        <mc:Fallback xmlns="">
           <p:sp>
             <p:nvSpPr>
               <p:cNvPr id="6" name="TextBox 5">

--- a/CSCE689-23/L32.pptx
+++ b/CSCE689-23/L32.pptx
@@ -5,33 +5,32 @@
     <p:sldMasterId id="2147483648" r:id="rId1"/>
   </p:sldMasterIdLst>
   <p:notesMasterIdLst>
-    <p:notesMasterId r:id="rId26"/>
+    <p:notesMasterId r:id="rId25"/>
   </p:notesMasterIdLst>
   <p:sldIdLst>
-    <p:sldId id="256" r:id="rId2"/>
-    <p:sldId id="861" r:id="rId3"/>
-    <p:sldId id="989" r:id="rId4"/>
-    <p:sldId id="735" r:id="rId5"/>
-    <p:sldId id="1240" r:id="rId6"/>
-    <p:sldId id="1241" r:id="rId7"/>
-    <p:sldId id="733" r:id="rId8"/>
-    <p:sldId id="732" r:id="rId9"/>
-    <p:sldId id="731" r:id="rId10"/>
-    <p:sldId id="1242" r:id="rId11"/>
-    <p:sldId id="1243" r:id="rId12"/>
-    <p:sldId id="1245" r:id="rId13"/>
-    <p:sldId id="1246" r:id="rId14"/>
-    <p:sldId id="1247" r:id="rId15"/>
-    <p:sldId id="1248" r:id="rId16"/>
-    <p:sldId id="1249" r:id="rId17"/>
-    <p:sldId id="1251" r:id="rId18"/>
-    <p:sldId id="1250" r:id="rId19"/>
-    <p:sldId id="1252" r:id="rId20"/>
-    <p:sldId id="1254" r:id="rId21"/>
-    <p:sldId id="1255" r:id="rId22"/>
-    <p:sldId id="1256" r:id="rId23"/>
-    <p:sldId id="673" r:id="rId24"/>
-    <p:sldId id="1258" r:id="rId25"/>
+    <p:sldId id="861" r:id="rId2"/>
+    <p:sldId id="989" r:id="rId3"/>
+    <p:sldId id="735" r:id="rId4"/>
+    <p:sldId id="1240" r:id="rId5"/>
+    <p:sldId id="1241" r:id="rId6"/>
+    <p:sldId id="733" r:id="rId7"/>
+    <p:sldId id="732" r:id="rId8"/>
+    <p:sldId id="731" r:id="rId9"/>
+    <p:sldId id="1242" r:id="rId10"/>
+    <p:sldId id="1243" r:id="rId11"/>
+    <p:sldId id="1245" r:id="rId12"/>
+    <p:sldId id="1246" r:id="rId13"/>
+    <p:sldId id="1247" r:id="rId14"/>
+    <p:sldId id="1248" r:id="rId15"/>
+    <p:sldId id="1249" r:id="rId16"/>
+    <p:sldId id="1251" r:id="rId17"/>
+    <p:sldId id="1250" r:id="rId18"/>
+    <p:sldId id="1252" r:id="rId19"/>
+    <p:sldId id="1254" r:id="rId20"/>
+    <p:sldId id="1255" r:id="rId21"/>
+    <p:sldId id="1256" r:id="rId22"/>
+    <p:sldId id="673" r:id="rId23"/>
+    <p:sldId id="1258" r:id="rId24"/>
   </p:sldIdLst>
   <p:sldSz cx="12192000" cy="6858000"/>
   <p:notesSz cx="6858000" cy="9144000"/>
@@ -130,7 +129,33 @@
       </a:defRPr>
     </a:lvl9pPr>
   </p:defaultTextStyle>
+  <p:extLst>
+    <p:ext uri="{EFAFB233-063F-42B5-8137-9DF3F51BA10A}">
+      <p15:sldGuideLst xmlns:p15="http://schemas.microsoft.com/office/powerpoint/2012/main"/>
+    </p:ext>
+  </p:extLst>
 </p:presentation>
+</file>
+
+<file path=ppt/changesInfos/changesInfo1.xml><?xml version="1.0" encoding="utf-8"?>
+<pc:chgInfo xmlns:a="http://schemas.openxmlformats.org/drawingml/2006/main" xmlns:r="http://schemas.openxmlformats.org/officeDocument/2006/relationships" xmlns:ac="http://schemas.microsoft.com/office/drawing/2013/main/command" xmlns:pc="http://schemas.microsoft.com/office/powerpoint/2013/main/command">
+  <pc:docChgLst>
+    <pc:chgData name="Samson Zhou" userId="be955f33642ecbf5" providerId="LiveId" clId="{0D5326D9-C0F3-4F2D-9CA5-CBA8ECEB0E58}"/>
+    <pc:docChg chg="delSld">
+      <pc:chgData name="Samson Zhou" userId="be955f33642ecbf5" providerId="LiveId" clId="{0D5326D9-C0F3-4F2D-9CA5-CBA8ECEB0E58}" dt="2023-11-14T04:19:32.697" v="0" actId="47"/>
+      <pc:docMkLst>
+        <pc:docMk/>
+      </pc:docMkLst>
+      <pc:sldChg chg="del">
+        <pc:chgData name="Samson Zhou" userId="be955f33642ecbf5" providerId="LiveId" clId="{0D5326D9-C0F3-4F2D-9CA5-CBA8ECEB0E58}" dt="2023-11-14T04:19:32.697" v="0" actId="47"/>
+        <pc:sldMkLst>
+          <pc:docMk/>
+          <pc:sldMk cId="3264917264" sldId="256"/>
+        </pc:sldMkLst>
+      </pc:sldChg>
+    </pc:docChg>
+  </pc:docChgLst>
+</pc:chgInfo>
 </file>
 
 <file path=ppt/notesMasters/notesMaster1.xml><?xml version="1.0" encoding="utf-8"?>
@@ -547,7 +572,7 @@
           <a:p>
             <a:fld id="{3486229C-5C56-46D3-8AF7-8CB2C6C5FD7A}" type="slidenum">
               <a:rPr lang="en-US" smtClean="0"/>
-              <a:t>5</a:t>
+              <a:t>4</a:t>
             </a:fld>
             <a:endParaRPr lang="en-US" dirty="0"/>
           </a:p>
@@ -631,7 +656,7 @@
           <a:p>
             <a:fld id="{E2226E65-ADC9-4F29-BA00-34B3E2F9B8F0}" type="slidenum">
               <a:rPr lang="en-US" smtClean="0"/>
-              <a:t>14</a:t>
+              <a:t>13</a:t>
             </a:fld>
             <a:endParaRPr lang="en-US"/>
           </a:p>
@@ -715,7 +740,7 @@
           <a:p>
             <a:fld id="{E2226E65-ADC9-4F29-BA00-34B3E2F9B8F0}" type="slidenum">
               <a:rPr lang="en-US" smtClean="0"/>
-              <a:t>15</a:t>
+              <a:t>14</a:t>
             </a:fld>
             <a:endParaRPr lang="en-US"/>
           </a:p>
@@ -799,7 +824,7 @@
           <a:p>
             <a:fld id="{E2226E65-ADC9-4F29-BA00-34B3E2F9B8F0}" type="slidenum">
               <a:rPr lang="en-US" smtClean="0"/>
-              <a:t>16</a:t>
+              <a:t>15</a:t>
             </a:fld>
             <a:endParaRPr lang="en-US"/>
           </a:p>
@@ -883,7 +908,7 @@
           <a:p>
             <a:fld id="{E2226E65-ADC9-4F29-BA00-34B3E2F9B8F0}" type="slidenum">
               <a:rPr lang="en-US" smtClean="0"/>
-              <a:t>17</a:t>
+              <a:t>16</a:t>
             </a:fld>
             <a:endParaRPr lang="en-US"/>
           </a:p>
@@ -967,7 +992,7 @@
           <a:p>
             <a:fld id="{E2226E65-ADC9-4F29-BA00-34B3E2F9B8F0}" type="slidenum">
               <a:rPr lang="en-US" smtClean="0"/>
-              <a:t>18</a:t>
+              <a:t>17</a:t>
             </a:fld>
             <a:endParaRPr lang="en-US"/>
           </a:p>
@@ -1051,7 +1076,7 @@
           <a:p>
             <a:fld id="{E2226E65-ADC9-4F29-BA00-34B3E2F9B8F0}" type="slidenum">
               <a:rPr lang="en-US" smtClean="0"/>
-              <a:t>19</a:t>
+              <a:t>18</a:t>
             </a:fld>
             <a:endParaRPr lang="en-US"/>
           </a:p>
@@ -1135,7 +1160,7 @@
           <a:p>
             <a:fld id="{E2226E65-ADC9-4F29-BA00-34B3E2F9B8F0}" type="slidenum">
               <a:rPr lang="en-US" smtClean="0"/>
-              <a:t>20</a:t>
+              <a:t>19</a:t>
             </a:fld>
             <a:endParaRPr lang="en-US"/>
           </a:p>
@@ -1219,7 +1244,7 @@
           <a:p>
             <a:fld id="{E2226E65-ADC9-4F29-BA00-34B3E2F9B8F0}" type="slidenum">
               <a:rPr lang="en-US" smtClean="0"/>
-              <a:t>21</a:t>
+              <a:t>20</a:t>
             </a:fld>
             <a:endParaRPr lang="en-US"/>
           </a:p>
@@ -1303,7 +1328,7 @@
           <a:p>
             <a:fld id="{E2226E65-ADC9-4F29-BA00-34B3E2F9B8F0}" type="slidenum">
               <a:rPr lang="en-US" smtClean="0"/>
-              <a:t>22</a:t>
+              <a:t>21</a:t>
             </a:fld>
             <a:endParaRPr lang="en-US"/>
           </a:p>
@@ -1402,7 +1427,7 @@
           <a:p>
             <a:fld id="{E2226E65-ADC9-4F29-BA00-34B3E2F9B8F0}" type="slidenum">
               <a:rPr lang="en-US" smtClean="0"/>
-              <a:t>23</a:t>
+              <a:t>22</a:t>
             </a:fld>
             <a:endParaRPr lang="en-US"/>
           </a:p>
@@ -1486,7 +1511,7 @@
           <a:p>
             <a:fld id="{3486229C-5C56-46D3-8AF7-8CB2C6C5FD7A}" type="slidenum">
               <a:rPr lang="en-US" smtClean="0"/>
-              <a:t>6</a:t>
+              <a:t>5</a:t>
             </a:fld>
             <a:endParaRPr lang="en-US" dirty="0"/>
           </a:p>
@@ -1585,7 +1610,7 @@
           <a:p>
             <a:fld id="{E2226E65-ADC9-4F29-BA00-34B3E2F9B8F0}" type="slidenum">
               <a:rPr lang="en-US" smtClean="0"/>
-              <a:t>24</a:t>
+              <a:t>23</a:t>
             </a:fld>
             <a:endParaRPr lang="en-US"/>
           </a:p>
@@ -1669,7 +1694,7 @@
           <a:p>
             <a:fld id="{E2226E65-ADC9-4F29-BA00-34B3E2F9B8F0}" type="slidenum">
               <a:rPr lang="en-US" smtClean="0"/>
-              <a:t>7</a:t>
+              <a:t>6</a:t>
             </a:fld>
             <a:endParaRPr lang="en-US"/>
           </a:p>
@@ -1753,7 +1778,7 @@
           <a:p>
             <a:fld id="{E2226E65-ADC9-4F29-BA00-34B3E2F9B8F0}" type="slidenum">
               <a:rPr lang="en-US" smtClean="0"/>
-              <a:t>8</a:t>
+              <a:t>7</a:t>
             </a:fld>
             <a:endParaRPr lang="en-US"/>
           </a:p>
@@ -1837,7 +1862,7 @@
           <a:p>
             <a:fld id="{E2226E65-ADC9-4F29-BA00-34B3E2F9B8F0}" type="slidenum">
               <a:rPr lang="en-US" smtClean="0"/>
-              <a:t>9</a:t>
+              <a:t>8</a:t>
             </a:fld>
             <a:endParaRPr lang="en-US"/>
           </a:p>
@@ -1921,7 +1946,7 @@
           <a:p>
             <a:fld id="{E2226E65-ADC9-4F29-BA00-34B3E2F9B8F0}" type="slidenum">
               <a:rPr lang="en-US" smtClean="0"/>
-              <a:t>10</a:t>
+              <a:t>9</a:t>
             </a:fld>
             <a:endParaRPr lang="en-US"/>
           </a:p>
@@ -2005,7 +2030,7 @@
           <a:p>
             <a:fld id="{E2226E65-ADC9-4F29-BA00-34B3E2F9B8F0}" type="slidenum">
               <a:rPr lang="en-US" smtClean="0"/>
-              <a:t>11</a:t>
+              <a:t>10</a:t>
             </a:fld>
             <a:endParaRPr lang="en-US"/>
           </a:p>
@@ -2089,7 +2114,7 @@
           <a:p>
             <a:fld id="{3486229C-5C56-46D3-8AF7-8CB2C6C5FD7A}" type="slidenum">
               <a:rPr lang="en-US" smtClean="0"/>
-              <a:t>12</a:t>
+              <a:t>11</a:t>
             </a:fld>
             <a:endParaRPr lang="en-US" dirty="0"/>
           </a:p>
@@ -2173,7 +2198,7 @@
           <a:p>
             <a:fld id="{E2226E65-ADC9-4F29-BA00-34B3E2F9B8F0}" type="slidenum">
               <a:rPr lang="en-US" smtClean="0"/>
-              <a:t>13</a:t>
+              <a:t>12</a:t>
             </a:fld>
             <a:endParaRPr lang="en-US"/>
           </a:p>
@@ -5411,7 +5436,7 @@
           <p:cNvPr id="2" name="Title 1">
             <a:extLst>
               <a:ext uri="{FF2B5EF4-FFF2-40B4-BE49-F238E27FC236}">
-                <a16:creationId xmlns:a16="http://schemas.microsoft.com/office/drawing/2014/main" id="{53744331-1928-6FEC-5362-B7DA13A469CC}"/>
+                <a16:creationId xmlns:a16="http://schemas.microsoft.com/office/drawing/2014/main" id="{E4449558-8CBC-D30A-02F3-65EA383A4C4F}"/>
               </a:ext>
             </a:extLst>
           </p:cNvPr>
@@ -5424,10 +5449,19 @@
         </p:nvSpPr>
         <p:spPr/>
         <p:txBody>
-          <a:bodyPr/>
+          <a:bodyPr>
+            <a:normAutofit fontScale="90000"/>
+          </a:bodyPr>
           <a:lstStyle/>
           <a:p>
-            <a:endParaRPr lang="en-US"/>
+            <a:r>
+              <a:rPr lang="en-US" dirty="0">
+                <a:solidFill>
+                  <a:srgbClr val="C00000"/>
+                </a:solidFill>
+              </a:rPr>
+              <a:t>CSCE 689: Special Topics in Modern Algorithms for Data Science </a:t>
+            </a:r>
           </a:p>
         </p:txBody>
       </p:sp>
@@ -5436,7 +5470,7 @@
           <p:cNvPr id="3" name="Subtitle 2">
             <a:extLst>
               <a:ext uri="{FF2B5EF4-FFF2-40B4-BE49-F238E27FC236}">
-                <a16:creationId xmlns:a16="http://schemas.microsoft.com/office/drawing/2014/main" id="{FE56F3CF-B8B9-C0A4-A8C9-BC2225705B3B}"/>
+                <a16:creationId xmlns:a16="http://schemas.microsoft.com/office/drawing/2014/main" id="{89802CB3-FC8E-C393-0D77-33E8A17F6B16}"/>
               </a:ext>
             </a:extLst>
           </p:cNvPr>
@@ -5447,19 +5481,38 @@
             <p:ph type="subTitle" idx="1"/>
           </p:nvPr>
         </p:nvSpPr>
-        <p:spPr/>
-        <p:txBody>
-          <a:bodyPr/>
+        <p:spPr>
+          <a:xfrm>
+            <a:off x="1524000" y="3602037"/>
+            <a:ext cx="9144000" cy="2789797"/>
+          </a:xfrm>
+        </p:spPr>
+        <p:txBody>
+          <a:bodyPr>
+            <a:normAutofit/>
+          </a:bodyPr>
           <a:lstStyle/>
           <a:p>
-            <a:endParaRPr lang="en-US"/>
+            <a:r>
+              <a:rPr lang="en-US" sz="3600" dirty="0"/>
+              <a:t>Lecture 32</a:t>
+            </a:r>
+          </a:p>
+          <a:p>
+            <a:endParaRPr lang="en-US" sz="3600" dirty="0"/>
+          </a:p>
+          <a:p>
+            <a:r>
+              <a:rPr lang="en-US" sz="2800" dirty="0"/>
+              <a:t>Samson Zhou</a:t>
+            </a:r>
           </a:p>
         </p:txBody>
       </p:sp>
     </p:spTree>
     <p:extLst>
       <p:ext uri="{BB962C8B-B14F-4D97-AF65-F5344CB8AC3E}">
-        <p14:creationId xmlns:p14="http://schemas.microsoft.com/office/powerpoint/2010/main" val="3264917264"/>
+        <p14:creationId xmlns:p14="http://schemas.microsoft.com/office/powerpoint/2010/main" val="642191086"/>
       </p:ext>
     </p:extLst>
   </p:cSld>
@@ -5486,44 +5539,12 @@
           <a:chExt cx="0" cy="0"/>
         </a:xfrm>
       </p:grpSpPr>
-      <p:sp>
-        <p:nvSpPr>
-          <p:cNvPr id="2" name="Title 1">
-            <a:extLst>
-              <a:ext uri="{FF2B5EF4-FFF2-40B4-BE49-F238E27FC236}">
-                <a16:creationId xmlns:a16="http://schemas.microsoft.com/office/drawing/2014/main" id="{B17419AC-DCE6-4371-8DE2-D617E99D653D}"/>
-              </a:ext>
-            </a:extLst>
-          </p:cNvPr>
-          <p:cNvSpPr>
-            <a:spLocks noGrp="1"/>
-          </p:cNvSpPr>
-          <p:nvPr>
-            <p:ph type="title"/>
-          </p:nvPr>
-        </p:nvSpPr>
-        <p:spPr/>
-        <p:txBody>
-          <a:bodyPr/>
-          <a:lstStyle/>
-          <a:p>
-            <a:r>
-              <a:rPr lang="en-US" dirty="0">
-                <a:solidFill>
-                  <a:srgbClr val="C00000"/>
-                </a:solidFill>
-              </a:rPr>
-              <a:t>Anonymizing Data</a:t>
-            </a:r>
-          </a:p>
-        </p:txBody>
-      </p:sp>
       <p:pic>
         <p:nvPicPr>
-          <p:cNvPr id="4" name="Picture 3">
-            <a:extLst>
-              <a:ext uri="{FF2B5EF4-FFF2-40B4-BE49-F238E27FC236}">
-                <a16:creationId xmlns:a16="http://schemas.microsoft.com/office/drawing/2014/main" id="{7740AA24-C4C9-418B-EE87-BA36D1B9962C}"/>
+          <p:cNvPr id="5" name="Picture 4">
+            <a:extLst>
+              <a:ext uri="{FF2B5EF4-FFF2-40B4-BE49-F238E27FC236}">
+                <a16:creationId xmlns:a16="http://schemas.microsoft.com/office/drawing/2014/main" id="{F4116BC6-7A44-F137-E79C-38C98331A931}"/>
               </a:ext>
             </a:extLst>
           </p:cNvPr>
@@ -5540,18 +5561,53 @@
         </p:blipFill>
         <p:spPr>
           <a:xfrm>
-            <a:off x="2688711" y="1723530"/>
-            <a:ext cx="6814577" cy="4769345"/>
+            <a:off x="1837266" y="0"/>
+            <a:ext cx="8517467" cy="6858000"/>
           </a:xfrm>
           <a:prstGeom prst="rect">
             <a:avLst/>
           </a:prstGeom>
         </p:spPr>
       </p:pic>
+      <p:sp>
+        <p:nvSpPr>
+          <p:cNvPr id="8" name="TextBox 7">
+            <a:extLst>
+              <a:ext uri="{FF2B5EF4-FFF2-40B4-BE49-F238E27FC236}">
+                <a16:creationId xmlns:a16="http://schemas.microsoft.com/office/drawing/2014/main" id="{EA8D862B-7DDA-0C44-F348-BD384EA2ACEF}"/>
+              </a:ext>
+            </a:extLst>
+          </p:cNvPr>
+          <p:cNvSpPr txBox="1"/>
+          <p:nvPr/>
+        </p:nvSpPr>
+        <p:spPr>
+          <a:xfrm>
+            <a:off x="67142" y="6385723"/>
+            <a:ext cx="3091693" cy="369332"/>
+          </a:xfrm>
+          <a:prstGeom prst="rect">
+            <a:avLst/>
+          </a:prstGeom>
+          <a:noFill/>
+        </p:spPr>
+        <p:txBody>
+          <a:bodyPr wrap="square">
+            <a:spAutoFit/>
+          </a:bodyPr>
+          <a:lstStyle/>
+          <a:p>
+            <a:r>
+              <a:rPr lang="en-US" dirty="0"/>
+              <a:t>Image from Arvind Narayanan</a:t>
+            </a:r>
+          </a:p>
+        </p:txBody>
+      </p:sp>
     </p:spTree>
     <p:extLst>
       <p:ext uri="{BB962C8B-B14F-4D97-AF65-F5344CB8AC3E}">
-        <p14:creationId xmlns:p14="http://schemas.microsoft.com/office/powerpoint/2010/main" val="3110923529"/>
+        <p14:creationId xmlns:p14="http://schemas.microsoft.com/office/powerpoint/2010/main" val="1719255936"/>
       </p:ext>
     </p:extLst>
   </p:cSld>
@@ -5578,67 +5634,122 @@
           <a:chExt cx="0" cy="0"/>
         </a:xfrm>
       </p:grpSpPr>
-      <p:pic>
-        <p:nvPicPr>
-          <p:cNvPr id="5" name="Picture 4">
-            <a:extLst>
-              <a:ext uri="{FF2B5EF4-FFF2-40B4-BE49-F238E27FC236}">
-                <a16:creationId xmlns:a16="http://schemas.microsoft.com/office/drawing/2014/main" id="{F4116BC6-7A44-F137-E79C-38C98331A931}"/>
-              </a:ext>
-            </a:extLst>
-          </p:cNvPr>
-          <p:cNvPicPr>
-            <a:picLocks noChangeAspect="1"/>
-          </p:cNvPicPr>
-          <p:nvPr/>
-        </p:nvPicPr>
-        <p:blipFill>
-          <a:blip r:embed="rId3"/>
-          <a:stretch>
-            <a:fillRect/>
-          </a:stretch>
-        </p:blipFill>
+      <p:sp>
+        <p:nvSpPr>
+          <p:cNvPr id="2" name="Title 1">
+            <a:extLst>
+              <a:ext uri="{FF2B5EF4-FFF2-40B4-BE49-F238E27FC236}">
+                <a16:creationId xmlns:a16="http://schemas.microsoft.com/office/drawing/2014/main" id="{6D984B7A-8516-47FC-9176-8158CF0B5C45}"/>
+              </a:ext>
+            </a:extLst>
+          </p:cNvPr>
+          <p:cNvSpPr>
+            <a:spLocks noGrp="1"/>
+          </p:cNvSpPr>
+          <p:nvPr>
+            <p:ph type="title"/>
+          </p:nvPr>
+        </p:nvSpPr>
+        <p:spPr/>
+        <p:txBody>
+          <a:bodyPr/>
+          <a:lstStyle/>
+          <a:p>
+            <a:r>
+              <a:rPr lang="en-US" dirty="0">
+                <a:solidFill>
+                  <a:srgbClr val="C00000"/>
+                </a:solidFill>
+              </a:rPr>
+              <a:t>Differencing Attacks</a:t>
+            </a:r>
+          </a:p>
+        </p:txBody>
+      </p:sp>
+      <p:sp>
+        <p:nvSpPr>
+          <p:cNvPr id="3" name="Content Placeholder 2">
+            <a:extLst>
+              <a:ext uri="{FF2B5EF4-FFF2-40B4-BE49-F238E27FC236}">
+                <a16:creationId xmlns:a16="http://schemas.microsoft.com/office/drawing/2014/main" id="{15255D49-9D60-44DD-910D-2EBD0529DEC9}"/>
+              </a:ext>
+            </a:extLst>
+          </p:cNvPr>
+          <p:cNvSpPr>
+            <a:spLocks noGrp="1"/>
+          </p:cNvSpPr>
+          <p:nvPr>
+            <p:ph idx="1"/>
+          </p:nvPr>
+        </p:nvSpPr>
         <p:spPr>
           <a:xfrm>
-            <a:off x="1837266" y="0"/>
-            <a:ext cx="8517467" cy="6858000"/>
+            <a:off x="838199" y="1825625"/>
+            <a:ext cx="11066929" cy="4871010"/>
           </a:xfrm>
-          <a:prstGeom prst="rect">
-            <a:avLst/>
-          </a:prstGeom>
         </p:spPr>
-      </p:pic>
-      <p:sp>
-        <p:nvSpPr>
-          <p:cNvPr id="8" name="TextBox 7">
-            <a:extLst>
-              <a:ext uri="{FF2B5EF4-FFF2-40B4-BE49-F238E27FC236}">
-                <a16:creationId xmlns:a16="http://schemas.microsoft.com/office/drawing/2014/main" id="{EA8D862B-7DDA-0C44-F348-BD384EA2ACEF}"/>
-              </a:ext>
-            </a:extLst>
-          </p:cNvPr>
-          <p:cNvSpPr txBox="1"/>
-          <p:nvPr/>
-        </p:nvSpPr>
-        <p:spPr>
-          <a:xfrm>
-            <a:off x="67142" y="6385723"/>
-            <a:ext cx="3091693" cy="369332"/>
-          </a:xfrm>
-          <a:prstGeom prst="rect">
-            <a:avLst/>
-          </a:prstGeom>
-          <a:noFill/>
-        </p:spPr>
-        <p:txBody>
-          <a:bodyPr wrap="square">
-            <a:spAutoFit/>
+        <p:txBody>
+          <a:bodyPr>
+            <a:normAutofit/>
           </a:bodyPr>
           <a:lstStyle/>
           <a:p>
+            <a:pPr>
+              <a:buClr>
+                <a:schemeClr val="tx1"/>
+              </a:buClr>
+            </a:pPr>
             <a:r>
-              <a:rPr lang="en-US" dirty="0"/>
-              <a:t>Image from Arvind Narayanan</a:t>
+              <a:rPr lang="en-US" sz="3200" dirty="0">
+                <a:solidFill>
+                  <a:schemeClr val="tx1"/>
+                </a:solidFill>
+              </a:rPr>
+              <a:t>How many people in this classroom went to Kyle Field last weekend?</a:t>
+            </a:r>
+            <a:endParaRPr lang="en-US" sz="3200" b="0" dirty="0">
+              <a:solidFill>
+                <a:schemeClr val="tx1"/>
+              </a:solidFill>
+            </a:endParaRPr>
+          </a:p>
+          <a:p>
+            <a:pPr>
+              <a:buClr>
+                <a:schemeClr val="tx1"/>
+              </a:buClr>
+            </a:pPr>
+            <a:endParaRPr lang="en-US" sz="3200" dirty="0">
+              <a:solidFill>
+                <a:schemeClr val="tx1"/>
+              </a:solidFill>
+            </a:endParaRPr>
+          </a:p>
+          <a:p>
+            <a:pPr>
+              <a:buClr>
+                <a:schemeClr val="tx1"/>
+              </a:buClr>
+            </a:pPr>
+            <a:endParaRPr lang="en-US" sz="3200" dirty="0">
+              <a:solidFill>
+                <a:schemeClr val="tx1"/>
+              </a:solidFill>
+            </a:endParaRPr>
+          </a:p>
+          <a:p>
+            <a:pPr>
+              <a:buClr>
+                <a:schemeClr val="tx1"/>
+              </a:buClr>
+            </a:pPr>
+            <a:r>
+              <a:rPr lang="en-US" sz="3200" dirty="0">
+                <a:solidFill>
+                  <a:schemeClr val="tx1"/>
+                </a:solidFill>
+              </a:rPr>
+              <a:t>How many people in this classroom besides the instructor went to Kyle Field last weekend?</a:t>
             </a:r>
           </a:p>
         </p:txBody>
@@ -5646,7 +5757,7 @@
     </p:spTree>
     <p:extLst>
       <p:ext uri="{BB962C8B-B14F-4D97-AF65-F5344CB8AC3E}">
-        <p14:creationId xmlns:p14="http://schemas.microsoft.com/office/powerpoint/2010/main" val="1719255936"/>
+        <p14:creationId xmlns:p14="http://schemas.microsoft.com/office/powerpoint/2010/main" val="2122624363"/>
       </p:ext>
     </p:extLst>
   </p:cSld>
@@ -5673,156 +5784,6 @@
           <a:chExt cx="0" cy="0"/>
         </a:xfrm>
       </p:grpSpPr>
-      <p:sp>
-        <p:nvSpPr>
-          <p:cNvPr id="2" name="Title 1">
-            <a:extLst>
-              <a:ext uri="{FF2B5EF4-FFF2-40B4-BE49-F238E27FC236}">
-                <a16:creationId xmlns:a16="http://schemas.microsoft.com/office/drawing/2014/main" id="{6D984B7A-8516-47FC-9176-8158CF0B5C45}"/>
-              </a:ext>
-            </a:extLst>
-          </p:cNvPr>
-          <p:cNvSpPr>
-            <a:spLocks noGrp="1"/>
-          </p:cNvSpPr>
-          <p:nvPr>
-            <p:ph type="title"/>
-          </p:nvPr>
-        </p:nvSpPr>
-        <p:spPr/>
-        <p:txBody>
-          <a:bodyPr/>
-          <a:lstStyle/>
-          <a:p>
-            <a:r>
-              <a:rPr lang="en-US" dirty="0">
-                <a:solidFill>
-                  <a:srgbClr val="C00000"/>
-                </a:solidFill>
-              </a:rPr>
-              <a:t>Differencing Attacks</a:t>
-            </a:r>
-          </a:p>
-        </p:txBody>
-      </p:sp>
-      <p:sp>
-        <p:nvSpPr>
-          <p:cNvPr id="3" name="Content Placeholder 2">
-            <a:extLst>
-              <a:ext uri="{FF2B5EF4-FFF2-40B4-BE49-F238E27FC236}">
-                <a16:creationId xmlns:a16="http://schemas.microsoft.com/office/drawing/2014/main" id="{15255D49-9D60-44DD-910D-2EBD0529DEC9}"/>
-              </a:ext>
-            </a:extLst>
-          </p:cNvPr>
-          <p:cNvSpPr>
-            <a:spLocks noGrp="1"/>
-          </p:cNvSpPr>
-          <p:nvPr>
-            <p:ph idx="1"/>
-          </p:nvPr>
-        </p:nvSpPr>
-        <p:spPr>
-          <a:xfrm>
-            <a:off x="838199" y="1825625"/>
-            <a:ext cx="11066929" cy="4871010"/>
-          </a:xfrm>
-        </p:spPr>
-        <p:txBody>
-          <a:bodyPr>
-            <a:normAutofit/>
-          </a:bodyPr>
-          <a:lstStyle/>
-          <a:p>
-            <a:pPr>
-              <a:buClr>
-                <a:schemeClr val="tx1"/>
-              </a:buClr>
-            </a:pPr>
-            <a:r>
-              <a:rPr lang="en-US" sz="3200" dirty="0">
-                <a:solidFill>
-                  <a:schemeClr val="tx1"/>
-                </a:solidFill>
-              </a:rPr>
-              <a:t>How many people in this classroom went to Kyle Field last weekend?</a:t>
-            </a:r>
-            <a:endParaRPr lang="en-US" sz="3200" b="0" dirty="0">
-              <a:solidFill>
-                <a:schemeClr val="tx1"/>
-              </a:solidFill>
-            </a:endParaRPr>
-          </a:p>
-          <a:p>
-            <a:pPr>
-              <a:buClr>
-                <a:schemeClr val="tx1"/>
-              </a:buClr>
-            </a:pPr>
-            <a:endParaRPr lang="en-US" sz="3200" dirty="0">
-              <a:solidFill>
-                <a:schemeClr val="tx1"/>
-              </a:solidFill>
-            </a:endParaRPr>
-          </a:p>
-          <a:p>
-            <a:pPr>
-              <a:buClr>
-                <a:schemeClr val="tx1"/>
-              </a:buClr>
-            </a:pPr>
-            <a:endParaRPr lang="en-US" sz="3200" dirty="0">
-              <a:solidFill>
-                <a:schemeClr val="tx1"/>
-              </a:solidFill>
-            </a:endParaRPr>
-          </a:p>
-          <a:p>
-            <a:pPr>
-              <a:buClr>
-                <a:schemeClr val="tx1"/>
-              </a:buClr>
-            </a:pPr>
-            <a:r>
-              <a:rPr lang="en-US" sz="3200" dirty="0">
-                <a:solidFill>
-                  <a:schemeClr val="tx1"/>
-                </a:solidFill>
-              </a:rPr>
-              <a:t>How many people in this classroom besides the instructor went to Kyle Field last weekend?</a:t>
-            </a:r>
-          </a:p>
-        </p:txBody>
-      </p:sp>
-    </p:spTree>
-    <p:extLst>
-      <p:ext uri="{BB962C8B-B14F-4D97-AF65-F5344CB8AC3E}">
-        <p14:creationId xmlns:p14="http://schemas.microsoft.com/office/powerpoint/2010/main" val="2122624363"/>
-      </p:ext>
-    </p:extLst>
-  </p:cSld>
-  <p:clrMapOvr>
-    <a:masterClrMapping/>
-  </p:clrMapOvr>
-</p:sld>
-</file>
-
-<file path=ppt/slides/slide13.xml><?xml version="1.0" encoding="utf-8"?>
-<p:sld xmlns:a="http://schemas.openxmlformats.org/drawingml/2006/main" xmlns:r="http://schemas.openxmlformats.org/officeDocument/2006/relationships" xmlns:p="http://schemas.openxmlformats.org/presentationml/2006/main">
-  <p:cSld>
-    <p:spTree>
-      <p:nvGrpSpPr>
-        <p:cNvPr id="1" name=""/>
-        <p:cNvGrpSpPr/>
-        <p:nvPr/>
-      </p:nvGrpSpPr>
-      <p:grpSpPr>
-        <a:xfrm>
-          <a:off x="0" y="0"/>
-          <a:ext cx="0" cy="0"/>
-          <a:chOff x="0" y="0"/>
-          <a:chExt cx="0" cy="0"/>
-        </a:xfrm>
-      </p:grpSpPr>
       <p:pic>
         <p:nvPicPr>
           <p:cNvPr id="3" name="Picture 2">
@@ -5901,7 +5862,7 @@
 </p:sld>
 </file>
 
-<file path=ppt/slides/slide14.xml><?xml version="1.0" encoding="utf-8"?>
+<file path=ppt/slides/slide13.xml><?xml version="1.0" encoding="utf-8"?>
 <p:sld xmlns:a="http://schemas.openxmlformats.org/drawingml/2006/main" xmlns:r="http://schemas.openxmlformats.org/officeDocument/2006/relationships" xmlns:p="http://schemas.openxmlformats.org/presentationml/2006/main">
   <p:cSld>
     <p:spTree>
@@ -6257,7 +6218,7 @@
 </p:sld>
 </file>
 
-<file path=ppt/slides/slide15.xml><?xml version="1.0" encoding="utf-8"?>
+<file path=ppt/slides/slide14.xml><?xml version="1.0" encoding="utf-8"?>
 <p:sld xmlns:a="http://schemas.openxmlformats.org/drawingml/2006/main" xmlns:r="http://schemas.openxmlformats.org/officeDocument/2006/relationships" xmlns:p="http://schemas.openxmlformats.org/presentationml/2006/main">
   <p:cSld>
     <p:spTree>
@@ -6483,7 +6444,7 @@
 </p:sld>
 </file>
 
-<file path=ppt/slides/slide16.xml><?xml version="1.0" encoding="utf-8"?>
+<file path=ppt/slides/slide15.xml><?xml version="1.0" encoding="utf-8"?>
 <p:sld xmlns:a="http://schemas.openxmlformats.org/drawingml/2006/main" xmlns:r="http://schemas.openxmlformats.org/officeDocument/2006/relationships" xmlns:p="http://schemas.openxmlformats.org/presentationml/2006/main">
   <p:cSld>
     <p:spTree>
@@ -6640,7 +6601,7 @@
 </p:sld>
 </file>
 
-<file path=ppt/slides/slide17.xml><?xml version="1.0" encoding="utf-8"?>
+<file path=ppt/slides/slide16.xml><?xml version="1.0" encoding="utf-8"?>
 <p:sld xmlns:a="http://schemas.openxmlformats.org/drawingml/2006/main" xmlns:r="http://schemas.openxmlformats.org/officeDocument/2006/relationships" xmlns:p="http://schemas.openxmlformats.org/presentationml/2006/main">
   <p:cSld>
     <p:spTree>
@@ -7041,7 +7002,7 @@
 </p:sld>
 </file>
 
-<file path=ppt/slides/slide18.xml><?xml version="1.0" encoding="utf-8"?>
+<file path=ppt/slides/slide17.xml><?xml version="1.0" encoding="utf-8"?>
 <p:sld xmlns:a="http://schemas.openxmlformats.org/drawingml/2006/main" xmlns:r="http://schemas.openxmlformats.org/officeDocument/2006/relationships" xmlns:p="http://schemas.openxmlformats.org/presentationml/2006/main">
   <p:cSld>
     <p:spTree>
@@ -7591,7 +7552,7 @@
 </p:sld>
 </file>
 
-<file path=ppt/slides/slide19.xml><?xml version="1.0" encoding="utf-8"?>
+<file path=ppt/slides/slide18.xml><?xml version="1.0" encoding="utf-8"?>
 <p:sld xmlns:a="http://schemas.openxmlformats.org/drawingml/2006/main" xmlns:r="http://schemas.openxmlformats.org/officeDocument/2006/relationships" xmlns:p="http://schemas.openxmlformats.org/presentationml/2006/main">
   <p:cSld>
     <p:spTree>
@@ -8136,6 +8097,163 @@
 </p:sld>
 </file>
 
+<file path=ppt/slides/slide19.xml><?xml version="1.0" encoding="utf-8"?>
+<p:sld xmlns:a="http://schemas.openxmlformats.org/drawingml/2006/main" xmlns:r="http://schemas.openxmlformats.org/officeDocument/2006/relationships" xmlns:p="http://schemas.openxmlformats.org/presentationml/2006/main">
+  <p:cSld>
+    <p:spTree>
+      <p:nvGrpSpPr>
+        <p:cNvPr id="1" name=""/>
+        <p:cNvGrpSpPr/>
+        <p:nvPr/>
+      </p:nvGrpSpPr>
+      <p:grpSpPr>
+        <a:xfrm>
+          <a:off x="0" y="0"/>
+          <a:ext cx="0" cy="0"/>
+          <a:chOff x="0" y="0"/>
+          <a:chExt cx="0" cy="0"/>
+        </a:xfrm>
+      </p:grpSpPr>
+      <p:sp>
+        <p:nvSpPr>
+          <p:cNvPr id="2" name="Title 1">
+            <a:extLst>
+              <a:ext uri="{FF2B5EF4-FFF2-40B4-BE49-F238E27FC236}">
+                <a16:creationId xmlns:a16="http://schemas.microsoft.com/office/drawing/2014/main" id="{AACC8D89-2FD2-37B7-6EF0-6329A9F75CA4}"/>
+              </a:ext>
+            </a:extLst>
+          </p:cNvPr>
+          <p:cNvSpPr>
+            <a:spLocks noGrp="1"/>
+          </p:cNvSpPr>
+          <p:nvPr>
+            <p:ph type="title"/>
+          </p:nvPr>
+        </p:nvSpPr>
+        <p:spPr>
+          <a:xfrm>
+            <a:off x="838200" y="365125"/>
+            <a:ext cx="10515600" cy="1325563"/>
+          </a:xfrm>
+        </p:spPr>
+        <p:txBody>
+          <a:bodyPr/>
+          <a:lstStyle/>
+          <a:p>
+            <a:r>
+              <a:rPr lang="en-US" dirty="0">
+                <a:solidFill>
+                  <a:srgbClr val="C00000"/>
+                </a:solidFill>
+              </a:rPr>
+              <a:t>Possible Notion for Privacy #1</a:t>
+            </a:r>
+          </a:p>
+        </p:txBody>
+      </p:sp>
+      <p:sp>
+        <p:nvSpPr>
+          <p:cNvPr id="4" name="Content Placeholder 2">
+            <a:extLst>
+              <a:ext uri="{FF2B5EF4-FFF2-40B4-BE49-F238E27FC236}">
+                <a16:creationId xmlns:a16="http://schemas.microsoft.com/office/drawing/2014/main" id="{C619D92C-18DC-C0D1-F761-38BD493BE0F7}"/>
+              </a:ext>
+            </a:extLst>
+          </p:cNvPr>
+          <p:cNvSpPr>
+            <a:spLocks noGrp="1"/>
+          </p:cNvSpPr>
+          <p:nvPr>
+            <p:ph idx="1"/>
+          </p:nvPr>
+        </p:nvSpPr>
+        <p:spPr>
+          <a:xfrm>
+            <a:off x="838199" y="1825625"/>
+            <a:ext cx="11066929" cy="4871010"/>
+          </a:xfrm>
+        </p:spPr>
+        <p:txBody>
+          <a:bodyPr>
+            <a:normAutofit/>
+          </a:bodyPr>
+          <a:lstStyle/>
+          <a:p>
+            <a:pPr>
+              <a:buClr>
+                <a:schemeClr val="tx1"/>
+              </a:buClr>
+            </a:pPr>
+            <a:r>
+              <a:rPr lang="en-US" sz="3200" dirty="0">
+                <a:solidFill>
+                  <a:schemeClr val="tx1"/>
+                </a:solidFill>
+              </a:rPr>
+              <a:t>Suppose a survey is conducted on a sensitive dataset and concludes that “most Aggies like Reveille”</a:t>
+            </a:r>
+          </a:p>
+          <a:p>
+            <a:pPr>
+              <a:buClr>
+                <a:schemeClr val="tx1"/>
+              </a:buClr>
+            </a:pPr>
+            <a:endParaRPr lang="en-US" sz="3200" dirty="0"/>
+          </a:p>
+          <a:p>
+            <a:pPr>
+              <a:buClr>
+                <a:schemeClr val="tx1"/>
+              </a:buClr>
+            </a:pPr>
+            <a:r>
+              <a:rPr lang="en-US" sz="3200" dirty="0">
+                <a:solidFill>
+                  <a:schemeClr val="tx1"/>
+                </a:solidFill>
+              </a:rPr>
+              <a:t>Alice is a known Aggie, and so a data analyst infers that Alice is more likely to be a dog owner and asks for higher apartment cleaning rates</a:t>
+            </a:r>
+          </a:p>
+          <a:p>
+            <a:pPr>
+              <a:buClr>
+                <a:schemeClr val="tx1"/>
+              </a:buClr>
+            </a:pPr>
+            <a:endParaRPr lang="en-US" sz="3200" dirty="0"/>
+          </a:p>
+          <a:p>
+            <a:pPr>
+              <a:buClr>
+                <a:schemeClr val="tx1"/>
+              </a:buClr>
+            </a:pPr>
+            <a:r>
+              <a:rPr lang="en-US" sz="3200" dirty="0">
+                <a:solidFill>
+                  <a:srgbClr val="FF0000"/>
+                </a:solidFill>
+              </a:rPr>
+              <a:t>Was Alice’s privacy violated by this study?</a:t>
+            </a:r>
+          </a:p>
+        </p:txBody>
+      </p:sp>
+    </p:spTree>
+    <p:extLst>
+      <p:ext uri="{BB962C8B-B14F-4D97-AF65-F5344CB8AC3E}">
+        <p14:creationId xmlns:p14="http://schemas.microsoft.com/office/powerpoint/2010/main" val="2417131613"/>
+      </p:ext>
+    </p:extLst>
+  </p:cSld>
+  <p:clrMapOvr>
+    <a:masterClrMapping/>
+  </p:clrMapOvr>
+</p:sld>
+</file>
+
 <file path=ppt/slides/slide2.xml><?xml version="1.0" encoding="utf-8"?>
 <p:sld xmlns:a="http://schemas.openxmlformats.org/drawingml/2006/main" xmlns:r="http://schemas.openxmlformats.org/officeDocument/2006/relationships" xmlns:p="http://schemas.openxmlformats.org/presentationml/2006/main">
   <p:cSld>
@@ -8158,7 +8276,7 @@
           <p:cNvPr id="2" name="Title 1">
             <a:extLst>
               <a:ext uri="{FF2B5EF4-FFF2-40B4-BE49-F238E27FC236}">
-                <a16:creationId xmlns:a16="http://schemas.microsoft.com/office/drawing/2014/main" id="{E4449558-8CBC-D30A-02F3-65EA383A4C4F}"/>
+                <a16:creationId xmlns:a16="http://schemas.microsoft.com/office/drawing/2014/main" id="{FCA5AC62-A5FD-2A5B-018F-859A378AA1D4}"/>
               </a:ext>
             </a:extLst>
           </p:cNvPr>
@@ -8166,14 +8284,17 @@
             <a:spLocks noGrp="1"/>
           </p:cNvSpPr>
           <p:nvPr>
-            <p:ph type="ctrTitle"/>
-          </p:nvPr>
-        </p:nvSpPr>
-        <p:spPr/>
-        <p:txBody>
-          <a:bodyPr>
-            <a:normAutofit fontScale="90000"/>
-          </a:bodyPr>
+            <p:ph type="title"/>
+          </p:nvPr>
+        </p:nvSpPr>
+        <p:spPr>
+          <a:xfrm>
+            <a:off x="838199" y="365125"/>
+            <a:ext cx="10780059" cy="1325563"/>
+          </a:xfrm>
+        </p:spPr>
+        <p:txBody>
+          <a:bodyPr/>
           <a:lstStyle/>
           <a:p>
             <a:r>
@@ -8182,17 +8303,17 @@
                   <a:srgbClr val="C00000"/>
                 </a:solidFill>
               </a:rPr>
-              <a:t>CSCE 689: Special Topics in Modern Algorithms for Data Science </a:t>
+              <a:t>Presentation Schedule</a:t>
             </a:r>
           </a:p>
         </p:txBody>
       </p:sp>
       <p:sp>
         <p:nvSpPr>
-          <p:cNvPr id="3" name="Subtitle 2">
-            <a:extLst>
-              <a:ext uri="{FF2B5EF4-FFF2-40B4-BE49-F238E27FC236}">
-                <a16:creationId xmlns:a16="http://schemas.microsoft.com/office/drawing/2014/main" id="{89802CB3-FC8E-C393-0D77-33E8A17F6B16}"/>
+          <p:cNvPr id="3" name="Content Placeholder 2">
+            <a:extLst>
+              <a:ext uri="{FF2B5EF4-FFF2-40B4-BE49-F238E27FC236}">
+                <a16:creationId xmlns:a16="http://schemas.microsoft.com/office/drawing/2014/main" id="{76F2126B-4AA6-302B-7E5A-170FFAAB8BD1}"/>
               </a:ext>
             </a:extLst>
           </p:cNvPr>
@@ -8200,13 +8321,13 @@
             <a:spLocks noGrp="1"/>
           </p:cNvSpPr>
           <p:nvPr>
-            <p:ph type="subTitle" idx="1"/>
+            <p:ph idx="1"/>
           </p:nvPr>
         </p:nvSpPr>
         <p:spPr>
           <a:xfrm>
-            <a:off x="1524000" y="3602037"/>
-            <a:ext cx="9144000" cy="2789797"/>
+            <a:off x="838200" y="1825624"/>
+            <a:ext cx="10515600" cy="4422775"/>
           </a:xfrm>
         </p:spPr>
         <p:txBody>
@@ -8215,26 +8336,97 @@
           </a:bodyPr>
           <a:lstStyle/>
           <a:p>
+            <a:pPr>
+              <a:buClr>
+                <a:schemeClr val="tx1"/>
+              </a:buClr>
+            </a:pPr>
             <a:r>
-              <a:rPr lang="en-US" sz="3600" dirty="0"/>
-              <a:t>Lecture 32</a:t>
+              <a:rPr lang="en-US" dirty="0">
+                <a:solidFill>
+                  <a:srgbClr val="00B050"/>
+                </a:solidFill>
+              </a:rPr>
+              <a:t>November 27</a:t>
             </a:r>
-          </a:p>
-          <a:p>
-            <a:endParaRPr lang="en-US" sz="3600" dirty="0"/>
-          </a:p>
-          <a:p>
             <a:r>
-              <a:rPr lang="en-US" sz="2800" dirty="0"/>
-              <a:t>Samson Zhou</a:t>
+              <a:rPr lang="en-US" dirty="0"/>
+              <a:t>: </a:t>
             </a:r>
+            <a:r>
+              <a:rPr lang="en-US" dirty="0" err="1"/>
+              <a:t>Chunkai</a:t>
+            </a:r>
+            <a:r>
+              <a:rPr lang="en-US" dirty="0"/>
+              <a:t>, Jung, Galaxy AI</a:t>
+            </a:r>
+          </a:p>
+          <a:p>
+            <a:pPr>
+              <a:buClr>
+                <a:schemeClr val="tx1"/>
+              </a:buClr>
+            </a:pPr>
+            <a:r>
+              <a:rPr lang="en-US" dirty="0">
+                <a:solidFill>
+                  <a:srgbClr val="00B050"/>
+                </a:solidFill>
+              </a:rPr>
+              <a:t>November 29</a:t>
+            </a:r>
+            <a:r>
+              <a:rPr lang="en-US" dirty="0"/>
+              <a:t>: STMI, Anmol, Jason</a:t>
+            </a:r>
+          </a:p>
+          <a:p>
+            <a:pPr>
+              <a:buClr>
+                <a:schemeClr val="tx1"/>
+              </a:buClr>
+            </a:pPr>
+            <a:r>
+              <a:rPr lang="en-US" dirty="0">
+                <a:solidFill>
+                  <a:srgbClr val="00B050"/>
+                </a:solidFill>
+              </a:rPr>
+              <a:t>December 1</a:t>
+            </a:r>
+            <a:r>
+              <a:rPr lang="en-US" dirty="0"/>
+              <a:t>: </a:t>
+            </a:r>
+            <a:r>
+              <a:rPr lang="en-US" dirty="0" err="1"/>
+              <a:t>Bokun</a:t>
+            </a:r>
+            <a:r>
+              <a:rPr lang="en-US" dirty="0"/>
+              <a:t>, Ayesha, </a:t>
+            </a:r>
+            <a:r>
+              <a:rPr lang="en-US" dirty="0" err="1"/>
+              <a:t>Dawei</a:t>
+            </a:r>
+            <a:r>
+              <a:rPr lang="en-US" dirty="0"/>
+              <a:t>, </a:t>
+            </a:r>
+            <a:r>
+              <a:rPr lang="en-US" dirty="0" err="1"/>
+              <a:t>Lipai</a:t>
+            </a:r>
+            <a:endParaRPr lang="en-US" dirty="0"/>
           </a:p>
         </p:txBody>
       </p:sp>
     </p:spTree>
     <p:extLst>
       <p:ext uri="{BB962C8B-B14F-4D97-AF65-F5344CB8AC3E}">
-        <p14:creationId xmlns:p14="http://schemas.microsoft.com/office/powerpoint/2010/main" val="642191086"/>
+        <p14:creationId xmlns:p14="http://schemas.microsoft.com/office/powerpoint/2010/main" val="3156464587"/>
       </p:ext>
     </p:extLst>
   </p:cSld>
@@ -8245,163 +8437,6 @@
 </file>
 
 <file path=ppt/slides/slide20.xml><?xml version="1.0" encoding="utf-8"?>
-<p:sld xmlns:a="http://schemas.openxmlformats.org/drawingml/2006/main" xmlns:r="http://schemas.openxmlformats.org/officeDocument/2006/relationships" xmlns:p="http://schemas.openxmlformats.org/presentationml/2006/main">
-  <p:cSld>
-    <p:spTree>
-      <p:nvGrpSpPr>
-        <p:cNvPr id="1" name=""/>
-        <p:cNvGrpSpPr/>
-        <p:nvPr/>
-      </p:nvGrpSpPr>
-      <p:grpSpPr>
-        <a:xfrm>
-          <a:off x="0" y="0"/>
-          <a:ext cx="0" cy="0"/>
-          <a:chOff x="0" y="0"/>
-          <a:chExt cx="0" cy="0"/>
-        </a:xfrm>
-      </p:grpSpPr>
-      <p:sp>
-        <p:nvSpPr>
-          <p:cNvPr id="2" name="Title 1">
-            <a:extLst>
-              <a:ext uri="{FF2B5EF4-FFF2-40B4-BE49-F238E27FC236}">
-                <a16:creationId xmlns:a16="http://schemas.microsoft.com/office/drawing/2014/main" id="{AACC8D89-2FD2-37B7-6EF0-6329A9F75CA4}"/>
-              </a:ext>
-            </a:extLst>
-          </p:cNvPr>
-          <p:cNvSpPr>
-            <a:spLocks noGrp="1"/>
-          </p:cNvSpPr>
-          <p:nvPr>
-            <p:ph type="title"/>
-          </p:nvPr>
-        </p:nvSpPr>
-        <p:spPr>
-          <a:xfrm>
-            <a:off x="838200" y="365125"/>
-            <a:ext cx="10515600" cy="1325563"/>
-          </a:xfrm>
-        </p:spPr>
-        <p:txBody>
-          <a:bodyPr/>
-          <a:lstStyle/>
-          <a:p>
-            <a:r>
-              <a:rPr lang="en-US" dirty="0">
-                <a:solidFill>
-                  <a:srgbClr val="C00000"/>
-                </a:solidFill>
-              </a:rPr>
-              <a:t>Possible Notion for Privacy #1</a:t>
-            </a:r>
-          </a:p>
-        </p:txBody>
-      </p:sp>
-      <p:sp>
-        <p:nvSpPr>
-          <p:cNvPr id="4" name="Content Placeholder 2">
-            <a:extLst>
-              <a:ext uri="{FF2B5EF4-FFF2-40B4-BE49-F238E27FC236}">
-                <a16:creationId xmlns:a16="http://schemas.microsoft.com/office/drawing/2014/main" id="{C619D92C-18DC-C0D1-F761-38BD493BE0F7}"/>
-              </a:ext>
-            </a:extLst>
-          </p:cNvPr>
-          <p:cNvSpPr>
-            <a:spLocks noGrp="1"/>
-          </p:cNvSpPr>
-          <p:nvPr>
-            <p:ph idx="1"/>
-          </p:nvPr>
-        </p:nvSpPr>
-        <p:spPr>
-          <a:xfrm>
-            <a:off x="838199" y="1825625"/>
-            <a:ext cx="11066929" cy="4871010"/>
-          </a:xfrm>
-        </p:spPr>
-        <p:txBody>
-          <a:bodyPr>
-            <a:normAutofit/>
-          </a:bodyPr>
-          <a:lstStyle/>
-          <a:p>
-            <a:pPr>
-              <a:buClr>
-                <a:schemeClr val="tx1"/>
-              </a:buClr>
-            </a:pPr>
-            <a:r>
-              <a:rPr lang="en-US" sz="3200" dirty="0">
-                <a:solidFill>
-                  <a:schemeClr val="tx1"/>
-                </a:solidFill>
-              </a:rPr>
-              <a:t>Suppose a survey is conducted on a sensitive dataset and concludes that “most Aggies like Reveille”</a:t>
-            </a:r>
-          </a:p>
-          <a:p>
-            <a:pPr>
-              <a:buClr>
-                <a:schemeClr val="tx1"/>
-              </a:buClr>
-            </a:pPr>
-            <a:endParaRPr lang="en-US" sz="3200" dirty="0"/>
-          </a:p>
-          <a:p>
-            <a:pPr>
-              <a:buClr>
-                <a:schemeClr val="tx1"/>
-              </a:buClr>
-            </a:pPr>
-            <a:r>
-              <a:rPr lang="en-US" sz="3200" dirty="0">
-                <a:solidFill>
-                  <a:schemeClr val="tx1"/>
-                </a:solidFill>
-              </a:rPr>
-              <a:t>Alice is a known Aggie, and so a data analyst infers that Alice is more likely to be a dog owner and asks for higher apartment cleaning rates</a:t>
-            </a:r>
-          </a:p>
-          <a:p>
-            <a:pPr>
-              <a:buClr>
-                <a:schemeClr val="tx1"/>
-              </a:buClr>
-            </a:pPr>
-            <a:endParaRPr lang="en-US" sz="3200" dirty="0"/>
-          </a:p>
-          <a:p>
-            <a:pPr>
-              <a:buClr>
-                <a:schemeClr val="tx1"/>
-              </a:buClr>
-            </a:pPr>
-            <a:r>
-              <a:rPr lang="en-US" sz="3200" dirty="0">
-                <a:solidFill>
-                  <a:srgbClr val="FF0000"/>
-                </a:solidFill>
-              </a:rPr>
-              <a:t>Was Alice’s privacy violated by this study?</a:t>
-            </a:r>
-          </a:p>
-        </p:txBody>
-      </p:sp>
-    </p:spTree>
-    <p:extLst>
-      <p:ext uri="{BB962C8B-B14F-4D97-AF65-F5344CB8AC3E}">
-        <p14:creationId xmlns:p14="http://schemas.microsoft.com/office/powerpoint/2010/main" val="2417131613"/>
-      </p:ext>
-    </p:extLst>
-  </p:cSld>
-  <p:clrMapOvr>
-    <a:masterClrMapping/>
-  </p:clrMapOvr>
-</p:sld>
-</file>
-
-<file path=ppt/slides/slide21.xml><?xml version="1.0" encoding="utf-8"?>
 <p:sld xmlns:a="http://schemas.openxmlformats.org/drawingml/2006/main" xmlns:r="http://schemas.openxmlformats.org/officeDocument/2006/relationships" xmlns:p="http://schemas.openxmlformats.org/presentationml/2006/main">
   <p:cSld>
     <p:spTree>
@@ -8805,7 +8840,7 @@
 </p:sld>
 </file>
 
-<file path=ppt/slides/slide22.xml><?xml version="1.0" encoding="utf-8"?>
+<file path=ppt/slides/slide21.xml><?xml version="1.0" encoding="utf-8"?>
 <p:sld xmlns:a="http://schemas.openxmlformats.org/drawingml/2006/main" xmlns:r="http://schemas.openxmlformats.org/officeDocument/2006/relationships" xmlns:p="http://schemas.openxmlformats.org/presentationml/2006/main">
   <p:cSld>
     <p:spTree>
@@ -9338,7 +9373,7 @@
 </p:sld>
 </file>
 
-<file path=ppt/slides/slide23.xml><?xml version="1.0" encoding="utf-8"?>
+<file path=ppt/slides/slide22.xml><?xml version="1.0" encoding="utf-8"?>
 <p:sld xmlns:a="http://schemas.openxmlformats.org/drawingml/2006/main" xmlns:r="http://schemas.openxmlformats.org/officeDocument/2006/relationships" xmlns:p="http://schemas.openxmlformats.org/presentationml/2006/main">
   <p:cSld>
     <p:spTree>
@@ -10508,7 +10543,7 @@
 </p:sld>
 </file>
 
-<file path=ppt/slides/slide24.xml><?xml version="1.0" encoding="utf-8"?>
+<file path=ppt/slides/slide23.xml><?xml version="1.0" encoding="utf-8"?>
 <p:sld xmlns:a="http://schemas.openxmlformats.org/drawingml/2006/main" xmlns:r="http://schemas.openxmlformats.org/officeDocument/2006/relationships" xmlns:p="http://schemas.openxmlformats.org/presentationml/2006/main">
   <p:cSld>
     <p:spTree>
@@ -11795,188 +11830,6 @@
           <a:chExt cx="0" cy="0"/>
         </a:xfrm>
       </p:grpSpPr>
-      <p:sp>
-        <p:nvSpPr>
-          <p:cNvPr id="2" name="Title 1">
-            <a:extLst>
-              <a:ext uri="{FF2B5EF4-FFF2-40B4-BE49-F238E27FC236}">
-                <a16:creationId xmlns:a16="http://schemas.microsoft.com/office/drawing/2014/main" id="{FCA5AC62-A5FD-2A5B-018F-859A378AA1D4}"/>
-              </a:ext>
-            </a:extLst>
-          </p:cNvPr>
-          <p:cNvSpPr>
-            <a:spLocks noGrp="1"/>
-          </p:cNvSpPr>
-          <p:nvPr>
-            <p:ph type="title"/>
-          </p:nvPr>
-        </p:nvSpPr>
-        <p:spPr>
-          <a:xfrm>
-            <a:off x="838199" y="365125"/>
-            <a:ext cx="10780059" cy="1325563"/>
-          </a:xfrm>
-        </p:spPr>
-        <p:txBody>
-          <a:bodyPr/>
-          <a:lstStyle/>
-          <a:p>
-            <a:r>
-              <a:rPr lang="en-US" dirty="0">
-                <a:solidFill>
-                  <a:srgbClr val="C00000"/>
-                </a:solidFill>
-              </a:rPr>
-              <a:t>Presentation Schedule</a:t>
-            </a:r>
-          </a:p>
-        </p:txBody>
-      </p:sp>
-      <p:sp>
-        <p:nvSpPr>
-          <p:cNvPr id="3" name="Content Placeholder 2">
-            <a:extLst>
-              <a:ext uri="{FF2B5EF4-FFF2-40B4-BE49-F238E27FC236}">
-                <a16:creationId xmlns:a16="http://schemas.microsoft.com/office/drawing/2014/main" id="{76F2126B-4AA6-302B-7E5A-170FFAAB8BD1}"/>
-              </a:ext>
-            </a:extLst>
-          </p:cNvPr>
-          <p:cNvSpPr>
-            <a:spLocks noGrp="1"/>
-          </p:cNvSpPr>
-          <p:nvPr>
-            <p:ph idx="1"/>
-          </p:nvPr>
-        </p:nvSpPr>
-        <p:spPr>
-          <a:xfrm>
-            <a:off x="838200" y="1825624"/>
-            <a:ext cx="10515600" cy="4422775"/>
-          </a:xfrm>
-        </p:spPr>
-        <p:txBody>
-          <a:bodyPr>
-            <a:normAutofit/>
-          </a:bodyPr>
-          <a:lstStyle/>
-          <a:p>
-            <a:pPr>
-              <a:buClr>
-                <a:schemeClr val="tx1"/>
-              </a:buClr>
-            </a:pPr>
-            <a:r>
-              <a:rPr lang="en-US" dirty="0">
-                <a:solidFill>
-                  <a:srgbClr val="00B050"/>
-                </a:solidFill>
-              </a:rPr>
-              <a:t>November 27</a:t>
-            </a:r>
-            <a:r>
-              <a:rPr lang="en-US" dirty="0"/>
-              <a:t>: </a:t>
-            </a:r>
-            <a:r>
-              <a:rPr lang="en-US" dirty="0" err="1"/>
-              <a:t>Chunkai</a:t>
-            </a:r>
-            <a:r>
-              <a:rPr lang="en-US" dirty="0"/>
-              <a:t>, Jung, Galaxy AI</a:t>
-            </a:r>
-          </a:p>
-          <a:p>
-            <a:pPr>
-              <a:buClr>
-                <a:schemeClr val="tx1"/>
-              </a:buClr>
-            </a:pPr>
-            <a:r>
-              <a:rPr lang="en-US" dirty="0">
-                <a:solidFill>
-                  <a:srgbClr val="00B050"/>
-                </a:solidFill>
-              </a:rPr>
-              <a:t>November 29</a:t>
-            </a:r>
-            <a:r>
-              <a:rPr lang="en-US" dirty="0"/>
-              <a:t>: STMI, Anmol, Jason</a:t>
-            </a:r>
-          </a:p>
-          <a:p>
-            <a:pPr>
-              <a:buClr>
-                <a:schemeClr val="tx1"/>
-              </a:buClr>
-            </a:pPr>
-            <a:r>
-              <a:rPr lang="en-US" dirty="0">
-                <a:solidFill>
-                  <a:srgbClr val="00B050"/>
-                </a:solidFill>
-              </a:rPr>
-              <a:t>December 1</a:t>
-            </a:r>
-            <a:r>
-              <a:rPr lang="en-US" dirty="0"/>
-              <a:t>: </a:t>
-            </a:r>
-            <a:r>
-              <a:rPr lang="en-US" dirty="0" err="1"/>
-              <a:t>Bokun</a:t>
-            </a:r>
-            <a:r>
-              <a:rPr lang="en-US" dirty="0"/>
-              <a:t>, Ayesha, </a:t>
-            </a:r>
-            <a:r>
-              <a:rPr lang="en-US" dirty="0" err="1"/>
-              <a:t>Dawei</a:t>
-            </a:r>
-            <a:r>
-              <a:rPr lang="en-US" dirty="0"/>
-              <a:t>, </a:t>
-            </a:r>
-            <a:r>
-              <a:rPr lang="en-US" dirty="0" err="1"/>
-              <a:t>Lipai</a:t>
-            </a:r>
-            <a:endParaRPr lang="en-US" dirty="0"/>
-          </a:p>
-        </p:txBody>
-      </p:sp>
-    </p:spTree>
-    <p:extLst>
-      <p:ext uri="{BB962C8B-B14F-4D97-AF65-F5344CB8AC3E}">
-        <p14:creationId xmlns:p14="http://schemas.microsoft.com/office/powerpoint/2010/main" val="3156464587"/>
-      </p:ext>
-    </p:extLst>
-  </p:cSld>
-  <p:clrMapOvr>
-    <a:masterClrMapping/>
-  </p:clrMapOvr>
-</p:sld>
-</file>
-
-<file path=ppt/slides/slide4.xml><?xml version="1.0" encoding="utf-8"?>
-<p:sld xmlns:a="http://schemas.openxmlformats.org/drawingml/2006/main" xmlns:r="http://schemas.openxmlformats.org/officeDocument/2006/relationships" xmlns:p="http://schemas.openxmlformats.org/presentationml/2006/main">
-  <p:cSld>
-    <p:spTree>
-      <p:nvGrpSpPr>
-        <p:cNvPr id="1" name=""/>
-        <p:cNvGrpSpPr/>
-        <p:nvPr/>
-      </p:nvGrpSpPr>
-      <p:grpSpPr>
-        <a:xfrm>
-          <a:off x="0" y="0"/>
-          <a:ext cx="0" cy="0"/>
-          <a:chOff x="0" y="0"/>
-          <a:chExt cx="0" cy="0"/>
-        </a:xfrm>
-      </p:grpSpPr>
       <p:pic>
         <p:nvPicPr>
           <p:cNvPr id="5" name="Picture 4">
@@ -12151,7 +12004,7 @@
 </p:sld>
 </file>
 
-<file path=ppt/slides/slide5.xml><?xml version="1.0" encoding="utf-8"?>
+<file path=ppt/slides/slide4.xml><?xml version="1.0" encoding="utf-8"?>
 <p:sld xmlns:a="http://schemas.openxmlformats.org/drawingml/2006/main" xmlns:r="http://schemas.openxmlformats.org/officeDocument/2006/relationships" xmlns:p="http://schemas.openxmlformats.org/presentationml/2006/main">
   <p:cSld>
     <p:spTree>
@@ -12482,7 +12335,7 @@
 </p:sld>
 </file>
 
-<file path=ppt/slides/slide6.xml><?xml version="1.0" encoding="utf-8"?>
+<file path=ppt/slides/slide5.xml><?xml version="1.0" encoding="utf-8"?>
 <p:sld xmlns:a="http://schemas.openxmlformats.org/drawingml/2006/main" xmlns:r="http://schemas.openxmlformats.org/officeDocument/2006/relationships" xmlns:p="http://schemas.openxmlformats.org/presentationml/2006/main">
   <p:cSld>
     <p:spTree>
@@ -12834,7 +12687,7 @@
 </p:sld>
 </file>
 
-<file path=ppt/slides/slide7.xml><?xml version="1.0" encoding="utf-8"?>
+<file path=ppt/slides/slide6.xml><?xml version="1.0" encoding="utf-8"?>
 <p:sld xmlns:a="http://schemas.openxmlformats.org/drawingml/2006/main" xmlns:r="http://schemas.openxmlformats.org/officeDocument/2006/relationships" xmlns:p="http://schemas.openxmlformats.org/presentationml/2006/main">
   <p:cSld>
     <p:spTree>
@@ -13368,7 +13221,7 @@
 </p:sld>
 </file>
 
-<file path=ppt/slides/slide8.xml><?xml version="1.0" encoding="utf-8"?>
+<file path=ppt/slides/slide7.xml><?xml version="1.0" encoding="utf-8"?>
 <p:sld xmlns:a="http://schemas.openxmlformats.org/drawingml/2006/main" xmlns:r="http://schemas.openxmlformats.org/officeDocument/2006/relationships" xmlns:p="http://schemas.openxmlformats.org/presentationml/2006/main">
   <p:cSld>
     <p:spTree>
@@ -14391,7 +14244,7 @@
 </p:sld>
 </file>
 
-<file path=ppt/slides/slide9.xml><?xml version="1.0" encoding="utf-8"?>
+<file path=ppt/slides/slide8.xml><?xml version="1.0" encoding="utf-8"?>
 <p:sld xmlns:a="http://schemas.openxmlformats.org/drawingml/2006/main" xmlns:r="http://schemas.openxmlformats.org/officeDocument/2006/relationships" xmlns:p="http://schemas.openxmlformats.org/presentationml/2006/main">
   <p:cSld>
     <p:spTree>
@@ -15138,6 +14991,98 @@
 </p:sld>
 </file>
 
+<file path=ppt/slides/slide9.xml><?xml version="1.0" encoding="utf-8"?>
+<p:sld xmlns:a="http://schemas.openxmlformats.org/drawingml/2006/main" xmlns:r="http://schemas.openxmlformats.org/officeDocument/2006/relationships" xmlns:p="http://schemas.openxmlformats.org/presentationml/2006/main">
+  <p:cSld>
+    <p:spTree>
+      <p:nvGrpSpPr>
+        <p:cNvPr id="1" name=""/>
+        <p:cNvGrpSpPr/>
+        <p:nvPr/>
+      </p:nvGrpSpPr>
+      <p:grpSpPr>
+        <a:xfrm>
+          <a:off x="0" y="0"/>
+          <a:ext cx="0" cy="0"/>
+          <a:chOff x="0" y="0"/>
+          <a:chExt cx="0" cy="0"/>
+        </a:xfrm>
+      </p:grpSpPr>
+      <p:sp>
+        <p:nvSpPr>
+          <p:cNvPr id="2" name="Title 1">
+            <a:extLst>
+              <a:ext uri="{FF2B5EF4-FFF2-40B4-BE49-F238E27FC236}">
+                <a16:creationId xmlns:a16="http://schemas.microsoft.com/office/drawing/2014/main" id="{B17419AC-DCE6-4371-8DE2-D617E99D653D}"/>
+              </a:ext>
+            </a:extLst>
+          </p:cNvPr>
+          <p:cNvSpPr>
+            <a:spLocks noGrp="1"/>
+          </p:cNvSpPr>
+          <p:nvPr>
+            <p:ph type="title"/>
+          </p:nvPr>
+        </p:nvSpPr>
+        <p:spPr/>
+        <p:txBody>
+          <a:bodyPr/>
+          <a:lstStyle/>
+          <a:p>
+            <a:r>
+              <a:rPr lang="en-US" dirty="0">
+                <a:solidFill>
+                  <a:srgbClr val="C00000"/>
+                </a:solidFill>
+              </a:rPr>
+              <a:t>Anonymizing Data</a:t>
+            </a:r>
+          </a:p>
+        </p:txBody>
+      </p:sp>
+      <p:pic>
+        <p:nvPicPr>
+          <p:cNvPr id="4" name="Picture 3">
+            <a:extLst>
+              <a:ext uri="{FF2B5EF4-FFF2-40B4-BE49-F238E27FC236}">
+                <a16:creationId xmlns:a16="http://schemas.microsoft.com/office/drawing/2014/main" id="{7740AA24-C4C9-418B-EE87-BA36D1B9962C}"/>
+              </a:ext>
+            </a:extLst>
+          </p:cNvPr>
+          <p:cNvPicPr>
+            <a:picLocks noChangeAspect="1"/>
+          </p:cNvPicPr>
+          <p:nvPr/>
+        </p:nvPicPr>
+        <p:blipFill>
+          <a:blip r:embed="rId3"/>
+          <a:stretch>
+            <a:fillRect/>
+          </a:stretch>
+        </p:blipFill>
+        <p:spPr>
+          <a:xfrm>
+            <a:off x="2688711" y="1723530"/>
+            <a:ext cx="6814577" cy="4769345"/>
+          </a:xfrm>
+          <a:prstGeom prst="rect">
+            <a:avLst/>
+          </a:prstGeom>
+        </p:spPr>
+      </p:pic>
+    </p:spTree>
+    <p:extLst>
+      <p:ext uri="{BB962C8B-B14F-4D97-AF65-F5344CB8AC3E}">
+        <p14:creationId xmlns:p14="http://schemas.microsoft.com/office/powerpoint/2010/main" val="3110923529"/>
+      </p:ext>
+    </p:extLst>
+  </p:cSld>
+  <p:clrMapOvr>
+    <a:masterClrMapping/>
+  </p:clrMapOvr>
+</p:sld>
+</file>
+
 <file path=ppt/theme/theme1.xml><?xml version="1.0" encoding="utf-8"?>
 <a:theme xmlns:a="http://schemas.openxmlformats.org/drawingml/2006/main" name="Office Theme">
   <a:themeElements>
